--- a/reports/Presentation.pptx
+++ b/reports/Presentation.pptx
@@ -5,14 +5,15 @@
     <p:sldMasterId id="2147483648" r:id="rId4"/>
   </p:sldMasterIdLst>
   <p:notesMasterIdLst>
-    <p:notesMasterId r:id="rId10"/>
+    <p:notesMasterId r:id="rId11"/>
   </p:notesMasterIdLst>
   <p:sldIdLst>
     <p:sldId id="692" r:id="rId5"/>
-    <p:sldId id="697" r:id="rId6"/>
-    <p:sldId id="690" r:id="rId7"/>
-    <p:sldId id="694" r:id="rId8"/>
-    <p:sldId id="696" r:id="rId9"/>
+    <p:sldId id="690" r:id="rId6"/>
+    <p:sldId id="696" r:id="rId7"/>
+    <p:sldId id="698" r:id="rId8"/>
+    <p:sldId id="697" r:id="rId9"/>
+    <p:sldId id="694" r:id="rId10"/>
   </p:sldIdLst>
   <p:sldSz cx="12192000" cy="6858000"/>
   <p:notesSz cx="7010400" cy="9296400"/>
@@ -224,7 +225,7 @@
           <a:p>
             <a:fld id="{7363EB6A-21ED-4A50-895E-D733CF065E94}" type="datetimeFigureOut">
               <a:rPr lang="en-US" smtClean="0"/>
-              <a:t>10/28/2022</a:t>
+              <a:t>10/31/2022</a:t>
             </a:fld>
             <a:endParaRPr lang="en-US"/>
           </a:p>
@@ -556,7 +557,7 @@
           <a:p>
             <a:fld id="{8FDA6575-8F59-4B33-8503-13434B7F9133}" type="slidenum">
               <a:rPr lang="en-US" smtClean="0"/>
-              <a:t>3</a:t>
+              <a:t>2</a:t>
             </a:fld>
             <a:endParaRPr lang="en-US"/>
           </a:p>
@@ -722,7 +723,7 @@
           <a:p>
             <a:fld id="{5D2A5F1F-197A-4A27-B395-51180FF03806}" type="datetimeFigureOut">
               <a:rPr lang="en-US" smtClean="0"/>
-              <a:t>10/28/2022</a:t>
+              <a:t>10/31/2022</a:t>
             </a:fld>
             <a:endParaRPr lang="en-US"/>
           </a:p>
@@ -920,7 +921,7 @@
           <a:p>
             <a:fld id="{5D2A5F1F-197A-4A27-B395-51180FF03806}" type="datetimeFigureOut">
               <a:rPr lang="en-US" smtClean="0"/>
-              <a:t>10/28/2022</a:t>
+              <a:t>10/31/2022</a:t>
             </a:fld>
             <a:endParaRPr lang="en-US"/>
           </a:p>
@@ -1128,7 +1129,7 @@
           <a:p>
             <a:fld id="{5D2A5F1F-197A-4A27-B395-51180FF03806}" type="datetimeFigureOut">
               <a:rPr lang="en-US" smtClean="0"/>
-              <a:t>10/28/2022</a:t>
+              <a:t>10/31/2022</a:t>
             </a:fld>
             <a:endParaRPr lang="en-US"/>
           </a:p>
@@ -1366,7 +1367,7 @@
           <a:p>
             <a:fld id="{5D2A5F1F-197A-4A27-B395-51180FF03806}" type="datetimeFigureOut">
               <a:rPr lang="en-US" smtClean="0"/>
-              <a:t>10/28/2022</a:t>
+              <a:t>10/31/2022</a:t>
             </a:fld>
             <a:endParaRPr lang="en-US"/>
           </a:p>
@@ -1651,7 +1652,7 @@
           <a:p>
             <a:fld id="{5D2A5F1F-197A-4A27-B395-51180FF03806}" type="datetimeFigureOut">
               <a:rPr lang="en-US" smtClean="0"/>
-              <a:t>10/28/2022</a:t>
+              <a:t>10/31/2022</a:t>
             </a:fld>
             <a:endParaRPr lang="en-US"/>
           </a:p>
@@ -1916,7 +1917,7 @@
           <a:p>
             <a:fld id="{5D2A5F1F-197A-4A27-B395-51180FF03806}" type="datetimeFigureOut">
               <a:rPr lang="en-US" smtClean="0"/>
-              <a:t>10/28/2022</a:t>
+              <a:t>10/31/2022</a:t>
             </a:fld>
             <a:endParaRPr lang="en-US"/>
           </a:p>
@@ -2328,7 +2329,7 @@
           <a:p>
             <a:fld id="{5D2A5F1F-197A-4A27-B395-51180FF03806}" type="datetimeFigureOut">
               <a:rPr lang="en-US" smtClean="0"/>
-              <a:t>10/28/2022</a:t>
+              <a:t>10/31/2022</a:t>
             </a:fld>
             <a:endParaRPr lang="en-US"/>
           </a:p>
@@ -2441,7 +2442,7 @@
           <a:p>
             <a:fld id="{5D2A5F1F-197A-4A27-B395-51180FF03806}" type="datetimeFigureOut">
               <a:rPr lang="en-US" smtClean="0"/>
-              <a:t>10/28/2022</a:t>
+              <a:t>10/31/2022</a:t>
             </a:fld>
             <a:endParaRPr lang="en-US"/>
           </a:p>
@@ -2599,7 +2600,7 @@
           <a:p>
             <a:fld id="{5D2A5F1F-197A-4A27-B395-51180FF03806}" type="datetimeFigureOut">
               <a:rPr lang="en-US" smtClean="0"/>
-              <a:t>10/28/2022</a:t>
+              <a:t>10/31/2022</a:t>
             </a:fld>
             <a:endParaRPr lang="en-US"/>
           </a:p>
@@ -2910,7 +2911,7 @@
           <a:p>
             <a:fld id="{5D2A5F1F-197A-4A27-B395-51180FF03806}" type="datetimeFigureOut">
               <a:rPr lang="en-US" smtClean="0"/>
-              <a:t>10/28/2022</a:t>
+              <a:t>10/31/2022</a:t>
             </a:fld>
             <a:endParaRPr lang="en-US"/>
           </a:p>
@@ -3198,7 +3199,7 @@
           <a:p>
             <a:fld id="{5D2A5F1F-197A-4A27-B395-51180FF03806}" type="datetimeFigureOut">
               <a:rPr lang="en-US" smtClean="0"/>
-              <a:t>10/28/2022</a:t>
+              <a:t>10/31/2022</a:t>
             </a:fld>
             <a:endParaRPr lang="en-US"/>
           </a:p>
@@ -3439,7 +3440,7 @@
           <a:p>
             <a:fld id="{5D2A5F1F-197A-4A27-B395-51180FF03806}" type="datetimeFigureOut">
               <a:rPr lang="en-US" smtClean="0"/>
-              <a:t>10/28/2022</a:t>
+              <a:t>10/31/2022</a:t>
             </a:fld>
             <a:endParaRPr lang="en-US"/>
           </a:p>
@@ -6491,2641 +6492,6 @@
       </p:grpSpPr>
       <p:sp>
         <p:nvSpPr>
-          <p:cNvPr id="168" name="Rectangle: Single Corner Snipped 167">
-            <a:extLst>
-              <a:ext uri="{FF2B5EF4-FFF2-40B4-BE49-F238E27FC236}">
-                <a16:creationId xmlns:a16="http://schemas.microsoft.com/office/drawing/2014/main" id="{96C8A323-BDD4-9254-9FB6-48BFA60A8B49}"/>
-              </a:ext>
-            </a:extLst>
-          </p:cNvPr>
-          <p:cNvSpPr/>
-          <p:nvPr/>
-        </p:nvSpPr>
-        <p:spPr>
-          <a:xfrm>
-            <a:off x="3766747" y="462311"/>
-            <a:ext cx="1132514" cy="383211"/>
-          </a:xfrm>
-          <a:prstGeom prst="snip1Rect">
-            <a:avLst/>
-          </a:prstGeom>
-        </p:spPr>
-        <p:style>
-          <a:lnRef idx="2">
-            <a:schemeClr val="accent1">
-              <a:shade val="50000"/>
-            </a:schemeClr>
-          </a:lnRef>
-          <a:fillRef idx="1">
-            <a:schemeClr val="accent1"/>
-          </a:fillRef>
-          <a:effectRef idx="0">
-            <a:schemeClr val="accent1"/>
-          </a:effectRef>
-          <a:fontRef idx="minor">
-            <a:schemeClr val="lt1"/>
-          </a:fontRef>
-        </p:style>
-        <p:txBody>
-          <a:bodyPr rtlCol="0" anchor="ctr"/>
-          <a:lstStyle/>
-          <a:p>
-            <a:pPr algn="ctr"/>
-            <a:r>
-              <a:rPr lang="en-US"/>
-              <a:t>FSA files</a:t>
-            </a:r>
-          </a:p>
-        </p:txBody>
-      </p:sp>
-      <p:sp>
-        <p:nvSpPr>
-          <p:cNvPr id="178" name="TextBox 177">
-            <a:extLst>
-              <a:ext uri="{FF2B5EF4-FFF2-40B4-BE49-F238E27FC236}">
-                <a16:creationId xmlns:a16="http://schemas.microsoft.com/office/drawing/2014/main" id="{17312EED-B201-81AE-DE1A-61C6587DC4EC}"/>
-              </a:ext>
-            </a:extLst>
-          </p:cNvPr>
-          <p:cNvSpPr txBox="1"/>
-          <p:nvPr/>
-        </p:nvSpPr>
-        <p:spPr>
-          <a:xfrm>
-            <a:off x="9428928" y="6243868"/>
-            <a:ext cx="2271519" cy="461665"/>
-          </a:xfrm>
-          <a:prstGeom prst="rect">
-            <a:avLst/>
-          </a:prstGeom>
-          <a:noFill/>
-        </p:spPr>
-        <p:txBody>
-          <a:bodyPr wrap="none" rtlCol="0">
-            <a:spAutoFit/>
-          </a:bodyPr>
-          <a:lstStyle/>
-          <a:p>
-            <a:r>
-              <a:rPr lang="en-US" sz="1200" b="1"/>
-              <a:t>PGx</a:t>
-            </a:r>
-            <a:r>
-              <a:rPr lang="en-US" sz="1200"/>
-              <a:t>: Pharmacogenomics</a:t>
-            </a:r>
-          </a:p>
-          <a:p>
-            <a:r>
-              <a:rPr lang="en-US" sz="1200" b="1"/>
-              <a:t>FSA</a:t>
-            </a:r>
-            <a:r>
-              <a:rPr lang="en-US" sz="1200"/>
-              <a:t>: Fragment Sequence Analysis</a:t>
-            </a:r>
-          </a:p>
-        </p:txBody>
-      </p:sp>
-      <p:sp>
-        <p:nvSpPr>
-          <p:cNvPr id="185" name="TextBox 184">
-            <a:extLst>
-              <a:ext uri="{FF2B5EF4-FFF2-40B4-BE49-F238E27FC236}">
-                <a16:creationId xmlns:a16="http://schemas.microsoft.com/office/drawing/2014/main" id="{D8471238-F7FE-FC3F-3284-B5120AE2D78E}"/>
-              </a:ext>
-            </a:extLst>
-          </p:cNvPr>
-          <p:cNvSpPr txBox="1"/>
-          <p:nvPr/>
-        </p:nvSpPr>
-        <p:spPr>
-          <a:xfrm>
-            <a:off x="8278305" y="921798"/>
-            <a:ext cx="2548846" cy="276999"/>
-          </a:xfrm>
-          <a:prstGeom prst="rect">
-            <a:avLst/>
-          </a:prstGeom>
-          <a:noFill/>
-        </p:spPr>
-        <p:txBody>
-          <a:bodyPr wrap="square">
-            <a:spAutoFit/>
-          </a:bodyPr>
-          <a:lstStyle/>
-          <a:p>
-            <a:r>
-              <a:rPr lang="en-US" sz="1200" b="1"/>
-              <a:t>Proposed cloud system</a:t>
-            </a:r>
-          </a:p>
-        </p:txBody>
-      </p:sp>
-      <p:sp>
-        <p:nvSpPr>
-          <p:cNvPr id="186" name="TextBox 185">
-            <a:extLst>
-              <a:ext uri="{FF2B5EF4-FFF2-40B4-BE49-F238E27FC236}">
-                <a16:creationId xmlns:a16="http://schemas.microsoft.com/office/drawing/2014/main" id="{ABF2B7D0-D108-1459-F59D-69279A69D0BB}"/>
-              </a:ext>
-            </a:extLst>
-          </p:cNvPr>
-          <p:cNvSpPr txBox="1"/>
-          <p:nvPr/>
-        </p:nvSpPr>
-        <p:spPr>
-          <a:xfrm>
-            <a:off x="8334468" y="1225771"/>
-            <a:ext cx="3677177" cy="1107996"/>
-          </a:xfrm>
-          <a:prstGeom prst="rect">
-            <a:avLst/>
-          </a:prstGeom>
-          <a:noFill/>
-        </p:spPr>
-        <p:txBody>
-          <a:bodyPr wrap="square" rtlCol="0">
-            <a:spAutoFit/>
-          </a:bodyPr>
-          <a:lstStyle/>
-          <a:p>
-            <a:pPr marL="171450" indent="-171450">
-              <a:buFont typeface="Wingdings" panose="05000000000000000000" pitchFamily="2" charset="2"/>
-              <a:buChar char="ü"/>
-            </a:pPr>
-            <a:r>
-              <a:rPr lang="en-US" sz="1100" dirty="0"/>
-              <a:t>Provide an integration system from peak detection to report generation.</a:t>
-            </a:r>
-          </a:p>
-          <a:p>
-            <a:pPr marL="171450" indent="-171450">
-              <a:buFont typeface="Wingdings" panose="05000000000000000000" pitchFamily="2" charset="2"/>
-              <a:buChar char="ü"/>
-            </a:pPr>
-            <a:r>
-              <a:rPr lang="en-US" sz="1100" dirty="0"/>
-              <a:t>Prevent human bias</a:t>
-            </a:r>
-          </a:p>
-          <a:p>
-            <a:pPr marL="171450" indent="-171450">
-              <a:buFont typeface="Wingdings" panose="05000000000000000000" pitchFamily="2" charset="2"/>
-              <a:buChar char="ü"/>
-            </a:pPr>
-            <a:r>
-              <a:rPr lang="en-US" sz="1100" dirty="0"/>
-              <a:t>Improve efficiency</a:t>
-            </a:r>
-          </a:p>
-          <a:p>
-            <a:pPr marL="171450" indent="-171450">
-              <a:buFont typeface="Wingdings" panose="05000000000000000000" pitchFamily="2" charset="2"/>
-              <a:buChar char="ü"/>
-            </a:pPr>
-            <a:r>
-              <a:rPr lang="en-US" sz="1100" dirty="0"/>
-              <a:t>Improve management</a:t>
-            </a:r>
-          </a:p>
-          <a:p>
-            <a:pPr marL="171450" indent="-171450">
-              <a:buFont typeface="Wingdings" panose="05000000000000000000" pitchFamily="2" charset="2"/>
-              <a:buChar char="ü"/>
-            </a:pPr>
-            <a:r>
-              <a:rPr lang="en-US" sz="1100" dirty="0"/>
-              <a:t>Transparent</a:t>
-            </a:r>
-          </a:p>
-        </p:txBody>
-      </p:sp>
-      <p:sp>
-        <p:nvSpPr>
-          <p:cNvPr id="187" name="TextBox 186">
-            <a:extLst>
-              <a:ext uri="{FF2B5EF4-FFF2-40B4-BE49-F238E27FC236}">
-                <a16:creationId xmlns:a16="http://schemas.microsoft.com/office/drawing/2014/main" id="{4F19901D-E0D6-DBE3-D686-88A84A094E29}"/>
-              </a:ext>
-            </a:extLst>
-          </p:cNvPr>
-          <p:cNvSpPr txBox="1"/>
-          <p:nvPr/>
-        </p:nvSpPr>
-        <p:spPr>
-          <a:xfrm>
-            <a:off x="8305232" y="2569607"/>
-            <a:ext cx="1304973" cy="276999"/>
-          </a:xfrm>
-          <a:prstGeom prst="rect">
-            <a:avLst/>
-          </a:prstGeom>
-          <a:noFill/>
-        </p:spPr>
-        <p:txBody>
-          <a:bodyPr wrap="none" rtlCol="0">
-            <a:spAutoFit/>
-          </a:bodyPr>
-          <a:lstStyle/>
-          <a:p>
-            <a:r>
-              <a:rPr lang="en-US" sz="1200" b="1"/>
-              <a:t>Current approach</a:t>
-            </a:r>
-          </a:p>
-        </p:txBody>
-      </p:sp>
-      <p:sp>
-        <p:nvSpPr>
-          <p:cNvPr id="51" name="Rectangle 50">
-            <a:extLst>
-              <a:ext uri="{FF2B5EF4-FFF2-40B4-BE49-F238E27FC236}">
-                <a16:creationId xmlns:a16="http://schemas.microsoft.com/office/drawing/2014/main" id="{7E26E3DB-F937-19D4-F337-27311A0D72C4}"/>
-              </a:ext>
-            </a:extLst>
-          </p:cNvPr>
-          <p:cNvSpPr/>
-          <p:nvPr/>
-        </p:nvSpPr>
-        <p:spPr>
-          <a:xfrm flipH="1">
-            <a:off x="4724825" y="1222862"/>
-            <a:ext cx="2599129" cy="5172827"/>
-          </a:xfrm>
-          <a:prstGeom prst="rect">
-            <a:avLst/>
-          </a:prstGeom>
-          <a:solidFill>
-            <a:schemeClr val="accent1">
-              <a:lumMod val="20000"/>
-              <a:lumOff val="80000"/>
-              <a:alpha val="70000"/>
-            </a:schemeClr>
-          </a:solidFill>
-          <a:ln w="6350">
-            <a:noFill/>
-            <a:prstDash val="dash"/>
-          </a:ln>
-        </p:spPr>
-        <p:style>
-          <a:lnRef idx="2">
-            <a:schemeClr val="accent1">
-              <a:shade val="50000"/>
-            </a:schemeClr>
-          </a:lnRef>
-          <a:fillRef idx="1">
-            <a:schemeClr val="accent1"/>
-          </a:fillRef>
-          <a:effectRef idx="0">
-            <a:schemeClr val="accent1"/>
-          </a:effectRef>
-          <a:fontRef idx="minor">
-            <a:schemeClr val="lt1"/>
-          </a:fontRef>
-        </p:style>
-        <p:txBody>
-          <a:bodyPr rtlCol="0" anchor="ctr"/>
-          <a:lstStyle/>
-          <a:p>
-            <a:pPr algn="ctr"/>
-            <a:endParaRPr lang="en-US"/>
-          </a:p>
-        </p:txBody>
-      </p:sp>
-      <p:sp>
-        <p:nvSpPr>
-          <p:cNvPr id="52" name="TextBox 51">
-            <a:extLst>
-              <a:ext uri="{FF2B5EF4-FFF2-40B4-BE49-F238E27FC236}">
-                <a16:creationId xmlns:a16="http://schemas.microsoft.com/office/drawing/2014/main" id="{C6BBBDF1-ECB0-C968-585D-C71959A96F73}"/>
-              </a:ext>
-            </a:extLst>
-          </p:cNvPr>
-          <p:cNvSpPr txBox="1"/>
-          <p:nvPr/>
-        </p:nvSpPr>
-        <p:spPr>
-          <a:xfrm flipH="1">
-            <a:off x="5346993" y="1060297"/>
-            <a:ext cx="1544568" cy="295662"/>
-          </a:xfrm>
-          <a:prstGeom prst="roundRect">
-            <a:avLst>
-              <a:gd name="adj" fmla="val 24618"/>
-            </a:avLst>
-          </a:prstGeom>
-          <a:solidFill>
-            <a:schemeClr val="bg1"/>
-          </a:solidFill>
-          <a:ln>
-            <a:solidFill>
-              <a:schemeClr val="accent1">
-                <a:lumMod val="20000"/>
-                <a:lumOff val="80000"/>
-              </a:schemeClr>
-            </a:solidFill>
-          </a:ln>
-        </p:spPr>
-        <p:style>
-          <a:lnRef idx="2">
-            <a:schemeClr val="accent5"/>
-          </a:lnRef>
-          <a:fillRef idx="1">
-            <a:schemeClr val="lt1"/>
-          </a:fillRef>
-          <a:effectRef idx="0">
-            <a:schemeClr val="accent5"/>
-          </a:effectRef>
-          <a:fontRef idx="minor">
-            <a:schemeClr val="dk1"/>
-          </a:fontRef>
-        </p:style>
-        <p:txBody>
-          <a:bodyPr wrap="square" rtlCol="0">
-            <a:spAutoFit/>
-          </a:bodyPr>
-          <a:lstStyle/>
-          <a:p>
-            <a:r>
-              <a:rPr lang="en-US" sz="1050" b="1" dirty="0"/>
-              <a:t>Proposed cloud system</a:t>
-            </a:r>
-          </a:p>
-        </p:txBody>
-      </p:sp>
-      <p:sp>
-        <p:nvSpPr>
-          <p:cNvPr id="55" name="TextBox 54">
-            <a:extLst>
-              <a:ext uri="{FF2B5EF4-FFF2-40B4-BE49-F238E27FC236}">
-                <a16:creationId xmlns:a16="http://schemas.microsoft.com/office/drawing/2014/main" id="{16A597E2-8B7B-831E-403A-254F370414B1}"/>
-              </a:ext>
-            </a:extLst>
-          </p:cNvPr>
-          <p:cNvSpPr txBox="1"/>
-          <p:nvPr/>
-        </p:nvSpPr>
-        <p:spPr>
-          <a:xfrm flipH="1">
-            <a:off x="5114157" y="1645087"/>
-            <a:ext cx="1836617" cy="292388"/>
-          </a:xfrm>
-          <a:prstGeom prst="rect">
-            <a:avLst/>
-          </a:prstGeom>
-          <a:solidFill>
-            <a:schemeClr val="accent2">
-              <a:lumMod val="40000"/>
-              <a:lumOff val="60000"/>
-            </a:schemeClr>
-          </a:solidFill>
-          <a:ln>
-            <a:solidFill>
-              <a:schemeClr val="accent3">
-                <a:lumMod val="50000"/>
-              </a:schemeClr>
-            </a:solidFill>
-          </a:ln>
-        </p:spPr>
-        <p:style>
-          <a:lnRef idx="2">
-            <a:schemeClr val="accent5"/>
-          </a:lnRef>
-          <a:fillRef idx="1">
-            <a:schemeClr val="lt1"/>
-          </a:fillRef>
-          <a:effectRef idx="0">
-            <a:schemeClr val="accent5"/>
-          </a:effectRef>
-          <a:fontRef idx="minor">
-            <a:schemeClr val="dk1"/>
-          </a:fontRef>
-        </p:style>
-        <p:txBody>
-          <a:bodyPr wrap="square" rtlCol="0">
-            <a:spAutoFit/>
-          </a:bodyPr>
-          <a:lstStyle/>
-          <a:p>
-            <a:pPr algn="ctr"/>
-            <a:r>
-              <a:rPr lang="en-US" altLang="ko-KR" sz="1300" dirty="0"/>
-              <a:t>Estimate DNA size</a:t>
-            </a:r>
-          </a:p>
-        </p:txBody>
-      </p:sp>
-      <p:sp>
-        <p:nvSpPr>
-          <p:cNvPr id="59" name="TextBox 58">
-            <a:extLst>
-              <a:ext uri="{FF2B5EF4-FFF2-40B4-BE49-F238E27FC236}">
-                <a16:creationId xmlns:a16="http://schemas.microsoft.com/office/drawing/2014/main" id="{D1C74F49-C335-2CF0-A3AA-8CD1EA07B8B0}"/>
-              </a:ext>
-            </a:extLst>
-          </p:cNvPr>
-          <p:cNvSpPr txBox="1"/>
-          <p:nvPr/>
-        </p:nvSpPr>
-        <p:spPr>
-          <a:xfrm flipH="1">
-            <a:off x="5114157" y="2226200"/>
-            <a:ext cx="1836618" cy="292388"/>
-          </a:xfrm>
-          <a:prstGeom prst="rect">
-            <a:avLst/>
-          </a:prstGeom>
-          <a:solidFill>
-            <a:schemeClr val="accent2">
-              <a:lumMod val="40000"/>
-              <a:lumOff val="60000"/>
-            </a:schemeClr>
-          </a:solidFill>
-          <a:ln>
-            <a:solidFill>
-              <a:schemeClr val="accent3">
-                <a:lumMod val="50000"/>
-              </a:schemeClr>
-            </a:solidFill>
-          </a:ln>
-        </p:spPr>
-        <p:style>
-          <a:lnRef idx="2">
-            <a:schemeClr val="accent5"/>
-          </a:lnRef>
-          <a:fillRef idx="1">
-            <a:schemeClr val="lt1"/>
-          </a:fillRef>
-          <a:effectRef idx="0">
-            <a:schemeClr val="accent5"/>
-          </a:effectRef>
-          <a:fontRef idx="minor">
-            <a:schemeClr val="dk1"/>
-          </a:fontRef>
-        </p:style>
-        <p:txBody>
-          <a:bodyPr wrap="square" rtlCol="0">
-            <a:spAutoFit/>
-          </a:bodyPr>
-          <a:lstStyle/>
-          <a:p>
-            <a:pPr algn="ctr"/>
-            <a:r>
-              <a:rPr lang="en-US" sz="1300" dirty="0"/>
-              <a:t>Plot intensity data</a:t>
-            </a:r>
-          </a:p>
-        </p:txBody>
-      </p:sp>
-      <p:sp>
-        <p:nvSpPr>
-          <p:cNvPr id="62" name="TextBox 61">
-            <a:extLst>
-              <a:ext uri="{FF2B5EF4-FFF2-40B4-BE49-F238E27FC236}">
-                <a16:creationId xmlns:a16="http://schemas.microsoft.com/office/drawing/2014/main" id="{A4D777F3-5F94-CAB8-BEAC-D559267A53B3}"/>
-              </a:ext>
-            </a:extLst>
-          </p:cNvPr>
-          <p:cNvSpPr txBox="1"/>
-          <p:nvPr/>
-        </p:nvSpPr>
-        <p:spPr>
-          <a:xfrm flipH="1">
-            <a:off x="5114157" y="2802416"/>
-            <a:ext cx="1836618" cy="692497"/>
-          </a:xfrm>
-          <a:prstGeom prst="rect">
-            <a:avLst/>
-          </a:prstGeom>
-          <a:solidFill>
-            <a:schemeClr val="accent2">
-              <a:lumMod val="40000"/>
-              <a:lumOff val="60000"/>
-            </a:schemeClr>
-          </a:solidFill>
-          <a:ln>
-            <a:solidFill>
-              <a:schemeClr val="accent3">
-                <a:lumMod val="50000"/>
-              </a:schemeClr>
-            </a:solidFill>
-          </a:ln>
-        </p:spPr>
-        <p:style>
-          <a:lnRef idx="2">
-            <a:schemeClr val="accent5"/>
-          </a:lnRef>
-          <a:fillRef idx="1">
-            <a:schemeClr val="lt1"/>
-          </a:fillRef>
-          <a:effectRef idx="0">
-            <a:schemeClr val="accent5"/>
-          </a:effectRef>
-          <a:fontRef idx="minor">
-            <a:schemeClr val="dk1"/>
-          </a:fontRef>
-        </p:style>
-        <p:txBody>
-          <a:bodyPr wrap="square" rtlCol="0">
-            <a:spAutoFit/>
-          </a:bodyPr>
-          <a:lstStyle/>
-          <a:p>
-            <a:pPr algn="ctr"/>
-            <a:r>
-              <a:rPr lang="en-US" sz="1300" dirty="0"/>
-              <a:t>Review and adjust DNA size and intensity to detect target peaks</a:t>
-            </a:r>
-          </a:p>
-        </p:txBody>
-      </p:sp>
-      <p:sp>
-        <p:nvSpPr>
-          <p:cNvPr id="68" name="TextBox 67">
-            <a:extLst>
-              <a:ext uri="{FF2B5EF4-FFF2-40B4-BE49-F238E27FC236}">
-                <a16:creationId xmlns:a16="http://schemas.microsoft.com/office/drawing/2014/main" id="{542E9C3F-E021-E38D-D958-7D2821226886}"/>
-              </a:ext>
-            </a:extLst>
-          </p:cNvPr>
-          <p:cNvSpPr txBox="1"/>
-          <p:nvPr/>
-        </p:nvSpPr>
-        <p:spPr>
-          <a:xfrm flipH="1">
-            <a:off x="5114157" y="4608872"/>
-            <a:ext cx="1836618" cy="292388"/>
-          </a:xfrm>
-          <a:prstGeom prst="rect">
-            <a:avLst/>
-          </a:prstGeom>
-          <a:ln>
-            <a:solidFill>
-              <a:schemeClr val="accent3">
-                <a:lumMod val="50000"/>
-              </a:schemeClr>
-            </a:solidFill>
-          </a:ln>
-        </p:spPr>
-        <p:style>
-          <a:lnRef idx="2">
-            <a:schemeClr val="accent5"/>
-          </a:lnRef>
-          <a:fillRef idx="1">
-            <a:schemeClr val="lt1"/>
-          </a:fillRef>
-          <a:effectRef idx="0">
-            <a:schemeClr val="accent5"/>
-          </a:effectRef>
-          <a:fontRef idx="minor">
-            <a:schemeClr val="dk1"/>
-          </a:fontRef>
-        </p:style>
-        <p:txBody>
-          <a:bodyPr wrap="square" rtlCol="0">
-            <a:spAutoFit/>
-          </a:bodyPr>
-          <a:lstStyle/>
-          <a:p>
-            <a:pPr algn="ctr"/>
-            <a:r>
-              <a:rPr lang="en-US" sz="1300" dirty="0"/>
-              <a:t>Star-allele calling</a:t>
-            </a:r>
-          </a:p>
-        </p:txBody>
-      </p:sp>
-      <p:sp>
-        <p:nvSpPr>
-          <p:cNvPr id="69" name="TextBox 68">
-            <a:extLst>
-              <a:ext uri="{FF2B5EF4-FFF2-40B4-BE49-F238E27FC236}">
-                <a16:creationId xmlns:a16="http://schemas.microsoft.com/office/drawing/2014/main" id="{4D6C5805-63C6-99C6-05D4-C7F2933DA0A6}"/>
-              </a:ext>
-            </a:extLst>
-          </p:cNvPr>
-          <p:cNvSpPr txBox="1"/>
-          <p:nvPr/>
-        </p:nvSpPr>
-        <p:spPr>
-          <a:xfrm flipH="1">
-            <a:off x="5114157" y="5206835"/>
-            <a:ext cx="1836618" cy="292388"/>
-          </a:xfrm>
-          <a:prstGeom prst="rect">
-            <a:avLst/>
-          </a:prstGeom>
-          <a:ln>
-            <a:solidFill>
-              <a:schemeClr val="accent3">
-                <a:lumMod val="50000"/>
-              </a:schemeClr>
-            </a:solidFill>
-          </a:ln>
-        </p:spPr>
-        <p:style>
-          <a:lnRef idx="2">
-            <a:schemeClr val="accent5"/>
-          </a:lnRef>
-          <a:fillRef idx="1">
-            <a:schemeClr val="lt1"/>
-          </a:fillRef>
-          <a:effectRef idx="0">
-            <a:schemeClr val="accent5"/>
-          </a:effectRef>
-          <a:fontRef idx="minor">
-            <a:schemeClr val="dk1"/>
-          </a:fontRef>
-        </p:style>
-        <p:txBody>
-          <a:bodyPr wrap="square" rtlCol="0">
-            <a:spAutoFit/>
-          </a:bodyPr>
-          <a:lstStyle/>
-          <a:p>
-            <a:pPr algn="ctr"/>
-            <a:r>
-              <a:rPr lang="en-US" sz="1300" dirty="0"/>
-              <a:t>Confirm called results</a:t>
-            </a:r>
-          </a:p>
-        </p:txBody>
-      </p:sp>
-      <p:sp>
-        <p:nvSpPr>
-          <p:cNvPr id="70" name="TextBox 69">
-            <a:extLst>
-              <a:ext uri="{FF2B5EF4-FFF2-40B4-BE49-F238E27FC236}">
-                <a16:creationId xmlns:a16="http://schemas.microsoft.com/office/drawing/2014/main" id="{D799907A-F4D7-09FB-C943-6E5E910230C5}"/>
-              </a:ext>
-            </a:extLst>
-          </p:cNvPr>
-          <p:cNvSpPr txBox="1"/>
-          <p:nvPr/>
-        </p:nvSpPr>
-        <p:spPr>
-          <a:xfrm flipH="1">
-            <a:off x="5114157" y="5908140"/>
-            <a:ext cx="1836618" cy="292388"/>
-          </a:xfrm>
-          <a:prstGeom prst="rect">
-            <a:avLst/>
-          </a:prstGeom>
-          <a:ln>
-            <a:solidFill>
-              <a:schemeClr val="accent3">
-                <a:lumMod val="50000"/>
-              </a:schemeClr>
-            </a:solidFill>
-          </a:ln>
-        </p:spPr>
-        <p:style>
-          <a:lnRef idx="2">
-            <a:schemeClr val="accent5"/>
-          </a:lnRef>
-          <a:fillRef idx="1">
-            <a:schemeClr val="lt1"/>
-          </a:fillRef>
-          <a:effectRef idx="0">
-            <a:schemeClr val="accent5"/>
-          </a:effectRef>
-          <a:fontRef idx="minor">
-            <a:schemeClr val="dk1"/>
-          </a:fontRef>
-        </p:style>
-        <p:txBody>
-          <a:bodyPr wrap="square" rtlCol="0">
-            <a:spAutoFit/>
-          </a:bodyPr>
-          <a:lstStyle/>
-          <a:p>
-            <a:pPr algn="ctr"/>
-            <a:r>
-              <a:rPr lang="en-US" sz="1300" dirty="0">
-                <a:solidFill>
-                  <a:srgbClr val="FF0000"/>
-                </a:solidFill>
-              </a:rPr>
-              <a:t>Generate reports</a:t>
-            </a:r>
-          </a:p>
-        </p:txBody>
-      </p:sp>
-      <p:cxnSp>
-        <p:nvCxnSpPr>
-          <p:cNvPr id="76" name="Straight Arrow Connector 75">
-            <a:extLst>
-              <a:ext uri="{FF2B5EF4-FFF2-40B4-BE49-F238E27FC236}">
-                <a16:creationId xmlns:a16="http://schemas.microsoft.com/office/drawing/2014/main" id="{2EA32542-F513-AC2C-2302-B1A5E47BE778}"/>
-              </a:ext>
-            </a:extLst>
-          </p:cNvPr>
-          <p:cNvCxnSpPr>
-            <a:stCxn id="55" idx="2"/>
-            <a:endCxn id="59" idx="0"/>
-          </p:cNvCxnSpPr>
-          <p:nvPr/>
-        </p:nvCxnSpPr>
-        <p:spPr>
-          <a:xfrm>
-            <a:off x="6032465" y="1937475"/>
-            <a:ext cx="1" cy="288725"/>
-          </a:xfrm>
-          <a:prstGeom prst="straightConnector1">
-            <a:avLst/>
-          </a:prstGeom>
-          <a:ln w="19050">
-            <a:solidFill>
-              <a:schemeClr val="tx2">
-                <a:lumMod val="75000"/>
-              </a:schemeClr>
-            </a:solidFill>
-            <a:tailEnd type="triangle"/>
-          </a:ln>
-        </p:spPr>
-        <p:style>
-          <a:lnRef idx="1">
-            <a:schemeClr val="accent1"/>
-          </a:lnRef>
-          <a:fillRef idx="0">
-            <a:schemeClr val="accent1"/>
-          </a:fillRef>
-          <a:effectRef idx="0">
-            <a:schemeClr val="accent1"/>
-          </a:effectRef>
-          <a:fontRef idx="minor">
-            <a:schemeClr val="tx1"/>
-          </a:fontRef>
-        </p:style>
-      </p:cxnSp>
-      <p:cxnSp>
-        <p:nvCxnSpPr>
-          <p:cNvPr id="121" name="Straight Arrow Connector 120">
-            <a:extLst>
-              <a:ext uri="{FF2B5EF4-FFF2-40B4-BE49-F238E27FC236}">
-                <a16:creationId xmlns:a16="http://schemas.microsoft.com/office/drawing/2014/main" id="{B49C1F7D-7C8C-FFCF-48CE-85AAA64DB2A6}"/>
-              </a:ext>
-            </a:extLst>
-          </p:cNvPr>
-          <p:cNvCxnSpPr>
-            <a:stCxn id="59" idx="2"/>
-            <a:endCxn id="62" idx="0"/>
-          </p:cNvCxnSpPr>
-          <p:nvPr/>
-        </p:nvCxnSpPr>
-        <p:spPr>
-          <a:xfrm>
-            <a:off x="6032466" y="2518588"/>
-            <a:ext cx="0" cy="283828"/>
-          </a:xfrm>
-          <a:prstGeom prst="straightConnector1">
-            <a:avLst/>
-          </a:prstGeom>
-          <a:ln w="19050">
-            <a:solidFill>
-              <a:schemeClr val="tx2">
-                <a:lumMod val="75000"/>
-              </a:schemeClr>
-            </a:solidFill>
-            <a:tailEnd type="triangle"/>
-          </a:ln>
-        </p:spPr>
-        <p:style>
-          <a:lnRef idx="1">
-            <a:schemeClr val="accent1"/>
-          </a:lnRef>
-          <a:fillRef idx="0">
-            <a:schemeClr val="accent1"/>
-          </a:fillRef>
-          <a:effectRef idx="0">
-            <a:schemeClr val="accent1"/>
-          </a:effectRef>
-          <a:fontRef idx="minor">
-            <a:schemeClr val="tx1"/>
-          </a:fontRef>
-        </p:style>
-      </p:cxnSp>
-      <p:cxnSp>
-        <p:nvCxnSpPr>
-          <p:cNvPr id="122" name="Straight Arrow Connector 121">
-            <a:extLst>
-              <a:ext uri="{FF2B5EF4-FFF2-40B4-BE49-F238E27FC236}">
-                <a16:creationId xmlns:a16="http://schemas.microsoft.com/office/drawing/2014/main" id="{DA13E557-6EDB-A5C4-1F43-4C2D6F0A570A}"/>
-              </a:ext>
-            </a:extLst>
-          </p:cNvPr>
-          <p:cNvCxnSpPr>
-            <a:cxnSpLocks/>
-            <a:stCxn id="62" idx="2"/>
-            <a:endCxn id="158" idx="0"/>
-          </p:cNvCxnSpPr>
-          <p:nvPr/>
-        </p:nvCxnSpPr>
-        <p:spPr>
-          <a:xfrm>
-            <a:off x="6032466" y="3494913"/>
-            <a:ext cx="663" cy="283828"/>
-          </a:xfrm>
-          <a:prstGeom prst="straightConnector1">
-            <a:avLst/>
-          </a:prstGeom>
-          <a:ln w="19050">
-            <a:solidFill>
-              <a:schemeClr val="tx2">
-                <a:lumMod val="75000"/>
-              </a:schemeClr>
-            </a:solidFill>
-            <a:tailEnd type="triangle"/>
-          </a:ln>
-        </p:spPr>
-        <p:style>
-          <a:lnRef idx="1">
-            <a:schemeClr val="accent1"/>
-          </a:lnRef>
-          <a:fillRef idx="0">
-            <a:schemeClr val="accent1"/>
-          </a:fillRef>
-          <a:effectRef idx="0">
-            <a:schemeClr val="accent1"/>
-          </a:effectRef>
-          <a:fontRef idx="minor">
-            <a:schemeClr val="tx1"/>
-          </a:fontRef>
-        </p:style>
-      </p:cxnSp>
-      <p:cxnSp>
-        <p:nvCxnSpPr>
-          <p:cNvPr id="125" name="Straight Arrow Connector 124">
-            <a:extLst>
-              <a:ext uri="{FF2B5EF4-FFF2-40B4-BE49-F238E27FC236}">
-                <a16:creationId xmlns:a16="http://schemas.microsoft.com/office/drawing/2014/main" id="{C5ED000B-0045-4A6C-EB70-4D1369C5C92F}"/>
-              </a:ext>
-            </a:extLst>
-          </p:cNvPr>
-          <p:cNvCxnSpPr>
-            <a:cxnSpLocks/>
-            <a:stCxn id="158" idx="2"/>
-            <a:endCxn id="68" idx="0"/>
-          </p:cNvCxnSpPr>
-          <p:nvPr/>
-        </p:nvCxnSpPr>
-        <p:spPr>
-          <a:xfrm flipH="1">
-            <a:off x="6032466" y="4271184"/>
-            <a:ext cx="663" cy="337688"/>
-          </a:xfrm>
-          <a:prstGeom prst="straightConnector1">
-            <a:avLst/>
-          </a:prstGeom>
-          <a:ln w="19050">
-            <a:solidFill>
-              <a:schemeClr val="tx2">
-                <a:lumMod val="75000"/>
-              </a:schemeClr>
-            </a:solidFill>
-            <a:tailEnd type="triangle"/>
-          </a:ln>
-        </p:spPr>
-        <p:style>
-          <a:lnRef idx="1">
-            <a:schemeClr val="accent1"/>
-          </a:lnRef>
-          <a:fillRef idx="0">
-            <a:schemeClr val="accent1"/>
-          </a:fillRef>
-          <a:effectRef idx="0">
-            <a:schemeClr val="accent1"/>
-          </a:effectRef>
-          <a:fontRef idx="minor">
-            <a:schemeClr val="tx1"/>
-          </a:fontRef>
-        </p:style>
-      </p:cxnSp>
-      <p:cxnSp>
-        <p:nvCxnSpPr>
-          <p:cNvPr id="130" name="Straight Arrow Connector 129">
-            <a:extLst>
-              <a:ext uri="{FF2B5EF4-FFF2-40B4-BE49-F238E27FC236}">
-                <a16:creationId xmlns:a16="http://schemas.microsoft.com/office/drawing/2014/main" id="{BEE02784-84E8-3794-5F81-7301E831CE20}"/>
-              </a:ext>
-            </a:extLst>
-          </p:cNvPr>
-          <p:cNvCxnSpPr>
-            <a:stCxn id="68" idx="2"/>
-            <a:endCxn id="69" idx="0"/>
-          </p:cNvCxnSpPr>
-          <p:nvPr/>
-        </p:nvCxnSpPr>
-        <p:spPr>
-          <a:xfrm>
-            <a:off x="6032466" y="4901260"/>
-            <a:ext cx="0" cy="305575"/>
-          </a:xfrm>
-          <a:prstGeom prst="straightConnector1">
-            <a:avLst/>
-          </a:prstGeom>
-          <a:ln w="19050">
-            <a:solidFill>
-              <a:schemeClr val="tx2">
-                <a:lumMod val="75000"/>
-              </a:schemeClr>
-            </a:solidFill>
-            <a:tailEnd type="triangle"/>
-          </a:ln>
-        </p:spPr>
-        <p:style>
-          <a:lnRef idx="1">
-            <a:schemeClr val="accent1"/>
-          </a:lnRef>
-          <a:fillRef idx="0">
-            <a:schemeClr val="accent1"/>
-          </a:fillRef>
-          <a:effectRef idx="0">
-            <a:schemeClr val="accent1"/>
-          </a:effectRef>
-          <a:fontRef idx="minor">
-            <a:schemeClr val="tx1"/>
-          </a:fontRef>
-        </p:style>
-      </p:cxnSp>
-      <p:cxnSp>
-        <p:nvCxnSpPr>
-          <p:cNvPr id="131" name="Straight Arrow Connector 130">
-            <a:extLst>
-              <a:ext uri="{FF2B5EF4-FFF2-40B4-BE49-F238E27FC236}">
-                <a16:creationId xmlns:a16="http://schemas.microsoft.com/office/drawing/2014/main" id="{DA6E7832-0479-949C-4D0A-78E530FCF292}"/>
-              </a:ext>
-            </a:extLst>
-          </p:cNvPr>
-          <p:cNvCxnSpPr>
-            <a:cxnSpLocks/>
-            <a:stCxn id="69" idx="2"/>
-            <a:endCxn id="70" idx="0"/>
-          </p:cNvCxnSpPr>
-          <p:nvPr/>
-        </p:nvCxnSpPr>
-        <p:spPr>
-          <a:xfrm>
-            <a:off x="6032466" y="5499223"/>
-            <a:ext cx="0" cy="408917"/>
-          </a:xfrm>
-          <a:prstGeom prst="straightConnector1">
-            <a:avLst/>
-          </a:prstGeom>
-          <a:ln w="19050">
-            <a:solidFill>
-              <a:schemeClr val="tx2">
-                <a:lumMod val="75000"/>
-              </a:schemeClr>
-            </a:solidFill>
-            <a:tailEnd type="triangle"/>
-          </a:ln>
-        </p:spPr>
-        <p:style>
-          <a:lnRef idx="1">
-            <a:schemeClr val="accent1"/>
-          </a:lnRef>
-          <a:fillRef idx="0">
-            <a:schemeClr val="accent1"/>
-          </a:fillRef>
-          <a:effectRef idx="0">
-            <a:schemeClr val="accent1"/>
-          </a:effectRef>
-          <a:fontRef idx="minor">
-            <a:schemeClr val="tx1"/>
-          </a:fontRef>
-        </p:style>
-      </p:cxnSp>
-      <p:sp>
-        <p:nvSpPr>
-          <p:cNvPr id="158" name="TextBox 157">
-            <a:extLst>
-              <a:ext uri="{FF2B5EF4-FFF2-40B4-BE49-F238E27FC236}">
-                <a16:creationId xmlns:a16="http://schemas.microsoft.com/office/drawing/2014/main" id="{78BCB2CB-5F0D-E766-8C79-D7F2DBF09269}"/>
-              </a:ext>
-            </a:extLst>
-          </p:cNvPr>
-          <p:cNvSpPr txBox="1"/>
-          <p:nvPr/>
-        </p:nvSpPr>
-        <p:spPr>
-          <a:xfrm flipH="1">
-            <a:off x="5114820" y="3778741"/>
-            <a:ext cx="1836618" cy="492443"/>
-          </a:xfrm>
-          <a:prstGeom prst="rect">
-            <a:avLst/>
-          </a:prstGeom>
-          <a:ln>
-            <a:solidFill>
-              <a:schemeClr val="accent3">
-                <a:lumMod val="50000"/>
-              </a:schemeClr>
-            </a:solidFill>
-          </a:ln>
-        </p:spPr>
-        <p:style>
-          <a:lnRef idx="2">
-            <a:schemeClr val="accent5"/>
-          </a:lnRef>
-          <a:fillRef idx="1">
-            <a:schemeClr val="lt1"/>
-          </a:fillRef>
-          <a:effectRef idx="0">
-            <a:schemeClr val="accent5"/>
-          </a:effectRef>
-          <a:fontRef idx="minor">
-            <a:schemeClr val="dk1"/>
-          </a:fontRef>
-        </p:style>
-        <p:txBody>
-          <a:bodyPr wrap="square" rtlCol="0">
-            <a:spAutoFit/>
-          </a:bodyPr>
-          <a:lstStyle/>
-          <a:p>
-            <a:pPr algn="ctr"/>
-            <a:r>
-              <a:rPr lang="en-US" sz="1300" dirty="0"/>
-              <a:t>Quality control and confirm</a:t>
-            </a:r>
-          </a:p>
-        </p:txBody>
-      </p:sp>
-      <p:sp>
-        <p:nvSpPr>
-          <p:cNvPr id="192" name="TextBox 191">
-            <a:extLst>
-              <a:ext uri="{FF2B5EF4-FFF2-40B4-BE49-F238E27FC236}">
-                <a16:creationId xmlns:a16="http://schemas.microsoft.com/office/drawing/2014/main" id="{5BBAE099-D427-6FF2-BFC6-741784311441}"/>
-              </a:ext>
-            </a:extLst>
-          </p:cNvPr>
-          <p:cNvSpPr txBox="1"/>
-          <p:nvPr/>
-        </p:nvSpPr>
-        <p:spPr>
-          <a:xfrm flipH="1">
-            <a:off x="5510564" y="1344370"/>
-            <a:ext cx="1170871" cy="253916"/>
-          </a:xfrm>
-          <a:prstGeom prst="rect">
-            <a:avLst/>
-          </a:prstGeom>
-          <a:noFill/>
-        </p:spPr>
-        <p:txBody>
-          <a:bodyPr wrap="square">
-            <a:spAutoFit/>
-          </a:bodyPr>
-          <a:lstStyle/>
-          <a:p>
-            <a:r>
-              <a:rPr lang="en-US" sz="1050" b="1" dirty="0"/>
-              <a:t>Web application</a:t>
-            </a:r>
-          </a:p>
-        </p:txBody>
-      </p:sp>
-      <p:sp>
-        <p:nvSpPr>
-          <p:cNvPr id="199" name="TextBox 198">
-            <a:extLst>
-              <a:ext uri="{FF2B5EF4-FFF2-40B4-BE49-F238E27FC236}">
-                <a16:creationId xmlns:a16="http://schemas.microsoft.com/office/drawing/2014/main" id="{4FC0BF1E-69CF-A112-867B-BF67A63FEB35}"/>
-              </a:ext>
-            </a:extLst>
-          </p:cNvPr>
-          <p:cNvSpPr txBox="1"/>
-          <p:nvPr/>
-        </p:nvSpPr>
-        <p:spPr>
-          <a:xfrm>
-            <a:off x="8334469" y="2885486"/>
-            <a:ext cx="3677176" cy="938719"/>
-          </a:xfrm>
-          <a:prstGeom prst="rect">
-            <a:avLst/>
-          </a:prstGeom>
-          <a:noFill/>
-        </p:spPr>
-        <p:txBody>
-          <a:bodyPr wrap="square" rtlCol="0">
-            <a:spAutoFit/>
-          </a:bodyPr>
-          <a:lstStyle/>
-          <a:p>
-            <a:pPr marL="171450" indent="-171450">
-              <a:buFont typeface="Wingdings" panose="05000000000000000000" pitchFamily="2" charset="2"/>
-              <a:buChar char="ü"/>
-            </a:pPr>
-            <a:r>
-              <a:rPr lang="en-US" sz="1100"/>
-              <a:t>Separate systems, software, requires some </a:t>
-            </a:r>
-            <a:r>
-              <a:rPr lang="en-US" sz="1100" b="1"/>
-              <a:t>manual steps</a:t>
-            </a:r>
-          </a:p>
-          <a:p>
-            <a:pPr marL="171450" indent="-171450">
-              <a:buFont typeface="Wingdings" panose="05000000000000000000" pitchFamily="2" charset="2"/>
-              <a:buChar char="ü"/>
-            </a:pPr>
-            <a:r>
-              <a:rPr lang="en-US" sz="1100" b="1"/>
-              <a:t>High risk of human bias</a:t>
-            </a:r>
-          </a:p>
-          <a:p>
-            <a:pPr marL="171450" indent="-171450">
-              <a:buFont typeface="Wingdings" panose="05000000000000000000" pitchFamily="2" charset="2"/>
-              <a:buChar char="ü"/>
-            </a:pPr>
-            <a:r>
-              <a:rPr lang="en-US" sz="1100"/>
-              <a:t>Low efficiency because of system separation.</a:t>
-            </a:r>
-          </a:p>
-          <a:p>
-            <a:pPr marL="171450" indent="-171450">
-              <a:buFont typeface="Wingdings" panose="05000000000000000000" pitchFamily="2" charset="2"/>
-              <a:buChar char="ü"/>
-            </a:pPr>
-            <a:r>
-              <a:rPr lang="en-US" sz="1100"/>
-              <a:t>Hard to check history</a:t>
-            </a:r>
-          </a:p>
-          <a:p>
-            <a:pPr marL="171450" indent="-171450">
-              <a:buFont typeface="Wingdings" panose="05000000000000000000" pitchFamily="2" charset="2"/>
-              <a:buChar char="ü"/>
-            </a:pPr>
-            <a:r>
-              <a:rPr lang="en-US" sz="1100"/>
-              <a:t>Difficult to manage</a:t>
-            </a:r>
-          </a:p>
-        </p:txBody>
-      </p:sp>
-      <p:sp>
-        <p:nvSpPr>
-          <p:cNvPr id="182" name="Rectangle 181">
-            <a:extLst>
-              <a:ext uri="{FF2B5EF4-FFF2-40B4-BE49-F238E27FC236}">
-                <a16:creationId xmlns:a16="http://schemas.microsoft.com/office/drawing/2014/main" id="{1E33A1E1-3B19-32F9-DDB4-8A70875526B6}"/>
-              </a:ext>
-            </a:extLst>
-          </p:cNvPr>
-          <p:cNvSpPr>
-            <a:spLocks/>
-          </p:cNvSpPr>
-          <p:nvPr/>
-        </p:nvSpPr>
-        <p:spPr>
-          <a:xfrm flipH="1">
-            <a:off x="359860" y="1217964"/>
-            <a:ext cx="3644754" cy="5177725"/>
-          </a:xfrm>
-          <a:prstGeom prst="rect">
-            <a:avLst/>
-          </a:prstGeom>
-          <a:solidFill>
-            <a:schemeClr val="accent3">
-              <a:lumMod val="20000"/>
-              <a:lumOff val="80000"/>
-            </a:schemeClr>
-          </a:solidFill>
-          <a:ln>
-            <a:noFill/>
-          </a:ln>
-        </p:spPr>
-        <p:style>
-          <a:lnRef idx="2">
-            <a:schemeClr val="accent1">
-              <a:shade val="50000"/>
-            </a:schemeClr>
-          </a:lnRef>
-          <a:fillRef idx="1">
-            <a:schemeClr val="accent1"/>
-          </a:fillRef>
-          <a:effectRef idx="0">
-            <a:schemeClr val="accent1"/>
-          </a:effectRef>
-          <a:fontRef idx="minor">
-            <a:schemeClr val="lt1"/>
-          </a:fontRef>
-        </p:style>
-        <p:txBody>
-          <a:bodyPr rtlCol="0" anchor="ctr"/>
-          <a:lstStyle/>
-          <a:p>
-            <a:pPr algn="ctr"/>
-            <a:endParaRPr lang="en-US"/>
-          </a:p>
-        </p:txBody>
-      </p:sp>
-      <p:sp>
-        <p:nvSpPr>
-          <p:cNvPr id="16" name="Rectangle 15">
-            <a:extLst>
-              <a:ext uri="{FF2B5EF4-FFF2-40B4-BE49-F238E27FC236}">
-                <a16:creationId xmlns:a16="http://schemas.microsoft.com/office/drawing/2014/main" id="{FDD0998E-904D-6D6C-2D7B-7FAA18CF1B29}"/>
-              </a:ext>
-            </a:extLst>
-          </p:cNvPr>
-          <p:cNvSpPr/>
-          <p:nvPr/>
-        </p:nvSpPr>
-        <p:spPr>
-          <a:xfrm flipH="1">
-            <a:off x="1498484" y="1420299"/>
-            <a:ext cx="2399250" cy="3454427"/>
-          </a:xfrm>
-          <a:prstGeom prst="rect">
-            <a:avLst/>
-          </a:prstGeom>
-          <a:solidFill>
-            <a:schemeClr val="bg1"/>
-          </a:solidFill>
-          <a:ln w="6350">
-            <a:noFill/>
-            <a:prstDash val="dash"/>
-          </a:ln>
-        </p:spPr>
-        <p:style>
-          <a:lnRef idx="2">
-            <a:schemeClr val="accent1">
-              <a:shade val="50000"/>
-            </a:schemeClr>
-          </a:lnRef>
-          <a:fillRef idx="1">
-            <a:schemeClr val="accent1"/>
-          </a:fillRef>
-          <a:effectRef idx="0">
-            <a:schemeClr val="accent1"/>
-          </a:effectRef>
-          <a:fontRef idx="minor">
-            <a:schemeClr val="lt1"/>
-          </a:fontRef>
-        </p:style>
-        <p:txBody>
-          <a:bodyPr rtlCol="0" anchor="ctr"/>
-          <a:lstStyle/>
-          <a:p>
-            <a:pPr algn="ctr"/>
-            <a:endParaRPr lang="en-US"/>
-          </a:p>
-        </p:txBody>
-      </p:sp>
-      <p:sp>
-        <p:nvSpPr>
-          <p:cNvPr id="18" name="TextBox 17">
-            <a:extLst>
-              <a:ext uri="{FF2B5EF4-FFF2-40B4-BE49-F238E27FC236}">
-                <a16:creationId xmlns:a16="http://schemas.microsoft.com/office/drawing/2014/main" id="{2B3DA4C5-8801-E0F4-7B21-2CC52B94D5D3}"/>
-              </a:ext>
-            </a:extLst>
-          </p:cNvPr>
-          <p:cNvSpPr txBox="1"/>
-          <p:nvPr/>
-        </p:nvSpPr>
-        <p:spPr>
-          <a:xfrm flipH="1">
-            <a:off x="1788745" y="1645087"/>
-            <a:ext cx="1837944" cy="292388"/>
-          </a:xfrm>
-          <a:prstGeom prst="rect">
-            <a:avLst/>
-          </a:prstGeom>
-          <a:solidFill>
-            <a:schemeClr val="accent2">
-              <a:lumMod val="40000"/>
-              <a:lumOff val="60000"/>
-            </a:schemeClr>
-          </a:solidFill>
-          <a:ln>
-            <a:solidFill>
-              <a:schemeClr val="accent3">
-                <a:lumMod val="50000"/>
-              </a:schemeClr>
-            </a:solidFill>
-          </a:ln>
-        </p:spPr>
-        <p:style>
-          <a:lnRef idx="2">
-            <a:schemeClr val="accent5"/>
-          </a:lnRef>
-          <a:fillRef idx="1">
-            <a:schemeClr val="lt1"/>
-          </a:fillRef>
-          <a:effectRef idx="0">
-            <a:schemeClr val="accent5"/>
-          </a:effectRef>
-          <a:fontRef idx="minor">
-            <a:schemeClr val="dk1"/>
-          </a:fontRef>
-        </p:style>
-        <p:txBody>
-          <a:bodyPr wrap="square" rtlCol="0">
-            <a:spAutoFit/>
-          </a:bodyPr>
-          <a:lstStyle/>
-          <a:p>
-            <a:pPr algn="ctr"/>
-            <a:r>
-              <a:rPr lang="en-US" sz="1300" dirty="0"/>
-              <a:t>Estimate DNA size</a:t>
-            </a:r>
-          </a:p>
-        </p:txBody>
-      </p:sp>
-      <p:sp>
-        <p:nvSpPr>
-          <p:cNvPr id="19" name="TextBox 18">
-            <a:extLst>
-              <a:ext uri="{FF2B5EF4-FFF2-40B4-BE49-F238E27FC236}">
-                <a16:creationId xmlns:a16="http://schemas.microsoft.com/office/drawing/2014/main" id="{40839309-94F7-9DBF-2397-8A1C41492C16}"/>
-              </a:ext>
-            </a:extLst>
-          </p:cNvPr>
-          <p:cNvSpPr txBox="1"/>
-          <p:nvPr/>
-        </p:nvSpPr>
-        <p:spPr>
-          <a:xfrm flipH="1">
-            <a:off x="1788745" y="2225443"/>
-            <a:ext cx="1837944" cy="292388"/>
-          </a:xfrm>
-          <a:prstGeom prst="rect">
-            <a:avLst/>
-          </a:prstGeom>
-          <a:solidFill>
-            <a:schemeClr val="accent2">
-              <a:lumMod val="40000"/>
-              <a:lumOff val="60000"/>
-            </a:schemeClr>
-          </a:solidFill>
-          <a:ln>
-            <a:solidFill>
-              <a:schemeClr val="accent3">
-                <a:lumMod val="50000"/>
-              </a:schemeClr>
-            </a:solidFill>
-          </a:ln>
-        </p:spPr>
-        <p:style>
-          <a:lnRef idx="2">
-            <a:schemeClr val="accent5"/>
-          </a:lnRef>
-          <a:fillRef idx="1">
-            <a:schemeClr val="lt1"/>
-          </a:fillRef>
-          <a:effectRef idx="0">
-            <a:schemeClr val="accent5"/>
-          </a:effectRef>
-          <a:fontRef idx="minor">
-            <a:schemeClr val="dk1"/>
-          </a:fontRef>
-        </p:style>
-        <p:txBody>
-          <a:bodyPr wrap="square" rtlCol="0">
-            <a:spAutoFit/>
-          </a:bodyPr>
-          <a:lstStyle/>
-          <a:p>
-            <a:pPr algn="ctr"/>
-            <a:r>
-              <a:rPr lang="en-US" sz="1300" dirty="0"/>
-              <a:t>Plot intensity data</a:t>
-            </a:r>
-          </a:p>
-        </p:txBody>
-      </p:sp>
-      <p:sp>
-        <p:nvSpPr>
-          <p:cNvPr id="20" name="TextBox 19">
-            <a:extLst>
-              <a:ext uri="{FF2B5EF4-FFF2-40B4-BE49-F238E27FC236}">
-                <a16:creationId xmlns:a16="http://schemas.microsoft.com/office/drawing/2014/main" id="{825BAC76-37D4-2696-6FCE-C0F34367FDE0}"/>
-              </a:ext>
-            </a:extLst>
-          </p:cNvPr>
-          <p:cNvSpPr txBox="1"/>
-          <p:nvPr/>
-        </p:nvSpPr>
-        <p:spPr>
-          <a:xfrm flipH="1">
-            <a:off x="1788745" y="2805799"/>
-            <a:ext cx="1837944" cy="692497"/>
-          </a:xfrm>
-          <a:prstGeom prst="rect">
-            <a:avLst/>
-          </a:prstGeom>
-          <a:solidFill>
-            <a:schemeClr val="accent2">
-              <a:lumMod val="40000"/>
-              <a:lumOff val="60000"/>
-            </a:schemeClr>
-          </a:solidFill>
-          <a:ln>
-            <a:solidFill>
-              <a:schemeClr val="accent3">
-                <a:lumMod val="50000"/>
-              </a:schemeClr>
-            </a:solidFill>
-          </a:ln>
-        </p:spPr>
-        <p:style>
-          <a:lnRef idx="2">
-            <a:schemeClr val="accent5"/>
-          </a:lnRef>
-          <a:fillRef idx="1">
-            <a:schemeClr val="lt1"/>
-          </a:fillRef>
-          <a:effectRef idx="0">
-            <a:schemeClr val="accent5"/>
-          </a:effectRef>
-          <a:fontRef idx="minor">
-            <a:schemeClr val="dk1"/>
-          </a:fontRef>
-        </p:style>
-        <p:txBody>
-          <a:bodyPr wrap="square" rtlCol="0">
-            <a:spAutoFit/>
-          </a:bodyPr>
-          <a:lstStyle/>
-          <a:p>
-            <a:pPr algn="ctr"/>
-            <a:r>
-              <a:rPr lang="en-US" altLang="ko-KR" sz="1300" dirty="0"/>
-              <a:t>Review and adjust DNA size and intensity to detect target peaks</a:t>
-            </a:r>
-          </a:p>
-        </p:txBody>
-      </p:sp>
-      <p:sp>
-        <p:nvSpPr>
-          <p:cNvPr id="22" name="TextBox 21">
-            <a:extLst>
-              <a:ext uri="{FF2B5EF4-FFF2-40B4-BE49-F238E27FC236}">
-                <a16:creationId xmlns:a16="http://schemas.microsoft.com/office/drawing/2014/main" id="{4E840CCB-E3F0-4137-8369-EBFA433D4F4F}"/>
-              </a:ext>
-            </a:extLst>
-          </p:cNvPr>
-          <p:cNvSpPr txBox="1"/>
-          <p:nvPr/>
-        </p:nvSpPr>
-        <p:spPr>
-          <a:xfrm flipH="1">
-            <a:off x="1788745" y="3786264"/>
-            <a:ext cx="1837944" cy="292388"/>
-          </a:xfrm>
-          <a:prstGeom prst="rect">
-            <a:avLst/>
-          </a:prstGeom>
-          <a:ln>
-            <a:solidFill>
-              <a:schemeClr val="accent3">
-                <a:lumMod val="50000"/>
-              </a:schemeClr>
-            </a:solidFill>
-          </a:ln>
-        </p:spPr>
-        <p:style>
-          <a:lnRef idx="2">
-            <a:schemeClr val="accent5"/>
-          </a:lnRef>
-          <a:fillRef idx="1">
-            <a:schemeClr val="lt1"/>
-          </a:fillRef>
-          <a:effectRef idx="0">
-            <a:schemeClr val="accent5"/>
-          </a:effectRef>
-          <a:fontRef idx="minor">
-            <a:schemeClr val="dk1"/>
-          </a:fontRef>
-        </p:style>
-        <p:txBody>
-          <a:bodyPr wrap="square" rtlCol="0">
-            <a:spAutoFit/>
-          </a:bodyPr>
-          <a:lstStyle/>
-          <a:p>
-            <a:pPr algn="ctr"/>
-            <a:r>
-              <a:rPr lang="en-US" sz="1300"/>
-              <a:t>Confirmation</a:t>
-            </a:r>
-          </a:p>
-        </p:txBody>
-      </p:sp>
-      <p:cxnSp>
-        <p:nvCxnSpPr>
-          <p:cNvPr id="24" name="Straight Arrow Connector 23">
-            <a:extLst>
-              <a:ext uri="{FF2B5EF4-FFF2-40B4-BE49-F238E27FC236}">
-                <a16:creationId xmlns:a16="http://schemas.microsoft.com/office/drawing/2014/main" id="{CFEB7A41-4A49-52DF-B92B-8E6F479D0D5D}"/>
-              </a:ext>
-            </a:extLst>
-          </p:cNvPr>
-          <p:cNvCxnSpPr>
-            <a:stCxn id="18" idx="2"/>
-            <a:endCxn id="19" idx="0"/>
-          </p:cNvCxnSpPr>
-          <p:nvPr/>
-        </p:nvCxnSpPr>
-        <p:spPr>
-          <a:xfrm>
-            <a:off x="2707717" y="1937475"/>
-            <a:ext cx="0" cy="287968"/>
-          </a:xfrm>
-          <a:prstGeom prst="straightConnector1">
-            <a:avLst/>
-          </a:prstGeom>
-          <a:ln w="19050">
-            <a:solidFill>
-              <a:schemeClr val="tx2">
-                <a:lumMod val="75000"/>
-              </a:schemeClr>
-            </a:solidFill>
-            <a:tailEnd type="triangle"/>
-          </a:ln>
-        </p:spPr>
-        <p:style>
-          <a:lnRef idx="1">
-            <a:schemeClr val="accent1"/>
-          </a:lnRef>
-          <a:fillRef idx="0">
-            <a:schemeClr val="accent1"/>
-          </a:fillRef>
-          <a:effectRef idx="0">
-            <a:schemeClr val="accent1"/>
-          </a:effectRef>
-          <a:fontRef idx="minor">
-            <a:schemeClr val="tx1"/>
-          </a:fontRef>
-        </p:style>
-      </p:cxnSp>
-      <p:cxnSp>
-        <p:nvCxnSpPr>
-          <p:cNvPr id="25" name="Straight Arrow Connector 24">
-            <a:extLst>
-              <a:ext uri="{FF2B5EF4-FFF2-40B4-BE49-F238E27FC236}">
-                <a16:creationId xmlns:a16="http://schemas.microsoft.com/office/drawing/2014/main" id="{0D3354AA-1EC1-17C5-D983-CE2D6679735F}"/>
-              </a:ext>
-            </a:extLst>
-          </p:cNvPr>
-          <p:cNvCxnSpPr>
-            <a:cxnSpLocks/>
-            <a:stCxn id="19" idx="2"/>
-            <a:endCxn id="20" idx="0"/>
-          </p:cNvCxnSpPr>
-          <p:nvPr/>
-        </p:nvCxnSpPr>
-        <p:spPr>
-          <a:xfrm flipH="1">
-            <a:off x="2707717" y="2517831"/>
-            <a:ext cx="0" cy="287968"/>
-          </a:xfrm>
-          <a:prstGeom prst="straightConnector1">
-            <a:avLst/>
-          </a:prstGeom>
-          <a:ln w="19050">
-            <a:solidFill>
-              <a:schemeClr val="tx2">
-                <a:lumMod val="75000"/>
-              </a:schemeClr>
-            </a:solidFill>
-            <a:tailEnd type="triangle"/>
-          </a:ln>
-        </p:spPr>
-        <p:style>
-          <a:lnRef idx="1">
-            <a:schemeClr val="accent1"/>
-          </a:lnRef>
-          <a:fillRef idx="0">
-            <a:schemeClr val="accent1"/>
-          </a:fillRef>
-          <a:effectRef idx="0">
-            <a:schemeClr val="accent1"/>
-          </a:effectRef>
-          <a:fontRef idx="minor">
-            <a:schemeClr val="tx1"/>
-          </a:fontRef>
-        </p:style>
-      </p:cxnSp>
-      <p:cxnSp>
-        <p:nvCxnSpPr>
-          <p:cNvPr id="28" name="Straight Arrow Connector 27">
-            <a:extLst>
-              <a:ext uri="{FF2B5EF4-FFF2-40B4-BE49-F238E27FC236}">
-                <a16:creationId xmlns:a16="http://schemas.microsoft.com/office/drawing/2014/main" id="{97F28E64-7147-C4F7-75A8-7FDB4846C49F}"/>
-              </a:ext>
-            </a:extLst>
-          </p:cNvPr>
-          <p:cNvCxnSpPr>
-            <a:cxnSpLocks/>
-            <a:stCxn id="20" idx="2"/>
-            <a:endCxn id="22" idx="0"/>
-          </p:cNvCxnSpPr>
-          <p:nvPr/>
-        </p:nvCxnSpPr>
-        <p:spPr>
-          <a:xfrm flipH="1">
-            <a:off x="2707717" y="3498296"/>
-            <a:ext cx="0" cy="287968"/>
-          </a:xfrm>
-          <a:prstGeom prst="straightConnector1">
-            <a:avLst/>
-          </a:prstGeom>
-          <a:ln w="19050">
-            <a:solidFill>
-              <a:schemeClr val="tx2">
-                <a:lumMod val="75000"/>
-              </a:schemeClr>
-            </a:solidFill>
-            <a:tailEnd type="triangle"/>
-          </a:ln>
-        </p:spPr>
-        <p:style>
-          <a:lnRef idx="1">
-            <a:schemeClr val="accent1"/>
-          </a:lnRef>
-          <a:fillRef idx="0">
-            <a:schemeClr val="accent1"/>
-          </a:fillRef>
-          <a:effectRef idx="0">
-            <a:schemeClr val="accent1"/>
-          </a:effectRef>
-          <a:fontRef idx="minor">
-            <a:schemeClr val="tx1"/>
-          </a:fontRef>
-        </p:style>
-      </p:cxnSp>
-      <p:sp>
-        <p:nvSpPr>
-          <p:cNvPr id="39" name="TextBox 38">
-            <a:extLst>
-              <a:ext uri="{FF2B5EF4-FFF2-40B4-BE49-F238E27FC236}">
-                <a16:creationId xmlns:a16="http://schemas.microsoft.com/office/drawing/2014/main" id="{92165422-11A3-3E07-957E-C440D80FAD12}"/>
-              </a:ext>
-            </a:extLst>
-          </p:cNvPr>
-          <p:cNvSpPr txBox="1"/>
-          <p:nvPr/>
-        </p:nvSpPr>
-        <p:spPr>
-          <a:xfrm flipH="1">
-            <a:off x="474293" y="3232437"/>
-            <a:ext cx="917310" cy="1092607"/>
-          </a:xfrm>
-          <a:prstGeom prst="rect">
-            <a:avLst/>
-          </a:prstGeom>
-          <a:ln>
-            <a:solidFill>
-              <a:schemeClr val="accent3">
-                <a:lumMod val="50000"/>
-              </a:schemeClr>
-            </a:solidFill>
-          </a:ln>
-        </p:spPr>
-        <p:style>
-          <a:lnRef idx="2">
-            <a:schemeClr val="accent5"/>
-          </a:lnRef>
-          <a:fillRef idx="1">
-            <a:schemeClr val="lt1"/>
-          </a:fillRef>
-          <a:effectRef idx="0">
-            <a:schemeClr val="accent5"/>
-          </a:effectRef>
-          <a:fontRef idx="minor">
-            <a:schemeClr val="dk1"/>
-          </a:fontRef>
-        </p:style>
-        <p:txBody>
-          <a:bodyPr wrap="square" rtlCol="0">
-            <a:spAutoFit/>
-          </a:bodyPr>
-          <a:lstStyle/>
-          <a:p>
-            <a:pPr algn="ctr"/>
-            <a:r>
-              <a:rPr lang="en-US" sz="1300"/>
-              <a:t>Manually genotype calling by PGx experts</a:t>
-            </a:r>
-          </a:p>
-        </p:txBody>
-      </p:sp>
-      <p:cxnSp>
-        <p:nvCxnSpPr>
-          <p:cNvPr id="41" name="Connector: Elbow 40">
-            <a:extLst>
-              <a:ext uri="{FF2B5EF4-FFF2-40B4-BE49-F238E27FC236}">
-                <a16:creationId xmlns:a16="http://schemas.microsoft.com/office/drawing/2014/main" id="{4391F4B9-AE63-F070-8FC9-C03FA6B05BCC}"/>
-              </a:ext>
-            </a:extLst>
-          </p:cNvPr>
-          <p:cNvCxnSpPr>
-            <a:cxnSpLocks/>
-            <a:stCxn id="19" idx="3"/>
-            <a:endCxn id="39" idx="0"/>
-          </p:cNvCxnSpPr>
-          <p:nvPr/>
-        </p:nvCxnSpPr>
-        <p:spPr>
-          <a:xfrm rot="10800000" flipV="1">
-            <a:off x="932949" y="2371637"/>
-            <a:ext cx="855797" cy="860800"/>
-          </a:xfrm>
-          <a:prstGeom prst="bentConnector2">
-            <a:avLst/>
-          </a:prstGeom>
-          <a:ln w="19050">
-            <a:solidFill>
-              <a:schemeClr val="tx2">
-                <a:lumMod val="75000"/>
-              </a:schemeClr>
-            </a:solidFill>
-            <a:tailEnd type="triangle"/>
-          </a:ln>
-        </p:spPr>
-        <p:style>
-          <a:lnRef idx="1">
-            <a:schemeClr val="accent1"/>
-          </a:lnRef>
-          <a:fillRef idx="0">
-            <a:schemeClr val="accent1"/>
-          </a:fillRef>
-          <a:effectRef idx="0">
-            <a:schemeClr val="accent1"/>
-          </a:effectRef>
-          <a:fontRef idx="minor">
-            <a:schemeClr val="tx1"/>
-          </a:fontRef>
-        </p:style>
-      </p:cxnSp>
-      <p:sp>
-        <p:nvSpPr>
-          <p:cNvPr id="45" name="TextBox 44">
-            <a:extLst>
-              <a:ext uri="{FF2B5EF4-FFF2-40B4-BE49-F238E27FC236}">
-                <a16:creationId xmlns:a16="http://schemas.microsoft.com/office/drawing/2014/main" id="{27022936-5E24-B7A9-1CB5-53CF33201BE2}"/>
-              </a:ext>
-            </a:extLst>
-          </p:cNvPr>
-          <p:cNvSpPr txBox="1"/>
-          <p:nvPr/>
-        </p:nvSpPr>
-        <p:spPr>
-          <a:xfrm flipH="1">
-            <a:off x="1788745" y="4366621"/>
-            <a:ext cx="1837944" cy="292388"/>
-          </a:xfrm>
-          <a:prstGeom prst="rect">
-            <a:avLst/>
-          </a:prstGeom>
-          <a:ln>
-            <a:solidFill>
-              <a:schemeClr val="accent3">
-                <a:lumMod val="50000"/>
-              </a:schemeClr>
-            </a:solidFill>
-          </a:ln>
-        </p:spPr>
-        <p:style>
-          <a:lnRef idx="2">
-            <a:schemeClr val="accent5"/>
-          </a:lnRef>
-          <a:fillRef idx="1">
-            <a:schemeClr val="lt1"/>
-          </a:fillRef>
-          <a:effectRef idx="0">
-            <a:schemeClr val="accent5"/>
-          </a:effectRef>
-          <a:fontRef idx="minor">
-            <a:schemeClr val="dk1"/>
-          </a:fontRef>
-        </p:style>
-        <p:txBody>
-          <a:bodyPr wrap="square" rtlCol="0">
-            <a:spAutoFit/>
-          </a:bodyPr>
-          <a:lstStyle/>
-          <a:p>
-            <a:pPr algn="ctr"/>
-            <a:r>
-              <a:rPr lang="en-US" sz="1300" dirty="0"/>
-              <a:t>Exporting result</a:t>
-            </a:r>
-          </a:p>
-        </p:txBody>
-      </p:sp>
-      <p:cxnSp>
-        <p:nvCxnSpPr>
-          <p:cNvPr id="46" name="Straight Arrow Connector 45">
-            <a:extLst>
-              <a:ext uri="{FF2B5EF4-FFF2-40B4-BE49-F238E27FC236}">
-                <a16:creationId xmlns:a16="http://schemas.microsoft.com/office/drawing/2014/main" id="{5AA43C6A-5B07-6900-01D6-5BC947C4A365}"/>
-              </a:ext>
-            </a:extLst>
-          </p:cNvPr>
-          <p:cNvCxnSpPr>
-            <a:cxnSpLocks/>
-            <a:stCxn id="22" idx="2"/>
-            <a:endCxn id="45" idx="0"/>
-          </p:cNvCxnSpPr>
-          <p:nvPr/>
-        </p:nvCxnSpPr>
-        <p:spPr>
-          <a:xfrm flipH="1">
-            <a:off x="2707717" y="4078652"/>
-            <a:ext cx="0" cy="287969"/>
-          </a:xfrm>
-          <a:prstGeom prst="straightConnector1">
-            <a:avLst/>
-          </a:prstGeom>
-          <a:ln w="19050">
-            <a:solidFill>
-              <a:schemeClr val="tx2">
-                <a:lumMod val="75000"/>
-              </a:schemeClr>
-            </a:solidFill>
-            <a:tailEnd type="triangle"/>
-          </a:ln>
-        </p:spPr>
-        <p:style>
-          <a:lnRef idx="1">
-            <a:schemeClr val="accent1"/>
-          </a:lnRef>
-          <a:fillRef idx="0">
-            <a:schemeClr val="accent1"/>
-          </a:fillRef>
-          <a:effectRef idx="0">
-            <a:schemeClr val="accent1"/>
-          </a:effectRef>
-          <a:fontRef idx="minor">
-            <a:schemeClr val="tx1"/>
-          </a:fontRef>
-        </p:style>
-      </p:cxnSp>
-      <p:sp>
-        <p:nvSpPr>
-          <p:cNvPr id="86" name="TextBox 85">
-            <a:extLst>
-              <a:ext uri="{FF2B5EF4-FFF2-40B4-BE49-F238E27FC236}">
-                <a16:creationId xmlns:a16="http://schemas.microsoft.com/office/drawing/2014/main" id="{84F0C1DF-838C-3634-7475-B50129BC89E6}"/>
-              </a:ext>
-            </a:extLst>
-          </p:cNvPr>
-          <p:cNvSpPr txBox="1"/>
-          <p:nvPr/>
-        </p:nvSpPr>
-        <p:spPr>
-          <a:xfrm flipH="1">
-            <a:off x="2733190" y="4674553"/>
-            <a:ext cx="775603" cy="430887"/>
-          </a:xfrm>
-          <a:prstGeom prst="rect">
-            <a:avLst/>
-          </a:prstGeom>
-          <a:noFill/>
-        </p:spPr>
-        <p:txBody>
-          <a:bodyPr wrap="square" rtlCol="0">
-            <a:spAutoFit/>
-          </a:bodyPr>
-          <a:lstStyle/>
-          <a:p>
-            <a:r>
-              <a:rPr lang="en-US" sz="1100" dirty="0"/>
-              <a:t>Manually</a:t>
-            </a:r>
-          </a:p>
-          <a:p>
-            <a:r>
-              <a:rPr lang="en-US" sz="1100" dirty="0"/>
-              <a:t>upload</a:t>
-            </a:r>
-          </a:p>
-        </p:txBody>
-      </p:sp>
-      <p:sp>
-        <p:nvSpPr>
-          <p:cNvPr id="87" name="TextBox 86">
-            <a:extLst>
-              <a:ext uri="{FF2B5EF4-FFF2-40B4-BE49-F238E27FC236}">
-                <a16:creationId xmlns:a16="http://schemas.microsoft.com/office/drawing/2014/main" id="{43191FF2-BD6E-1C84-A6A8-59EA8A07A73B}"/>
-              </a:ext>
-            </a:extLst>
-          </p:cNvPr>
-          <p:cNvSpPr txBox="1"/>
-          <p:nvPr/>
-        </p:nvSpPr>
-        <p:spPr>
-          <a:xfrm flipH="1">
-            <a:off x="968088" y="5640036"/>
-            <a:ext cx="785517" cy="430887"/>
-          </a:xfrm>
-          <a:prstGeom prst="rect">
-            <a:avLst/>
-          </a:prstGeom>
-          <a:noFill/>
-        </p:spPr>
-        <p:txBody>
-          <a:bodyPr wrap="square" rtlCol="0">
-            <a:spAutoFit/>
-          </a:bodyPr>
-          <a:lstStyle/>
-          <a:p>
-            <a:r>
-              <a:rPr lang="en-US" sz="1100" dirty="0"/>
-              <a:t>Manually input</a:t>
-            </a:r>
-          </a:p>
-        </p:txBody>
-      </p:sp>
-      <p:sp>
-        <p:nvSpPr>
-          <p:cNvPr id="163" name="TextBox 162">
-            <a:extLst>
-              <a:ext uri="{FF2B5EF4-FFF2-40B4-BE49-F238E27FC236}">
-                <a16:creationId xmlns:a16="http://schemas.microsoft.com/office/drawing/2014/main" id="{89CE57EC-12EB-5814-3CDF-7F47D7126009}"/>
-              </a:ext>
-            </a:extLst>
-          </p:cNvPr>
-          <p:cNvSpPr txBox="1"/>
-          <p:nvPr/>
-        </p:nvSpPr>
-        <p:spPr>
-          <a:xfrm flipH="1">
-            <a:off x="1527597" y="1048499"/>
-            <a:ext cx="1254507" cy="295662"/>
-          </a:xfrm>
-          <a:prstGeom prst="roundRect">
-            <a:avLst>
-              <a:gd name="adj" fmla="val 24618"/>
-            </a:avLst>
-          </a:prstGeom>
-          <a:solidFill>
-            <a:schemeClr val="bg1"/>
-          </a:solidFill>
-          <a:ln>
-            <a:solidFill>
-              <a:schemeClr val="accent3">
-                <a:lumMod val="20000"/>
-                <a:lumOff val="80000"/>
-              </a:schemeClr>
-            </a:solidFill>
-          </a:ln>
-        </p:spPr>
-        <p:style>
-          <a:lnRef idx="2">
-            <a:schemeClr val="accent5"/>
-          </a:lnRef>
-          <a:fillRef idx="1">
-            <a:schemeClr val="lt1"/>
-          </a:fillRef>
-          <a:effectRef idx="0">
-            <a:schemeClr val="accent5"/>
-          </a:effectRef>
-          <a:fontRef idx="minor">
-            <a:schemeClr val="dk1"/>
-          </a:fontRef>
-        </p:style>
-        <p:txBody>
-          <a:bodyPr wrap="square" rtlCol="0">
-            <a:spAutoFit/>
-          </a:bodyPr>
-          <a:lstStyle/>
-          <a:p>
-            <a:r>
-              <a:rPr lang="en-US" sz="1050" b="1" dirty="0"/>
-              <a:t>Current approach</a:t>
-            </a:r>
-          </a:p>
-        </p:txBody>
-      </p:sp>
-      <p:sp>
-        <p:nvSpPr>
-          <p:cNvPr id="3" name="TextBox 2">
-            <a:extLst>
-              <a:ext uri="{FF2B5EF4-FFF2-40B4-BE49-F238E27FC236}">
-                <a16:creationId xmlns:a16="http://schemas.microsoft.com/office/drawing/2014/main" id="{B7364090-764E-7379-701C-EFF10EBF563C}"/>
-              </a:ext>
-            </a:extLst>
-          </p:cNvPr>
-          <p:cNvSpPr txBox="1"/>
-          <p:nvPr/>
-        </p:nvSpPr>
-        <p:spPr>
-          <a:xfrm flipH="1">
-            <a:off x="1789408" y="5127460"/>
-            <a:ext cx="1836618" cy="492443"/>
-          </a:xfrm>
-          <a:prstGeom prst="rect">
-            <a:avLst/>
-          </a:prstGeom>
-          <a:solidFill>
-            <a:schemeClr val="bg1"/>
-          </a:solidFill>
-          <a:ln>
-            <a:solidFill>
-              <a:schemeClr val="accent3">
-                <a:lumMod val="50000"/>
-              </a:schemeClr>
-            </a:solidFill>
-          </a:ln>
-        </p:spPr>
-        <p:style>
-          <a:lnRef idx="2">
-            <a:schemeClr val="accent5"/>
-          </a:lnRef>
-          <a:fillRef idx="1">
-            <a:schemeClr val="lt1"/>
-          </a:fillRef>
-          <a:effectRef idx="0">
-            <a:schemeClr val="accent5"/>
-          </a:effectRef>
-          <a:fontRef idx="minor">
-            <a:schemeClr val="dk1"/>
-          </a:fontRef>
-        </p:style>
-        <p:txBody>
-          <a:bodyPr wrap="square" rtlCol="0">
-            <a:spAutoFit/>
-          </a:bodyPr>
-          <a:lstStyle/>
-          <a:p>
-            <a:pPr algn="ctr"/>
-            <a:r>
-              <a:rPr lang="en-US" sz="1300" dirty="0"/>
-              <a:t>Third party star-allele calling tools</a:t>
-            </a:r>
-          </a:p>
-        </p:txBody>
-      </p:sp>
-      <p:cxnSp>
-        <p:nvCxnSpPr>
-          <p:cNvPr id="4" name="Straight Arrow Connector 3">
-            <a:extLst>
-              <a:ext uri="{FF2B5EF4-FFF2-40B4-BE49-F238E27FC236}">
-                <a16:creationId xmlns:a16="http://schemas.microsoft.com/office/drawing/2014/main" id="{3A7BFED5-B1A2-83CF-9AFF-07A871168E5E}"/>
-              </a:ext>
-            </a:extLst>
-          </p:cNvPr>
-          <p:cNvCxnSpPr>
-            <a:cxnSpLocks/>
-            <a:stCxn id="45" idx="2"/>
-            <a:endCxn id="3" idx="0"/>
-          </p:cNvCxnSpPr>
-          <p:nvPr/>
-        </p:nvCxnSpPr>
-        <p:spPr>
-          <a:xfrm>
-            <a:off x="2707717" y="4659009"/>
-            <a:ext cx="0" cy="468451"/>
-          </a:xfrm>
-          <a:prstGeom prst="straightConnector1">
-            <a:avLst/>
-          </a:prstGeom>
-          <a:ln w="19050">
-            <a:solidFill>
-              <a:schemeClr val="tx2">
-                <a:lumMod val="75000"/>
-              </a:schemeClr>
-            </a:solidFill>
-            <a:tailEnd type="triangle"/>
-          </a:ln>
-        </p:spPr>
-        <p:style>
-          <a:lnRef idx="1">
-            <a:schemeClr val="accent1"/>
-          </a:lnRef>
-          <a:fillRef idx="0">
-            <a:schemeClr val="accent1"/>
-          </a:fillRef>
-          <a:effectRef idx="0">
-            <a:schemeClr val="accent1"/>
-          </a:effectRef>
-          <a:fontRef idx="minor">
-            <a:schemeClr val="tx1"/>
-          </a:fontRef>
-        </p:style>
-      </p:cxnSp>
-      <p:sp>
-        <p:nvSpPr>
-          <p:cNvPr id="8" name="TextBox 7">
-            <a:extLst>
-              <a:ext uri="{FF2B5EF4-FFF2-40B4-BE49-F238E27FC236}">
-                <a16:creationId xmlns:a16="http://schemas.microsoft.com/office/drawing/2014/main" id="{2DFE785D-0D53-CFC8-D3D2-192D64ABC633}"/>
-              </a:ext>
-            </a:extLst>
-          </p:cNvPr>
-          <p:cNvSpPr txBox="1"/>
-          <p:nvPr/>
-        </p:nvSpPr>
-        <p:spPr>
-          <a:xfrm flipH="1">
-            <a:off x="1789408" y="5903642"/>
-            <a:ext cx="1836618" cy="292388"/>
-          </a:xfrm>
-          <a:prstGeom prst="rect">
-            <a:avLst/>
-          </a:prstGeom>
-          <a:ln>
-            <a:solidFill>
-              <a:schemeClr val="accent3">
-                <a:lumMod val="50000"/>
-              </a:schemeClr>
-            </a:solidFill>
-          </a:ln>
-        </p:spPr>
-        <p:style>
-          <a:lnRef idx="2">
-            <a:schemeClr val="accent5"/>
-          </a:lnRef>
-          <a:fillRef idx="1">
-            <a:schemeClr val="lt1"/>
-          </a:fillRef>
-          <a:effectRef idx="0">
-            <a:schemeClr val="accent5"/>
-          </a:effectRef>
-          <a:fontRef idx="minor">
-            <a:schemeClr val="dk1"/>
-          </a:fontRef>
-        </p:style>
-        <p:txBody>
-          <a:bodyPr wrap="square" rtlCol="0">
-            <a:spAutoFit/>
-          </a:bodyPr>
-          <a:lstStyle/>
-          <a:p>
-            <a:pPr algn="ctr"/>
-            <a:r>
-              <a:rPr lang="en-US" sz="1300" dirty="0">
-                <a:solidFill>
-                  <a:srgbClr val="FF0000"/>
-                </a:solidFill>
-              </a:rPr>
-              <a:t>Generate reports</a:t>
-            </a:r>
-          </a:p>
-        </p:txBody>
-      </p:sp>
-      <p:cxnSp>
-        <p:nvCxnSpPr>
-          <p:cNvPr id="9" name="Straight Arrow Connector 8">
-            <a:extLst>
-              <a:ext uri="{FF2B5EF4-FFF2-40B4-BE49-F238E27FC236}">
-                <a16:creationId xmlns:a16="http://schemas.microsoft.com/office/drawing/2014/main" id="{13320FDA-B33E-569B-FB36-0600715A4647}"/>
-              </a:ext>
-            </a:extLst>
-          </p:cNvPr>
-          <p:cNvCxnSpPr>
-            <a:cxnSpLocks/>
-            <a:stCxn id="3" idx="2"/>
-            <a:endCxn id="8" idx="0"/>
-          </p:cNvCxnSpPr>
-          <p:nvPr/>
-        </p:nvCxnSpPr>
-        <p:spPr>
-          <a:xfrm>
-            <a:off x="2707717" y="5619903"/>
-            <a:ext cx="0" cy="283739"/>
-          </a:xfrm>
-          <a:prstGeom prst="straightConnector1">
-            <a:avLst/>
-          </a:prstGeom>
-          <a:ln w="19050">
-            <a:solidFill>
-              <a:schemeClr val="tx2">
-                <a:lumMod val="75000"/>
-              </a:schemeClr>
-            </a:solidFill>
-            <a:tailEnd type="triangle"/>
-          </a:ln>
-        </p:spPr>
-        <p:style>
-          <a:lnRef idx="1">
-            <a:schemeClr val="accent1"/>
-          </a:lnRef>
-          <a:fillRef idx="0">
-            <a:schemeClr val="accent1"/>
-          </a:fillRef>
-          <a:effectRef idx="0">
-            <a:schemeClr val="accent1"/>
-          </a:effectRef>
-          <a:fontRef idx="minor">
-            <a:schemeClr val="tx1"/>
-          </a:fontRef>
-        </p:style>
-      </p:cxnSp>
-      <p:cxnSp>
-        <p:nvCxnSpPr>
-          <p:cNvPr id="13" name="Connector: Elbow 12">
-            <a:extLst>
-              <a:ext uri="{FF2B5EF4-FFF2-40B4-BE49-F238E27FC236}">
-                <a16:creationId xmlns:a16="http://schemas.microsoft.com/office/drawing/2014/main" id="{ECEDC1B7-13D3-5104-C6A7-728B94D89F86}"/>
-              </a:ext>
-            </a:extLst>
-          </p:cNvPr>
-          <p:cNvCxnSpPr>
-            <a:cxnSpLocks/>
-            <a:stCxn id="39" idx="2"/>
-            <a:endCxn id="8" idx="3"/>
-          </p:cNvCxnSpPr>
-          <p:nvPr/>
-        </p:nvCxnSpPr>
-        <p:spPr>
-          <a:xfrm rot="16200000" flipH="1">
-            <a:off x="498782" y="4759210"/>
-            <a:ext cx="1724792" cy="856460"/>
-          </a:xfrm>
-          <a:prstGeom prst="bentConnector2">
-            <a:avLst/>
-          </a:prstGeom>
-          <a:ln w="19050">
-            <a:solidFill>
-              <a:schemeClr val="tx2">
-                <a:lumMod val="75000"/>
-              </a:schemeClr>
-            </a:solidFill>
-            <a:tailEnd type="triangle"/>
-          </a:ln>
-        </p:spPr>
-        <p:style>
-          <a:lnRef idx="1">
-            <a:schemeClr val="accent1"/>
-          </a:lnRef>
-          <a:fillRef idx="0">
-            <a:schemeClr val="accent1"/>
-          </a:fillRef>
-          <a:effectRef idx="0">
-            <a:schemeClr val="accent1"/>
-          </a:effectRef>
-          <a:fontRef idx="minor">
-            <a:schemeClr val="tx1"/>
-          </a:fontRef>
-        </p:style>
-      </p:cxnSp>
-      <p:pic>
-        <p:nvPicPr>
-          <p:cNvPr id="35" name="Graphic 34" descr="Badge outline">
-            <a:extLst>
-              <a:ext uri="{FF2B5EF4-FFF2-40B4-BE49-F238E27FC236}">
-                <a16:creationId xmlns:a16="http://schemas.microsoft.com/office/drawing/2014/main" id="{82E6531C-8DEE-737C-F195-28E34477977C}"/>
-              </a:ext>
-            </a:extLst>
-          </p:cNvPr>
-          <p:cNvPicPr>
-            <a:picLocks noChangeAspect="1"/>
-          </p:cNvPicPr>
-          <p:nvPr/>
-        </p:nvPicPr>
-        <p:blipFill>
-          <a:blip r:embed="rId2">
-            <a:extLst>
-              <a:ext uri="{28A0092B-C50C-407E-A947-70E740481C1C}">
-                <a14:useLocalDpi xmlns:a14="http://schemas.microsoft.com/office/drawing/2010/main" val="0"/>
-              </a:ext>
-              <a:ext uri="{96DAC541-7B7A-43D3-8B79-37D633B846F1}">
-                <asvg:svgBlip xmlns:asvg="http://schemas.microsoft.com/office/drawing/2016/SVG/main" r:embed="rId3"/>
-              </a:ext>
-            </a:extLst>
-          </a:blip>
-          <a:stretch>
-            <a:fillRect/>
-          </a:stretch>
-        </p:blipFill>
-        <p:spPr>
-          <a:xfrm>
-            <a:off x="2411513" y="2531684"/>
-            <a:ext cx="256032" cy="256032"/>
-          </a:xfrm>
-          <a:prstGeom prst="rect">
-            <a:avLst/>
-          </a:prstGeom>
-        </p:spPr>
-      </p:pic>
-      <p:pic>
-        <p:nvPicPr>
-          <p:cNvPr id="37" name="Graphic 36" descr="Badge 1 outline">
-            <a:extLst>
-              <a:ext uri="{FF2B5EF4-FFF2-40B4-BE49-F238E27FC236}">
-                <a16:creationId xmlns:a16="http://schemas.microsoft.com/office/drawing/2014/main" id="{5137D3CE-6457-2D5F-9085-B18C00BBFB7B}"/>
-              </a:ext>
-            </a:extLst>
-          </p:cNvPr>
-          <p:cNvPicPr>
-            <a:picLocks noChangeAspect="1"/>
-          </p:cNvPicPr>
-          <p:nvPr/>
-        </p:nvPicPr>
-        <p:blipFill>
-          <a:blip r:embed="rId4">
-            <a:extLst>
-              <a:ext uri="{28A0092B-C50C-407E-A947-70E740481C1C}">
-                <a14:useLocalDpi xmlns:a14="http://schemas.microsoft.com/office/drawing/2010/main" val="0"/>
-              </a:ext>
-              <a:ext uri="{96DAC541-7B7A-43D3-8B79-37D633B846F1}">
-                <asvg:svgBlip xmlns:asvg="http://schemas.microsoft.com/office/drawing/2016/SVG/main" r:embed="rId5"/>
-              </a:ext>
-            </a:extLst>
-          </a:blip>
-          <a:stretch>
-            <a:fillRect/>
-          </a:stretch>
-        </p:blipFill>
-        <p:spPr>
-          <a:xfrm>
-            <a:off x="1108998" y="2118741"/>
-            <a:ext cx="252896" cy="252896"/>
-          </a:xfrm>
-          <a:prstGeom prst="rect">
-            <a:avLst/>
-          </a:prstGeom>
-        </p:spPr>
-      </p:pic>
-      <p:sp>
-        <p:nvSpPr>
-          <p:cNvPr id="38" name="TextBox 37">
-            <a:extLst>
-              <a:ext uri="{FF2B5EF4-FFF2-40B4-BE49-F238E27FC236}">
-                <a16:creationId xmlns:a16="http://schemas.microsoft.com/office/drawing/2014/main" id="{34B32BDA-78DA-237C-BCC3-18C0B98777BB}"/>
-              </a:ext>
-            </a:extLst>
-          </p:cNvPr>
-          <p:cNvSpPr txBox="1"/>
-          <p:nvPr/>
-        </p:nvSpPr>
-        <p:spPr>
-          <a:xfrm flipH="1">
-            <a:off x="2055472" y="1374939"/>
-            <a:ext cx="1453322" cy="261610"/>
-          </a:xfrm>
-          <a:prstGeom prst="rect">
-            <a:avLst/>
-          </a:prstGeom>
-          <a:noFill/>
-        </p:spPr>
-        <p:txBody>
-          <a:bodyPr wrap="square">
-            <a:spAutoFit/>
-          </a:bodyPr>
-          <a:lstStyle/>
-          <a:p>
-            <a:r>
-              <a:rPr lang="en-US" sz="1050" b="1" dirty="0" err="1"/>
-              <a:t>GeneMapper</a:t>
-            </a:r>
-            <a:r>
-              <a:rPr lang="en-US" sz="1050" b="1" dirty="0"/>
-              <a:t> Software</a:t>
-            </a:r>
-          </a:p>
-        </p:txBody>
-      </p:sp>
-      <p:cxnSp>
-        <p:nvCxnSpPr>
-          <p:cNvPr id="12" name="Connector: Elbow 11">
-            <a:extLst>
-              <a:ext uri="{FF2B5EF4-FFF2-40B4-BE49-F238E27FC236}">
-                <a16:creationId xmlns:a16="http://schemas.microsoft.com/office/drawing/2014/main" id="{2A2221F1-66EC-A88D-290B-99BB53AD2587}"/>
-              </a:ext>
-            </a:extLst>
-          </p:cNvPr>
-          <p:cNvCxnSpPr>
-            <a:cxnSpLocks/>
-            <a:stCxn id="168" idx="1"/>
-            <a:endCxn id="18" idx="1"/>
-          </p:cNvCxnSpPr>
-          <p:nvPr/>
-        </p:nvCxnSpPr>
-        <p:spPr>
-          <a:xfrm rot="5400000">
-            <a:off x="3506968" y="965244"/>
-            <a:ext cx="945759" cy="706315"/>
-          </a:xfrm>
-          <a:prstGeom prst="bentConnector2">
-            <a:avLst/>
-          </a:prstGeom>
-          <a:ln w="19050">
-            <a:solidFill>
-              <a:schemeClr val="tx2">
-                <a:lumMod val="75000"/>
-              </a:schemeClr>
-            </a:solidFill>
-            <a:tailEnd type="triangle"/>
-          </a:ln>
-        </p:spPr>
-        <p:style>
-          <a:lnRef idx="1">
-            <a:schemeClr val="accent1"/>
-          </a:lnRef>
-          <a:fillRef idx="0">
-            <a:schemeClr val="accent1"/>
-          </a:fillRef>
-          <a:effectRef idx="0">
-            <a:schemeClr val="accent1"/>
-          </a:effectRef>
-          <a:fontRef idx="minor">
-            <a:schemeClr val="tx1"/>
-          </a:fontRef>
-        </p:style>
-      </p:cxnSp>
-      <p:cxnSp>
-        <p:nvCxnSpPr>
-          <p:cNvPr id="17" name="Connector: Elbow 16">
-            <a:extLst>
-              <a:ext uri="{FF2B5EF4-FFF2-40B4-BE49-F238E27FC236}">
-                <a16:creationId xmlns:a16="http://schemas.microsoft.com/office/drawing/2014/main" id="{79252202-B4A2-D2F4-E4DD-91D10941559A}"/>
-              </a:ext>
-            </a:extLst>
-          </p:cNvPr>
-          <p:cNvCxnSpPr>
-            <a:cxnSpLocks/>
-            <a:stCxn id="168" idx="1"/>
-            <a:endCxn id="55" idx="3"/>
-          </p:cNvCxnSpPr>
-          <p:nvPr/>
-        </p:nvCxnSpPr>
-        <p:spPr>
-          <a:xfrm rot="16200000" flipH="1">
-            <a:off x="4250701" y="927824"/>
-            <a:ext cx="945759" cy="781153"/>
-          </a:xfrm>
-          <a:prstGeom prst="bentConnector2">
-            <a:avLst/>
-          </a:prstGeom>
-          <a:ln w="19050">
-            <a:solidFill>
-              <a:schemeClr val="tx2">
-                <a:lumMod val="75000"/>
-              </a:schemeClr>
-            </a:solidFill>
-            <a:tailEnd type="triangle"/>
-          </a:ln>
-        </p:spPr>
-        <p:style>
-          <a:lnRef idx="1">
-            <a:schemeClr val="accent1"/>
-          </a:lnRef>
-          <a:fillRef idx="0">
-            <a:schemeClr val="accent1"/>
-          </a:fillRef>
-          <a:effectRef idx="0">
-            <a:schemeClr val="accent1"/>
-          </a:effectRef>
-          <a:fontRef idx="minor">
-            <a:schemeClr val="tx1"/>
-          </a:fontRef>
-        </p:style>
-      </p:cxnSp>
-      <p:sp>
-        <p:nvSpPr>
-          <p:cNvPr id="29" name="TextBox 28">
-            <a:extLst>
-              <a:ext uri="{FF2B5EF4-FFF2-40B4-BE49-F238E27FC236}">
-                <a16:creationId xmlns:a16="http://schemas.microsoft.com/office/drawing/2014/main" id="{CCA4E36A-81BB-C553-2108-87DDF0ABA347}"/>
-              </a:ext>
-            </a:extLst>
-          </p:cNvPr>
-          <p:cNvSpPr txBox="1"/>
-          <p:nvPr/>
-        </p:nvSpPr>
-        <p:spPr>
-          <a:xfrm>
-            <a:off x="4319647" y="1514282"/>
-            <a:ext cx="635110" cy="276999"/>
-          </a:xfrm>
-          <a:prstGeom prst="rect">
-            <a:avLst/>
-          </a:prstGeom>
-          <a:noFill/>
-        </p:spPr>
-        <p:txBody>
-          <a:bodyPr wrap="none" rtlCol="0">
-            <a:spAutoFit/>
-          </a:bodyPr>
-          <a:lstStyle/>
-          <a:p>
-            <a:r>
-              <a:rPr lang="en-US" sz="1200" dirty="0"/>
-              <a:t>Upload</a:t>
-            </a:r>
-          </a:p>
-        </p:txBody>
-      </p:sp>
-      <p:sp>
-        <p:nvSpPr>
-          <p:cNvPr id="32" name="TextBox 31">
-            <a:extLst>
-              <a:ext uri="{FF2B5EF4-FFF2-40B4-BE49-F238E27FC236}">
-                <a16:creationId xmlns:a16="http://schemas.microsoft.com/office/drawing/2014/main" id="{F6E9D370-1D87-D13B-B57F-B1E6B2DCB4F5}"/>
-              </a:ext>
-            </a:extLst>
-          </p:cNvPr>
-          <p:cNvSpPr txBox="1"/>
-          <p:nvPr/>
-        </p:nvSpPr>
-        <p:spPr>
-          <a:xfrm>
-            <a:off x="501478" y="1218485"/>
-            <a:ext cx="324128" cy="369332"/>
-          </a:xfrm>
-          <a:prstGeom prst="rect">
-            <a:avLst/>
-          </a:prstGeom>
-          <a:noFill/>
-        </p:spPr>
-        <p:txBody>
-          <a:bodyPr wrap="none" rtlCol="0">
-            <a:spAutoFit/>
-          </a:bodyPr>
-          <a:lstStyle/>
-          <a:p>
-            <a:r>
-              <a:rPr lang="en-US" altLang="ko-KR" b="1" dirty="0"/>
-              <a:t>A</a:t>
-            </a:r>
-            <a:endParaRPr lang="ko-KR" altLang="en-US" b="1" dirty="0"/>
-          </a:p>
-        </p:txBody>
-      </p:sp>
-      <p:sp>
-        <p:nvSpPr>
-          <p:cNvPr id="33" name="TextBox 32">
-            <a:extLst>
-              <a:ext uri="{FF2B5EF4-FFF2-40B4-BE49-F238E27FC236}">
-                <a16:creationId xmlns:a16="http://schemas.microsoft.com/office/drawing/2014/main" id="{12369756-51A1-0117-3A27-9F77AE6BD322}"/>
-              </a:ext>
-            </a:extLst>
-          </p:cNvPr>
-          <p:cNvSpPr txBox="1"/>
-          <p:nvPr/>
-        </p:nvSpPr>
-        <p:spPr>
-          <a:xfrm>
-            <a:off x="4737197" y="1218485"/>
-            <a:ext cx="324128" cy="369332"/>
-          </a:xfrm>
-          <a:prstGeom prst="rect">
-            <a:avLst/>
-          </a:prstGeom>
-          <a:noFill/>
-        </p:spPr>
-        <p:txBody>
-          <a:bodyPr wrap="none" rtlCol="0">
-            <a:spAutoFit/>
-          </a:bodyPr>
-          <a:lstStyle/>
-          <a:p>
-            <a:r>
-              <a:rPr lang="en-US" altLang="ko-KR" b="1" dirty="0"/>
-              <a:t>B</a:t>
-            </a:r>
-            <a:endParaRPr lang="ko-KR" altLang="en-US" b="1" dirty="0"/>
-          </a:p>
-        </p:txBody>
-      </p:sp>
-    </p:spTree>
-    <p:extLst>
-      <p:ext uri="{BB962C8B-B14F-4D97-AF65-F5344CB8AC3E}">
-        <p14:creationId xmlns:p14="http://schemas.microsoft.com/office/powerpoint/2010/main" val="1057968040"/>
-      </p:ext>
-    </p:extLst>
-  </p:cSld>
-  <p:clrMapOvr>
-    <a:masterClrMapping/>
-  </p:clrMapOvr>
-</p:sld>
-</file>
-
-<file path=ppt/slides/slide3.xml><?xml version="1.0" encoding="utf-8"?>
-<p:sld xmlns:a="http://schemas.openxmlformats.org/drawingml/2006/main" xmlns:r="http://schemas.openxmlformats.org/officeDocument/2006/relationships" xmlns:p="http://schemas.openxmlformats.org/presentationml/2006/main">
-  <p:cSld>
-    <p:spTree>
-      <p:nvGrpSpPr>
-        <p:cNvPr id="1" name=""/>
-        <p:cNvGrpSpPr/>
-        <p:nvPr/>
-      </p:nvGrpSpPr>
-      <p:grpSpPr>
-        <a:xfrm>
-          <a:off x="0" y="0"/>
-          <a:ext cx="0" cy="0"/>
-          <a:chOff x="0" y="0"/>
-          <a:chExt cx="0" cy="0"/>
-        </a:xfrm>
-      </p:grpSpPr>
-      <p:sp>
-        <p:nvSpPr>
           <p:cNvPr id="2" name="Title 1">
             <a:extLst>
               <a:ext uri="{FF2B5EF4-FFF2-40B4-BE49-F238E27FC236}">
@@ -11677,8 +9043,3374 @@
 </p:sld>
 </file>
 
+<file path=ppt/slides/slide3.xml><?xml version="1.0" encoding="utf-8"?>
+<p:sld xmlns:a="http://schemas.openxmlformats.org/drawingml/2006/main" xmlns:r="http://schemas.openxmlformats.org/officeDocument/2006/relationships" xmlns:p="http://schemas.openxmlformats.org/presentationml/2006/main">
+  <p:cSld>
+    <p:spTree>
+      <p:nvGrpSpPr>
+        <p:cNvPr id="1" name=""/>
+        <p:cNvGrpSpPr/>
+        <p:nvPr/>
+      </p:nvGrpSpPr>
+      <p:grpSpPr>
+        <a:xfrm>
+          <a:off x="0" y="0"/>
+          <a:ext cx="0" cy="0"/>
+          <a:chOff x="0" y="0"/>
+          <a:chExt cx="0" cy="0"/>
+        </a:xfrm>
+      </p:grpSpPr>
+      <p:sp>
+        <p:nvSpPr>
+          <p:cNvPr id="2" name="Title 1">
+            <a:extLst>
+              <a:ext uri="{FF2B5EF4-FFF2-40B4-BE49-F238E27FC236}">
+                <a16:creationId xmlns:a16="http://schemas.microsoft.com/office/drawing/2014/main" id="{16D0410E-1953-15F5-37D5-350C0CBB9D9C}"/>
+              </a:ext>
+            </a:extLst>
+          </p:cNvPr>
+          <p:cNvSpPr>
+            <a:spLocks noGrp="1"/>
+          </p:cNvSpPr>
+          <p:nvPr>
+            <p:ph type="title"/>
+          </p:nvPr>
+        </p:nvSpPr>
+        <p:spPr/>
+        <p:txBody>
+          <a:bodyPr/>
+          <a:lstStyle/>
+          <a:p>
+            <a:r>
+              <a:rPr lang="en-US"/>
+              <a:t>Example of calling process</a:t>
+            </a:r>
+          </a:p>
+        </p:txBody>
+      </p:sp>
+      <p:pic>
+        <p:nvPicPr>
+          <p:cNvPr id="4" name="Picture 3">
+            <a:extLst>
+              <a:ext uri="{FF2B5EF4-FFF2-40B4-BE49-F238E27FC236}">
+                <a16:creationId xmlns:a16="http://schemas.microsoft.com/office/drawing/2014/main" id="{396071EB-3AA2-B384-5559-BEEA85DDF916}"/>
+              </a:ext>
+            </a:extLst>
+          </p:cNvPr>
+          <p:cNvPicPr>
+            <a:picLocks noChangeAspect="1"/>
+          </p:cNvPicPr>
+          <p:nvPr/>
+        </p:nvPicPr>
+        <p:blipFill>
+          <a:blip r:embed="rId2"/>
+          <a:stretch>
+            <a:fillRect/>
+          </a:stretch>
+        </p:blipFill>
+        <p:spPr>
+          <a:xfrm>
+            <a:off x="474686" y="1640621"/>
+            <a:ext cx="9007060" cy="2549244"/>
+          </a:xfrm>
+          <a:prstGeom prst="rect">
+            <a:avLst/>
+          </a:prstGeom>
+        </p:spPr>
+      </p:pic>
+      <p:sp>
+        <p:nvSpPr>
+          <p:cNvPr id="7" name="Arrow: Down 6">
+            <a:extLst>
+              <a:ext uri="{FF2B5EF4-FFF2-40B4-BE49-F238E27FC236}">
+                <a16:creationId xmlns:a16="http://schemas.microsoft.com/office/drawing/2014/main" id="{C8C71221-7FB0-50A8-A4BA-0802111AF4DC}"/>
+              </a:ext>
+            </a:extLst>
+          </p:cNvPr>
+          <p:cNvSpPr/>
+          <p:nvPr/>
+        </p:nvSpPr>
+        <p:spPr>
+          <a:xfrm>
+            <a:off x="4923030" y="3224241"/>
+            <a:ext cx="260626" cy="289469"/>
+          </a:xfrm>
+          <a:prstGeom prst="downArrow">
+            <a:avLst/>
+          </a:prstGeom>
+        </p:spPr>
+        <p:style>
+          <a:lnRef idx="2">
+            <a:schemeClr val="accent1">
+              <a:shade val="50000"/>
+            </a:schemeClr>
+          </a:lnRef>
+          <a:fillRef idx="1">
+            <a:schemeClr val="accent1"/>
+          </a:fillRef>
+          <a:effectRef idx="0">
+            <a:schemeClr val="accent1"/>
+          </a:effectRef>
+          <a:fontRef idx="minor">
+            <a:schemeClr val="lt1"/>
+          </a:fontRef>
+        </p:style>
+        <p:txBody>
+          <a:bodyPr rtlCol="0" anchor="ctr"/>
+          <a:lstStyle/>
+          <a:p>
+            <a:pPr algn="ctr"/>
+            <a:endParaRPr lang="en-US"/>
+          </a:p>
+        </p:txBody>
+      </p:sp>
+      <p:sp>
+        <p:nvSpPr>
+          <p:cNvPr id="8" name="Arrow: Down 7">
+            <a:extLst>
+              <a:ext uri="{FF2B5EF4-FFF2-40B4-BE49-F238E27FC236}">
+                <a16:creationId xmlns:a16="http://schemas.microsoft.com/office/drawing/2014/main" id="{6ED14C8A-595F-3D52-5497-F5EB7323667C}"/>
+              </a:ext>
+            </a:extLst>
+          </p:cNvPr>
+          <p:cNvSpPr/>
+          <p:nvPr/>
+        </p:nvSpPr>
+        <p:spPr>
+          <a:xfrm>
+            <a:off x="3892582" y="3171110"/>
+            <a:ext cx="260626" cy="289469"/>
+          </a:xfrm>
+          <a:prstGeom prst="downArrow">
+            <a:avLst/>
+          </a:prstGeom>
+        </p:spPr>
+        <p:style>
+          <a:lnRef idx="2">
+            <a:schemeClr val="accent1">
+              <a:shade val="50000"/>
+            </a:schemeClr>
+          </a:lnRef>
+          <a:fillRef idx="1">
+            <a:schemeClr val="accent1"/>
+          </a:fillRef>
+          <a:effectRef idx="0">
+            <a:schemeClr val="accent1"/>
+          </a:effectRef>
+          <a:fontRef idx="minor">
+            <a:schemeClr val="lt1"/>
+          </a:fontRef>
+        </p:style>
+        <p:txBody>
+          <a:bodyPr rtlCol="0" anchor="ctr"/>
+          <a:lstStyle/>
+          <a:p>
+            <a:pPr algn="ctr"/>
+            <a:endParaRPr lang="en-US"/>
+          </a:p>
+        </p:txBody>
+      </p:sp>
+      <p:sp>
+        <p:nvSpPr>
+          <p:cNvPr id="9" name="Arrow: Down 8">
+            <a:extLst>
+              <a:ext uri="{FF2B5EF4-FFF2-40B4-BE49-F238E27FC236}">
+                <a16:creationId xmlns:a16="http://schemas.microsoft.com/office/drawing/2014/main" id="{87F26365-6989-F8CB-976A-64DBE0EDBDAC}"/>
+              </a:ext>
+            </a:extLst>
+          </p:cNvPr>
+          <p:cNvSpPr/>
+          <p:nvPr/>
+        </p:nvSpPr>
+        <p:spPr>
+          <a:xfrm>
+            <a:off x="2795022" y="3138952"/>
+            <a:ext cx="260626" cy="289469"/>
+          </a:xfrm>
+          <a:prstGeom prst="downArrow">
+            <a:avLst/>
+          </a:prstGeom>
+        </p:spPr>
+        <p:style>
+          <a:lnRef idx="2">
+            <a:schemeClr val="accent1">
+              <a:shade val="50000"/>
+            </a:schemeClr>
+          </a:lnRef>
+          <a:fillRef idx="1">
+            <a:schemeClr val="accent1"/>
+          </a:fillRef>
+          <a:effectRef idx="0">
+            <a:schemeClr val="accent1"/>
+          </a:effectRef>
+          <a:fontRef idx="minor">
+            <a:schemeClr val="lt1"/>
+          </a:fontRef>
+        </p:style>
+        <p:txBody>
+          <a:bodyPr rtlCol="0" anchor="ctr"/>
+          <a:lstStyle/>
+          <a:p>
+            <a:pPr algn="ctr"/>
+            <a:endParaRPr lang="en-US"/>
+          </a:p>
+        </p:txBody>
+      </p:sp>
+      <p:sp>
+        <p:nvSpPr>
+          <p:cNvPr id="10" name="TextBox 9">
+            <a:extLst>
+              <a:ext uri="{FF2B5EF4-FFF2-40B4-BE49-F238E27FC236}">
+                <a16:creationId xmlns:a16="http://schemas.microsoft.com/office/drawing/2014/main" id="{602DE680-84FA-A780-8647-5A060F14948C}"/>
+              </a:ext>
+            </a:extLst>
+          </p:cNvPr>
+          <p:cNvSpPr txBox="1"/>
+          <p:nvPr/>
+        </p:nvSpPr>
+        <p:spPr>
+          <a:xfrm>
+            <a:off x="838200" y="872806"/>
+            <a:ext cx="7586885" cy="646331"/>
+          </a:xfrm>
+          <a:prstGeom prst="rect">
+            <a:avLst/>
+          </a:prstGeom>
+          <a:noFill/>
+        </p:spPr>
+        <p:txBody>
+          <a:bodyPr wrap="none" rtlCol="0">
+            <a:spAutoFit/>
+          </a:bodyPr>
+          <a:lstStyle/>
+          <a:p>
+            <a:r>
+              <a:rPr lang="en-US"/>
+              <a:t>Default minimum intensity was as 1000; some of marker could not be detected</a:t>
+            </a:r>
+          </a:p>
+          <a:p>
+            <a:r>
+              <a:rPr lang="en-US"/>
+              <a:t>After adjust intensity, these markers was identified:</a:t>
+            </a:r>
+          </a:p>
+        </p:txBody>
+      </p:sp>
+      <p:pic>
+        <p:nvPicPr>
+          <p:cNvPr id="12" name="Picture 11">
+            <a:extLst>
+              <a:ext uri="{FF2B5EF4-FFF2-40B4-BE49-F238E27FC236}">
+                <a16:creationId xmlns:a16="http://schemas.microsoft.com/office/drawing/2014/main" id="{859D4DED-D64E-5040-0A90-72D75625971E}"/>
+              </a:ext>
+            </a:extLst>
+          </p:cNvPr>
+          <p:cNvPicPr>
+            <a:picLocks noChangeAspect="1"/>
+          </p:cNvPicPr>
+          <p:nvPr/>
+        </p:nvPicPr>
+        <p:blipFill rotWithShape="1">
+          <a:blip r:embed="rId3"/>
+          <a:srcRect t="4135" b="2524"/>
+          <a:stretch/>
+        </p:blipFill>
+        <p:spPr>
+          <a:xfrm>
+            <a:off x="474686" y="4278764"/>
+            <a:ext cx="8990938" cy="2553836"/>
+          </a:xfrm>
+          <a:prstGeom prst="rect">
+            <a:avLst/>
+          </a:prstGeom>
+        </p:spPr>
+      </p:pic>
+      <p:sp>
+        <p:nvSpPr>
+          <p:cNvPr id="14" name="TextBox 13">
+            <a:extLst>
+              <a:ext uri="{FF2B5EF4-FFF2-40B4-BE49-F238E27FC236}">
+                <a16:creationId xmlns:a16="http://schemas.microsoft.com/office/drawing/2014/main" id="{687762FF-E02F-FD30-6E1C-D0774B4991C3}"/>
+              </a:ext>
+            </a:extLst>
+          </p:cNvPr>
+          <p:cNvSpPr txBox="1"/>
+          <p:nvPr/>
+        </p:nvSpPr>
+        <p:spPr>
+          <a:xfrm>
+            <a:off x="2710254" y="2184523"/>
+            <a:ext cx="1401233" cy="369332"/>
+          </a:xfrm>
+          <a:prstGeom prst="rect">
+            <a:avLst/>
+          </a:prstGeom>
+          <a:noFill/>
+        </p:spPr>
+        <p:txBody>
+          <a:bodyPr wrap="square">
+            <a:spAutoFit/>
+          </a:bodyPr>
+          <a:lstStyle/>
+          <a:p>
+            <a:r>
+              <a:rPr lang="en-US" sz="1800" b="0" i="0" u="none" strike="noStrike" baseline="0">
+                <a:solidFill>
+                  <a:srgbClr val="000000"/>
+                </a:solidFill>
+                <a:latin typeface="Calibri" panose="020F0502020204030204" pitchFamily="34" charset="0"/>
+              </a:rPr>
+              <a:t>*10B/*10B</a:t>
+            </a:r>
+            <a:endParaRPr lang="en-US"/>
+          </a:p>
+        </p:txBody>
+      </p:sp>
+      <p:pic>
+        <p:nvPicPr>
+          <p:cNvPr id="5" name="Picture 4" descr="Diagram&#10;&#10;Description automatically generated with low confidence">
+            <a:extLst>
+              <a:ext uri="{FF2B5EF4-FFF2-40B4-BE49-F238E27FC236}">
+                <a16:creationId xmlns:a16="http://schemas.microsoft.com/office/drawing/2014/main" id="{5117E44D-05C6-5F73-BBAE-F6423ECA4411}"/>
+              </a:ext>
+            </a:extLst>
+          </p:cNvPr>
+          <p:cNvPicPr>
+            <a:picLocks noChangeAspect="1"/>
+          </p:cNvPicPr>
+          <p:nvPr/>
+        </p:nvPicPr>
+        <p:blipFill>
+          <a:blip r:embed="rId4">
+            <a:extLst>
+              <a:ext uri="{28A0092B-C50C-407E-A947-70E740481C1C}">
+                <a14:useLocalDpi xmlns:a14="http://schemas.microsoft.com/office/drawing/2010/main" val="0"/>
+              </a:ext>
+            </a:extLst>
+          </a:blip>
+          <a:stretch>
+            <a:fillRect/>
+          </a:stretch>
+        </p:blipFill>
+        <p:spPr>
+          <a:xfrm>
+            <a:off x="7016390" y="1697454"/>
+            <a:ext cx="5038013" cy="1343470"/>
+          </a:xfrm>
+          <a:prstGeom prst="rect">
+            <a:avLst/>
+          </a:prstGeom>
+        </p:spPr>
+      </p:pic>
+      <p:pic>
+        <p:nvPicPr>
+          <p:cNvPr id="11" name="Picture 10" descr="Diagram&#10;&#10;Description automatically generated">
+            <a:extLst>
+              <a:ext uri="{FF2B5EF4-FFF2-40B4-BE49-F238E27FC236}">
+                <a16:creationId xmlns:a16="http://schemas.microsoft.com/office/drawing/2014/main" id="{E3B84DA2-AE0A-23FE-CC3C-19EE4E535C5F}"/>
+              </a:ext>
+            </a:extLst>
+          </p:cNvPr>
+          <p:cNvPicPr>
+            <a:picLocks noChangeAspect="1"/>
+          </p:cNvPicPr>
+          <p:nvPr/>
+        </p:nvPicPr>
+        <p:blipFill>
+          <a:blip r:embed="rId5">
+            <a:extLst>
+              <a:ext uri="{28A0092B-C50C-407E-A947-70E740481C1C}">
+                <a14:useLocalDpi xmlns:a14="http://schemas.microsoft.com/office/drawing/2010/main" val="0"/>
+              </a:ext>
+            </a:extLst>
+          </a:blip>
+          <a:stretch>
+            <a:fillRect/>
+          </a:stretch>
+        </p:blipFill>
+        <p:spPr>
+          <a:xfrm>
+            <a:off x="6877970" y="4289082"/>
+            <a:ext cx="5038013" cy="1343470"/>
+          </a:xfrm>
+          <a:prstGeom prst="rect">
+            <a:avLst/>
+          </a:prstGeom>
+        </p:spPr>
+      </p:pic>
+    </p:spTree>
+    <p:extLst>
+      <p:ext uri="{BB962C8B-B14F-4D97-AF65-F5344CB8AC3E}">
+        <p14:creationId xmlns:p14="http://schemas.microsoft.com/office/powerpoint/2010/main" val="3349766798"/>
+      </p:ext>
+    </p:extLst>
+  </p:cSld>
+  <p:clrMapOvr>
+    <a:masterClrMapping/>
+  </p:clrMapOvr>
+  <p:timing>
+    <p:tnLst>
+      <p:par>
+        <p:cTn id="1" dur="indefinite" restart="never" nodeType="tmRoot">
+          <p:childTnLst>
+            <p:seq concurrent="1" nextAc="seek">
+              <p:cTn id="2" dur="indefinite" nodeType="mainSeq">
+                <p:childTnLst>
+                  <p:par>
+                    <p:cTn id="3" fill="hold">
+                      <p:stCondLst>
+                        <p:cond delay="indefinite"/>
+                      </p:stCondLst>
+                      <p:childTnLst>
+                        <p:par>
+                          <p:cTn id="4" fill="hold">
+                            <p:stCondLst>
+                              <p:cond delay="0"/>
+                            </p:stCondLst>
+                            <p:childTnLst>
+                              <p:par>
+                                <p:cTn id="5" presetID="10" presetClass="entr" presetSubtype="0" fill="hold" nodeType="clickEffect">
+                                  <p:stCondLst>
+                                    <p:cond delay="0"/>
+                                  </p:stCondLst>
+                                  <p:childTnLst>
+                                    <p:set>
+                                      <p:cBhvr>
+                                        <p:cTn id="6" dur="1" fill="hold">
+                                          <p:stCondLst>
+                                            <p:cond delay="0"/>
+                                          </p:stCondLst>
+                                        </p:cTn>
+                                        <p:tgtEl>
+                                          <p:spTgt spid="5"/>
+                                        </p:tgtEl>
+                                        <p:attrNameLst>
+                                          <p:attrName>style.visibility</p:attrName>
+                                        </p:attrNameLst>
+                                      </p:cBhvr>
+                                      <p:to>
+                                        <p:strVal val="visible"/>
+                                      </p:to>
+                                    </p:set>
+                                    <p:animEffect transition="in" filter="fade">
+                                      <p:cBhvr>
+                                        <p:cTn id="7" dur="500"/>
+                                        <p:tgtEl>
+                                          <p:spTgt spid="5"/>
+                                        </p:tgtEl>
+                                      </p:cBhvr>
+                                    </p:animEffect>
+                                  </p:childTnLst>
+                                </p:cTn>
+                              </p:par>
+                              <p:par>
+                                <p:cTn id="8" presetID="10" presetClass="entr" presetSubtype="0" fill="hold" nodeType="withEffect">
+                                  <p:stCondLst>
+                                    <p:cond delay="0"/>
+                                  </p:stCondLst>
+                                  <p:childTnLst>
+                                    <p:set>
+                                      <p:cBhvr>
+                                        <p:cTn id="9" dur="1" fill="hold">
+                                          <p:stCondLst>
+                                            <p:cond delay="0"/>
+                                          </p:stCondLst>
+                                        </p:cTn>
+                                        <p:tgtEl>
+                                          <p:spTgt spid="11"/>
+                                        </p:tgtEl>
+                                        <p:attrNameLst>
+                                          <p:attrName>style.visibility</p:attrName>
+                                        </p:attrNameLst>
+                                      </p:cBhvr>
+                                      <p:to>
+                                        <p:strVal val="visible"/>
+                                      </p:to>
+                                    </p:set>
+                                    <p:animEffect transition="in" filter="fade">
+                                      <p:cBhvr>
+                                        <p:cTn id="10" dur="500"/>
+                                        <p:tgtEl>
+                                          <p:spTgt spid="11"/>
+                                        </p:tgtEl>
+                                      </p:cBhvr>
+                                    </p:animEffect>
+                                  </p:childTnLst>
+                                </p:cTn>
+                              </p:par>
+                            </p:childTnLst>
+                          </p:cTn>
+                        </p:par>
+                      </p:childTnLst>
+                    </p:cTn>
+                  </p:par>
+                </p:childTnLst>
+              </p:cTn>
+              <p:prevCondLst>
+                <p:cond evt="onPrev" delay="0">
+                  <p:tgtEl>
+                    <p:sldTgt/>
+                  </p:tgtEl>
+                </p:cond>
+              </p:prevCondLst>
+              <p:nextCondLst>
+                <p:cond evt="onNext" delay="0">
+                  <p:tgtEl>
+                    <p:sldTgt/>
+                  </p:tgtEl>
+                </p:cond>
+              </p:nextCondLst>
+            </p:seq>
+          </p:childTnLst>
+        </p:cTn>
+      </p:par>
+    </p:tnLst>
+  </p:timing>
+</p:sld>
+</file>
+
 <file path=ppt/slides/slide4.xml><?xml version="1.0" encoding="utf-8"?>
 <p:sld xmlns:a="http://schemas.openxmlformats.org/drawingml/2006/main" xmlns:r="http://schemas.openxmlformats.org/officeDocument/2006/relationships" xmlns:p="http://schemas.openxmlformats.org/presentationml/2006/main">
+  <p:cSld>
+    <p:spTree>
+      <p:nvGrpSpPr>
+        <p:cNvPr id="1" name=""/>
+        <p:cNvGrpSpPr/>
+        <p:nvPr/>
+      </p:nvGrpSpPr>
+      <p:grpSpPr>
+        <a:xfrm>
+          <a:off x="0" y="0"/>
+          <a:ext cx="0" cy="0"/>
+          <a:chOff x="0" y="0"/>
+          <a:chExt cx="0" cy="0"/>
+        </a:xfrm>
+      </p:grpSpPr>
+      <p:pic>
+        <p:nvPicPr>
+          <p:cNvPr id="3" name="Image1">
+            <a:extLst>
+              <a:ext uri="{FF2B5EF4-FFF2-40B4-BE49-F238E27FC236}">
+                <a16:creationId xmlns:a16="http://schemas.microsoft.com/office/drawing/2014/main" id="{144DD1BA-0657-19EB-E609-B347ED6A45DB}"/>
+              </a:ext>
+            </a:extLst>
+          </p:cNvPr>
+          <p:cNvPicPr>
+            <a:picLocks noChangeAspect="1"/>
+          </p:cNvPicPr>
+          <p:nvPr/>
+        </p:nvPicPr>
+        <p:blipFill>
+          <a:blip r:embed="rId2"/>
+          <a:stretch>
+            <a:fillRect/>
+          </a:stretch>
+        </p:blipFill>
+        <p:spPr bwMode="auto">
+          <a:xfrm>
+            <a:off x="3124200" y="266700"/>
+            <a:ext cx="5943600" cy="6324600"/>
+          </a:xfrm>
+          <a:prstGeom prst="rect">
+            <a:avLst/>
+          </a:prstGeom>
+        </p:spPr>
+      </p:pic>
+      <p:sp>
+        <p:nvSpPr>
+          <p:cNvPr id="4" name="TextBox 3">
+            <a:extLst>
+              <a:ext uri="{FF2B5EF4-FFF2-40B4-BE49-F238E27FC236}">
+                <a16:creationId xmlns:a16="http://schemas.microsoft.com/office/drawing/2014/main" id="{6950F961-3F4C-E2AA-6CBB-EFF4609D7B57}"/>
+              </a:ext>
+            </a:extLst>
+          </p:cNvPr>
+          <p:cNvSpPr txBox="1"/>
+          <p:nvPr/>
+        </p:nvSpPr>
+        <p:spPr>
+          <a:xfrm>
+            <a:off x="2806484" y="1397000"/>
+            <a:ext cx="317716" cy="369332"/>
+          </a:xfrm>
+          <a:prstGeom prst="rect">
+            <a:avLst/>
+          </a:prstGeom>
+          <a:noFill/>
+        </p:spPr>
+        <p:txBody>
+          <a:bodyPr wrap="none" rtlCol="0">
+            <a:spAutoFit/>
+          </a:bodyPr>
+          <a:lstStyle/>
+          <a:p>
+            <a:r>
+              <a:rPr lang="en-US" altLang="ko-KR" dirty="0"/>
+              <a:t>A</a:t>
+            </a:r>
+            <a:endParaRPr lang="ko-KR" altLang="en-US" dirty="0"/>
+          </a:p>
+        </p:txBody>
+      </p:sp>
+      <p:sp>
+        <p:nvSpPr>
+          <p:cNvPr id="5" name="TextBox 4">
+            <a:extLst>
+              <a:ext uri="{FF2B5EF4-FFF2-40B4-BE49-F238E27FC236}">
+                <a16:creationId xmlns:a16="http://schemas.microsoft.com/office/drawing/2014/main" id="{5CA7AB53-7C3E-ACFD-7EB3-3EB4366EA658}"/>
+              </a:ext>
+            </a:extLst>
+          </p:cNvPr>
+          <p:cNvSpPr txBox="1"/>
+          <p:nvPr/>
+        </p:nvSpPr>
+        <p:spPr>
+          <a:xfrm>
+            <a:off x="2806484" y="2628900"/>
+            <a:ext cx="317716" cy="369332"/>
+          </a:xfrm>
+          <a:prstGeom prst="rect">
+            <a:avLst/>
+          </a:prstGeom>
+          <a:noFill/>
+        </p:spPr>
+        <p:txBody>
+          <a:bodyPr wrap="none" rtlCol="0">
+            <a:spAutoFit/>
+          </a:bodyPr>
+          <a:lstStyle/>
+          <a:p>
+            <a:r>
+              <a:rPr lang="en-US" altLang="ko-KR" dirty="0"/>
+              <a:t>B</a:t>
+            </a:r>
+            <a:endParaRPr lang="ko-KR" altLang="en-US" dirty="0"/>
+          </a:p>
+        </p:txBody>
+      </p:sp>
+      <p:sp>
+        <p:nvSpPr>
+          <p:cNvPr id="6" name="TextBox 5">
+            <a:extLst>
+              <a:ext uri="{FF2B5EF4-FFF2-40B4-BE49-F238E27FC236}">
+                <a16:creationId xmlns:a16="http://schemas.microsoft.com/office/drawing/2014/main" id="{5826442D-C3FE-C2A7-D6BC-7634DE830E76}"/>
+              </a:ext>
+            </a:extLst>
+          </p:cNvPr>
+          <p:cNvSpPr txBox="1"/>
+          <p:nvPr/>
+        </p:nvSpPr>
+        <p:spPr>
+          <a:xfrm>
+            <a:off x="8908942" y="3503507"/>
+            <a:ext cx="317716" cy="369332"/>
+          </a:xfrm>
+          <a:prstGeom prst="rect">
+            <a:avLst/>
+          </a:prstGeom>
+          <a:noFill/>
+        </p:spPr>
+        <p:txBody>
+          <a:bodyPr wrap="none" rtlCol="0">
+            <a:spAutoFit/>
+          </a:bodyPr>
+          <a:lstStyle/>
+          <a:p>
+            <a:r>
+              <a:rPr lang="en-US" altLang="ko-KR" dirty="0"/>
+              <a:t>C</a:t>
+            </a:r>
+            <a:endParaRPr lang="ko-KR" altLang="en-US" dirty="0"/>
+          </a:p>
+        </p:txBody>
+      </p:sp>
+      <p:sp>
+        <p:nvSpPr>
+          <p:cNvPr id="7" name="TextBox 6">
+            <a:extLst>
+              <a:ext uri="{FF2B5EF4-FFF2-40B4-BE49-F238E27FC236}">
+                <a16:creationId xmlns:a16="http://schemas.microsoft.com/office/drawing/2014/main" id="{B8C64C9F-00E5-9011-C362-F57B4A2025B6}"/>
+              </a:ext>
+            </a:extLst>
+          </p:cNvPr>
+          <p:cNvSpPr txBox="1"/>
+          <p:nvPr/>
+        </p:nvSpPr>
+        <p:spPr>
+          <a:xfrm>
+            <a:off x="7557662" y="6297507"/>
+            <a:ext cx="327334" cy="369332"/>
+          </a:xfrm>
+          <a:prstGeom prst="rect">
+            <a:avLst/>
+          </a:prstGeom>
+          <a:noFill/>
+        </p:spPr>
+        <p:txBody>
+          <a:bodyPr wrap="none" rtlCol="0">
+            <a:spAutoFit/>
+          </a:bodyPr>
+          <a:lstStyle/>
+          <a:p>
+            <a:r>
+              <a:rPr lang="en-US" altLang="ko-KR" dirty="0"/>
+              <a:t>D</a:t>
+            </a:r>
+            <a:endParaRPr lang="ko-KR" altLang="en-US" dirty="0"/>
+          </a:p>
+        </p:txBody>
+      </p:sp>
+    </p:spTree>
+    <p:extLst>
+      <p:ext uri="{BB962C8B-B14F-4D97-AF65-F5344CB8AC3E}">
+        <p14:creationId xmlns:p14="http://schemas.microsoft.com/office/powerpoint/2010/main" val="2424774158"/>
+      </p:ext>
+    </p:extLst>
+  </p:cSld>
+  <p:clrMapOvr>
+    <a:masterClrMapping/>
+  </p:clrMapOvr>
+</p:sld>
+</file>
+
+<file path=ppt/slides/slide5.xml><?xml version="1.0" encoding="utf-8"?>
+<p:sld xmlns:a="http://schemas.openxmlformats.org/drawingml/2006/main" xmlns:r="http://schemas.openxmlformats.org/officeDocument/2006/relationships" xmlns:p="http://schemas.openxmlformats.org/presentationml/2006/main" show="0">
+  <p:cSld>
+    <p:spTree>
+      <p:nvGrpSpPr>
+        <p:cNvPr id="1" name=""/>
+        <p:cNvGrpSpPr/>
+        <p:nvPr/>
+      </p:nvGrpSpPr>
+      <p:grpSpPr>
+        <a:xfrm>
+          <a:off x="0" y="0"/>
+          <a:ext cx="0" cy="0"/>
+          <a:chOff x="0" y="0"/>
+          <a:chExt cx="0" cy="0"/>
+        </a:xfrm>
+      </p:grpSpPr>
+      <p:sp>
+        <p:nvSpPr>
+          <p:cNvPr id="168" name="Rectangle: Single Corner Snipped 167">
+            <a:extLst>
+              <a:ext uri="{FF2B5EF4-FFF2-40B4-BE49-F238E27FC236}">
+                <a16:creationId xmlns:a16="http://schemas.microsoft.com/office/drawing/2014/main" id="{96C8A323-BDD4-9254-9FB6-48BFA60A8B49}"/>
+              </a:ext>
+            </a:extLst>
+          </p:cNvPr>
+          <p:cNvSpPr/>
+          <p:nvPr/>
+        </p:nvSpPr>
+        <p:spPr>
+          <a:xfrm>
+            <a:off x="3766747" y="462311"/>
+            <a:ext cx="1132514" cy="383211"/>
+          </a:xfrm>
+          <a:prstGeom prst="snip1Rect">
+            <a:avLst/>
+          </a:prstGeom>
+        </p:spPr>
+        <p:style>
+          <a:lnRef idx="2">
+            <a:schemeClr val="accent1">
+              <a:shade val="50000"/>
+            </a:schemeClr>
+          </a:lnRef>
+          <a:fillRef idx="1">
+            <a:schemeClr val="accent1"/>
+          </a:fillRef>
+          <a:effectRef idx="0">
+            <a:schemeClr val="accent1"/>
+          </a:effectRef>
+          <a:fontRef idx="minor">
+            <a:schemeClr val="lt1"/>
+          </a:fontRef>
+        </p:style>
+        <p:txBody>
+          <a:bodyPr rtlCol="0" anchor="ctr"/>
+          <a:lstStyle/>
+          <a:p>
+            <a:pPr algn="ctr"/>
+            <a:r>
+              <a:rPr lang="en-US"/>
+              <a:t>FSA files</a:t>
+            </a:r>
+          </a:p>
+        </p:txBody>
+      </p:sp>
+      <p:sp>
+        <p:nvSpPr>
+          <p:cNvPr id="178" name="TextBox 177">
+            <a:extLst>
+              <a:ext uri="{FF2B5EF4-FFF2-40B4-BE49-F238E27FC236}">
+                <a16:creationId xmlns:a16="http://schemas.microsoft.com/office/drawing/2014/main" id="{17312EED-B201-81AE-DE1A-61C6587DC4EC}"/>
+              </a:ext>
+            </a:extLst>
+          </p:cNvPr>
+          <p:cNvSpPr txBox="1"/>
+          <p:nvPr/>
+        </p:nvSpPr>
+        <p:spPr>
+          <a:xfrm>
+            <a:off x="9428928" y="6243868"/>
+            <a:ext cx="2271519" cy="461665"/>
+          </a:xfrm>
+          <a:prstGeom prst="rect">
+            <a:avLst/>
+          </a:prstGeom>
+          <a:noFill/>
+        </p:spPr>
+        <p:txBody>
+          <a:bodyPr wrap="none" rtlCol="0">
+            <a:spAutoFit/>
+          </a:bodyPr>
+          <a:lstStyle/>
+          <a:p>
+            <a:r>
+              <a:rPr lang="en-US" sz="1200" b="1"/>
+              <a:t>PGx</a:t>
+            </a:r>
+            <a:r>
+              <a:rPr lang="en-US" sz="1200"/>
+              <a:t>: Pharmacogenomics</a:t>
+            </a:r>
+          </a:p>
+          <a:p>
+            <a:r>
+              <a:rPr lang="en-US" sz="1200" b="1"/>
+              <a:t>FSA</a:t>
+            </a:r>
+            <a:r>
+              <a:rPr lang="en-US" sz="1200"/>
+              <a:t>: Fragment Sequence Analysis</a:t>
+            </a:r>
+          </a:p>
+        </p:txBody>
+      </p:sp>
+      <p:sp>
+        <p:nvSpPr>
+          <p:cNvPr id="185" name="TextBox 184">
+            <a:extLst>
+              <a:ext uri="{FF2B5EF4-FFF2-40B4-BE49-F238E27FC236}">
+                <a16:creationId xmlns:a16="http://schemas.microsoft.com/office/drawing/2014/main" id="{D8471238-F7FE-FC3F-3284-B5120AE2D78E}"/>
+              </a:ext>
+            </a:extLst>
+          </p:cNvPr>
+          <p:cNvSpPr txBox="1"/>
+          <p:nvPr/>
+        </p:nvSpPr>
+        <p:spPr>
+          <a:xfrm>
+            <a:off x="8278305" y="921798"/>
+            <a:ext cx="2548846" cy="276999"/>
+          </a:xfrm>
+          <a:prstGeom prst="rect">
+            <a:avLst/>
+          </a:prstGeom>
+          <a:noFill/>
+        </p:spPr>
+        <p:txBody>
+          <a:bodyPr wrap="square">
+            <a:spAutoFit/>
+          </a:bodyPr>
+          <a:lstStyle/>
+          <a:p>
+            <a:r>
+              <a:rPr lang="en-US" sz="1200" b="1"/>
+              <a:t>Proposed cloud system</a:t>
+            </a:r>
+          </a:p>
+        </p:txBody>
+      </p:sp>
+      <p:sp>
+        <p:nvSpPr>
+          <p:cNvPr id="186" name="TextBox 185">
+            <a:extLst>
+              <a:ext uri="{FF2B5EF4-FFF2-40B4-BE49-F238E27FC236}">
+                <a16:creationId xmlns:a16="http://schemas.microsoft.com/office/drawing/2014/main" id="{ABF2B7D0-D108-1459-F59D-69279A69D0BB}"/>
+              </a:ext>
+            </a:extLst>
+          </p:cNvPr>
+          <p:cNvSpPr txBox="1"/>
+          <p:nvPr/>
+        </p:nvSpPr>
+        <p:spPr>
+          <a:xfrm>
+            <a:off x="8334468" y="1225771"/>
+            <a:ext cx="3677177" cy="1107996"/>
+          </a:xfrm>
+          <a:prstGeom prst="rect">
+            <a:avLst/>
+          </a:prstGeom>
+          <a:noFill/>
+        </p:spPr>
+        <p:txBody>
+          <a:bodyPr wrap="square" rtlCol="0">
+            <a:spAutoFit/>
+          </a:bodyPr>
+          <a:lstStyle/>
+          <a:p>
+            <a:pPr marL="171450" indent="-171450">
+              <a:buFont typeface="Wingdings" panose="05000000000000000000" pitchFamily="2" charset="2"/>
+              <a:buChar char="ü"/>
+            </a:pPr>
+            <a:r>
+              <a:rPr lang="en-US" sz="1100" dirty="0"/>
+              <a:t>Provide an integration system from peak detection to report generation.</a:t>
+            </a:r>
+          </a:p>
+          <a:p>
+            <a:pPr marL="171450" indent="-171450">
+              <a:buFont typeface="Wingdings" panose="05000000000000000000" pitchFamily="2" charset="2"/>
+              <a:buChar char="ü"/>
+            </a:pPr>
+            <a:r>
+              <a:rPr lang="en-US" sz="1100" dirty="0"/>
+              <a:t>Prevent human bias</a:t>
+            </a:r>
+          </a:p>
+          <a:p>
+            <a:pPr marL="171450" indent="-171450">
+              <a:buFont typeface="Wingdings" panose="05000000000000000000" pitchFamily="2" charset="2"/>
+              <a:buChar char="ü"/>
+            </a:pPr>
+            <a:r>
+              <a:rPr lang="en-US" sz="1100" dirty="0"/>
+              <a:t>Improve efficiency</a:t>
+            </a:r>
+          </a:p>
+          <a:p>
+            <a:pPr marL="171450" indent="-171450">
+              <a:buFont typeface="Wingdings" panose="05000000000000000000" pitchFamily="2" charset="2"/>
+              <a:buChar char="ü"/>
+            </a:pPr>
+            <a:r>
+              <a:rPr lang="en-US" sz="1100" dirty="0"/>
+              <a:t>Improve management</a:t>
+            </a:r>
+          </a:p>
+          <a:p>
+            <a:pPr marL="171450" indent="-171450">
+              <a:buFont typeface="Wingdings" panose="05000000000000000000" pitchFamily="2" charset="2"/>
+              <a:buChar char="ü"/>
+            </a:pPr>
+            <a:r>
+              <a:rPr lang="en-US" sz="1100" dirty="0"/>
+              <a:t>Transparent</a:t>
+            </a:r>
+          </a:p>
+        </p:txBody>
+      </p:sp>
+      <p:sp>
+        <p:nvSpPr>
+          <p:cNvPr id="187" name="TextBox 186">
+            <a:extLst>
+              <a:ext uri="{FF2B5EF4-FFF2-40B4-BE49-F238E27FC236}">
+                <a16:creationId xmlns:a16="http://schemas.microsoft.com/office/drawing/2014/main" id="{4F19901D-E0D6-DBE3-D686-88A84A094E29}"/>
+              </a:ext>
+            </a:extLst>
+          </p:cNvPr>
+          <p:cNvSpPr txBox="1"/>
+          <p:nvPr/>
+        </p:nvSpPr>
+        <p:spPr>
+          <a:xfrm>
+            <a:off x="8305232" y="2569607"/>
+            <a:ext cx="1304973" cy="276999"/>
+          </a:xfrm>
+          <a:prstGeom prst="rect">
+            <a:avLst/>
+          </a:prstGeom>
+          <a:noFill/>
+        </p:spPr>
+        <p:txBody>
+          <a:bodyPr wrap="none" rtlCol="0">
+            <a:spAutoFit/>
+          </a:bodyPr>
+          <a:lstStyle/>
+          <a:p>
+            <a:r>
+              <a:rPr lang="en-US" sz="1200" b="1"/>
+              <a:t>Current approach</a:t>
+            </a:r>
+          </a:p>
+        </p:txBody>
+      </p:sp>
+      <p:sp>
+        <p:nvSpPr>
+          <p:cNvPr id="51" name="Rectangle 50">
+            <a:extLst>
+              <a:ext uri="{FF2B5EF4-FFF2-40B4-BE49-F238E27FC236}">
+                <a16:creationId xmlns:a16="http://schemas.microsoft.com/office/drawing/2014/main" id="{7E26E3DB-F937-19D4-F337-27311A0D72C4}"/>
+              </a:ext>
+            </a:extLst>
+          </p:cNvPr>
+          <p:cNvSpPr/>
+          <p:nvPr/>
+        </p:nvSpPr>
+        <p:spPr>
+          <a:xfrm flipH="1">
+            <a:off x="4724825" y="1222862"/>
+            <a:ext cx="2599129" cy="5172827"/>
+          </a:xfrm>
+          <a:prstGeom prst="rect">
+            <a:avLst/>
+          </a:prstGeom>
+          <a:solidFill>
+            <a:schemeClr val="accent1">
+              <a:lumMod val="20000"/>
+              <a:lumOff val="80000"/>
+              <a:alpha val="70000"/>
+            </a:schemeClr>
+          </a:solidFill>
+          <a:ln w="6350">
+            <a:noFill/>
+            <a:prstDash val="dash"/>
+          </a:ln>
+        </p:spPr>
+        <p:style>
+          <a:lnRef idx="2">
+            <a:schemeClr val="accent1">
+              <a:shade val="50000"/>
+            </a:schemeClr>
+          </a:lnRef>
+          <a:fillRef idx="1">
+            <a:schemeClr val="accent1"/>
+          </a:fillRef>
+          <a:effectRef idx="0">
+            <a:schemeClr val="accent1"/>
+          </a:effectRef>
+          <a:fontRef idx="minor">
+            <a:schemeClr val="lt1"/>
+          </a:fontRef>
+        </p:style>
+        <p:txBody>
+          <a:bodyPr rtlCol="0" anchor="ctr"/>
+          <a:lstStyle/>
+          <a:p>
+            <a:pPr algn="ctr"/>
+            <a:endParaRPr lang="en-US"/>
+          </a:p>
+        </p:txBody>
+      </p:sp>
+      <p:sp>
+        <p:nvSpPr>
+          <p:cNvPr id="52" name="TextBox 51">
+            <a:extLst>
+              <a:ext uri="{FF2B5EF4-FFF2-40B4-BE49-F238E27FC236}">
+                <a16:creationId xmlns:a16="http://schemas.microsoft.com/office/drawing/2014/main" id="{C6BBBDF1-ECB0-C968-585D-C71959A96F73}"/>
+              </a:ext>
+            </a:extLst>
+          </p:cNvPr>
+          <p:cNvSpPr txBox="1"/>
+          <p:nvPr/>
+        </p:nvSpPr>
+        <p:spPr>
+          <a:xfrm flipH="1">
+            <a:off x="5346993" y="1060297"/>
+            <a:ext cx="1544568" cy="295662"/>
+          </a:xfrm>
+          <a:prstGeom prst="roundRect">
+            <a:avLst>
+              <a:gd name="adj" fmla="val 24618"/>
+            </a:avLst>
+          </a:prstGeom>
+          <a:solidFill>
+            <a:schemeClr val="bg1"/>
+          </a:solidFill>
+          <a:ln>
+            <a:solidFill>
+              <a:schemeClr val="accent1">
+                <a:lumMod val="20000"/>
+                <a:lumOff val="80000"/>
+              </a:schemeClr>
+            </a:solidFill>
+          </a:ln>
+        </p:spPr>
+        <p:style>
+          <a:lnRef idx="2">
+            <a:schemeClr val="accent5"/>
+          </a:lnRef>
+          <a:fillRef idx="1">
+            <a:schemeClr val="lt1"/>
+          </a:fillRef>
+          <a:effectRef idx="0">
+            <a:schemeClr val="accent5"/>
+          </a:effectRef>
+          <a:fontRef idx="minor">
+            <a:schemeClr val="dk1"/>
+          </a:fontRef>
+        </p:style>
+        <p:txBody>
+          <a:bodyPr wrap="square" rtlCol="0">
+            <a:spAutoFit/>
+          </a:bodyPr>
+          <a:lstStyle/>
+          <a:p>
+            <a:r>
+              <a:rPr lang="en-US" sz="1050" b="1" dirty="0"/>
+              <a:t>Proposed cloud system</a:t>
+            </a:r>
+          </a:p>
+        </p:txBody>
+      </p:sp>
+      <p:sp>
+        <p:nvSpPr>
+          <p:cNvPr id="55" name="TextBox 54">
+            <a:extLst>
+              <a:ext uri="{FF2B5EF4-FFF2-40B4-BE49-F238E27FC236}">
+                <a16:creationId xmlns:a16="http://schemas.microsoft.com/office/drawing/2014/main" id="{16A597E2-8B7B-831E-403A-254F370414B1}"/>
+              </a:ext>
+            </a:extLst>
+          </p:cNvPr>
+          <p:cNvSpPr txBox="1"/>
+          <p:nvPr/>
+        </p:nvSpPr>
+        <p:spPr>
+          <a:xfrm flipH="1">
+            <a:off x="5114157" y="1645087"/>
+            <a:ext cx="1836617" cy="292388"/>
+          </a:xfrm>
+          <a:prstGeom prst="rect">
+            <a:avLst/>
+          </a:prstGeom>
+          <a:solidFill>
+            <a:schemeClr val="accent2">
+              <a:lumMod val="40000"/>
+              <a:lumOff val="60000"/>
+            </a:schemeClr>
+          </a:solidFill>
+          <a:ln>
+            <a:solidFill>
+              <a:schemeClr val="accent3">
+                <a:lumMod val="50000"/>
+              </a:schemeClr>
+            </a:solidFill>
+          </a:ln>
+        </p:spPr>
+        <p:style>
+          <a:lnRef idx="2">
+            <a:schemeClr val="accent5"/>
+          </a:lnRef>
+          <a:fillRef idx="1">
+            <a:schemeClr val="lt1"/>
+          </a:fillRef>
+          <a:effectRef idx="0">
+            <a:schemeClr val="accent5"/>
+          </a:effectRef>
+          <a:fontRef idx="minor">
+            <a:schemeClr val="dk1"/>
+          </a:fontRef>
+        </p:style>
+        <p:txBody>
+          <a:bodyPr wrap="square" rtlCol="0">
+            <a:spAutoFit/>
+          </a:bodyPr>
+          <a:lstStyle/>
+          <a:p>
+            <a:pPr algn="ctr"/>
+            <a:r>
+              <a:rPr lang="en-US" altLang="ko-KR" sz="1300" dirty="0"/>
+              <a:t>Estimate DNA size</a:t>
+            </a:r>
+          </a:p>
+        </p:txBody>
+      </p:sp>
+      <p:sp>
+        <p:nvSpPr>
+          <p:cNvPr id="59" name="TextBox 58">
+            <a:extLst>
+              <a:ext uri="{FF2B5EF4-FFF2-40B4-BE49-F238E27FC236}">
+                <a16:creationId xmlns:a16="http://schemas.microsoft.com/office/drawing/2014/main" id="{D1C74F49-C335-2CF0-A3AA-8CD1EA07B8B0}"/>
+              </a:ext>
+            </a:extLst>
+          </p:cNvPr>
+          <p:cNvSpPr txBox="1"/>
+          <p:nvPr/>
+        </p:nvSpPr>
+        <p:spPr>
+          <a:xfrm flipH="1">
+            <a:off x="5114157" y="2226200"/>
+            <a:ext cx="1836618" cy="292388"/>
+          </a:xfrm>
+          <a:prstGeom prst="rect">
+            <a:avLst/>
+          </a:prstGeom>
+          <a:solidFill>
+            <a:schemeClr val="accent2">
+              <a:lumMod val="40000"/>
+              <a:lumOff val="60000"/>
+            </a:schemeClr>
+          </a:solidFill>
+          <a:ln>
+            <a:solidFill>
+              <a:schemeClr val="accent3">
+                <a:lumMod val="50000"/>
+              </a:schemeClr>
+            </a:solidFill>
+          </a:ln>
+        </p:spPr>
+        <p:style>
+          <a:lnRef idx="2">
+            <a:schemeClr val="accent5"/>
+          </a:lnRef>
+          <a:fillRef idx="1">
+            <a:schemeClr val="lt1"/>
+          </a:fillRef>
+          <a:effectRef idx="0">
+            <a:schemeClr val="accent5"/>
+          </a:effectRef>
+          <a:fontRef idx="minor">
+            <a:schemeClr val="dk1"/>
+          </a:fontRef>
+        </p:style>
+        <p:txBody>
+          <a:bodyPr wrap="square" rtlCol="0">
+            <a:spAutoFit/>
+          </a:bodyPr>
+          <a:lstStyle/>
+          <a:p>
+            <a:pPr algn="ctr"/>
+            <a:r>
+              <a:rPr lang="en-US" sz="1300" dirty="0"/>
+              <a:t>Plot intensity data</a:t>
+            </a:r>
+          </a:p>
+        </p:txBody>
+      </p:sp>
+      <p:sp>
+        <p:nvSpPr>
+          <p:cNvPr id="62" name="TextBox 61">
+            <a:extLst>
+              <a:ext uri="{FF2B5EF4-FFF2-40B4-BE49-F238E27FC236}">
+                <a16:creationId xmlns:a16="http://schemas.microsoft.com/office/drawing/2014/main" id="{A4D777F3-5F94-CAB8-BEAC-D559267A53B3}"/>
+              </a:ext>
+            </a:extLst>
+          </p:cNvPr>
+          <p:cNvSpPr txBox="1"/>
+          <p:nvPr/>
+        </p:nvSpPr>
+        <p:spPr>
+          <a:xfrm flipH="1">
+            <a:off x="5114157" y="2802416"/>
+            <a:ext cx="1836618" cy="692497"/>
+          </a:xfrm>
+          <a:prstGeom prst="rect">
+            <a:avLst/>
+          </a:prstGeom>
+          <a:solidFill>
+            <a:schemeClr val="accent2">
+              <a:lumMod val="40000"/>
+              <a:lumOff val="60000"/>
+            </a:schemeClr>
+          </a:solidFill>
+          <a:ln>
+            <a:solidFill>
+              <a:schemeClr val="accent3">
+                <a:lumMod val="50000"/>
+              </a:schemeClr>
+            </a:solidFill>
+          </a:ln>
+        </p:spPr>
+        <p:style>
+          <a:lnRef idx="2">
+            <a:schemeClr val="accent5"/>
+          </a:lnRef>
+          <a:fillRef idx="1">
+            <a:schemeClr val="lt1"/>
+          </a:fillRef>
+          <a:effectRef idx="0">
+            <a:schemeClr val="accent5"/>
+          </a:effectRef>
+          <a:fontRef idx="minor">
+            <a:schemeClr val="dk1"/>
+          </a:fontRef>
+        </p:style>
+        <p:txBody>
+          <a:bodyPr wrap="square" rtlCol="0">
+            <a:spAutoFit/>
+          </a:bodyPr>
+          <a:lstStyle/>
+          <a:p>
+            <a:pPr algn="ctr"/>
+            <a:r>
+              <a:rPr lang="en-US" sz="1300" dirty="0"/>
+              <a:t>Review and adjust DNA size and intensity to detect target peaks</a:t>
+            </a:r>
+          </a:p>
+        </p:txBody>
+      </p:sp>
+      <p:sp>
+        <p:nvSpPr>
+          <p:cNvPr id="68" name="TextBox 67">
+            <a:extLst>
+              <a:ext uri="{FF2B5EF4-FFF2-40B4-BE49-F238E27FC236}">
+                <a16:creationId xmlns:a16="http://schemas.microsoft.com/office/drawing/2014/main" id="{542E9C3F-E021-E38D-D958-7D2821226886}"/>
+              </a:ext>
+            </a:extLst>
+          </p:cNvPr>
+          <p:cNvSpPr txBox="1"/>
+          <p:nvPr/>
+        </p:nvSpPr>
+        <p:spPr>
+          <a:xfrm flipH="1">
+            <a:off x="5114157" y="4608872"/>
+            <a:ext cx="1836618" cy="292388"/>
+          </a:xfrm>
+          <a:prstGeom prst="rect">
+            <a:avLst/>
+          </a:prstGeom>
+          <a:ln>
+            <a:solidFill>
+              <a:schemeClr val="accent3">
+                <a:lumMod val="50000"/>
+              </a:schemeClr>
+            </a:solidFill>
+          </a:ln>
+        </p:spPr>
+        <p:style>
+          <a:lnRef idx="2">
+            <a:schemeClr val="accent5"/>
+          </a:lnRef>
+          <a:fillRef idx="1">
+            <a:schemeClr val="lt1"/>
+          </a:fillRef>
+          <a:effectRef idx="0">
+            <a:schemeClr val="accent5"/>
+          </a:effectRef>
+          <a:fontRef idx="minor">
+            <a:schemeClr val="dk1"/>
+          </a:fontRef>
+        </p:style>
+        <p:txBody>
+          <a:bodyPr wrap="square" rtlCol="0">
+            <a:spAutoFit/>
+          </a:bodyPr>
+          <a:lstStyle/>
+          <a:p>
+            <a:pPr algn="ctr"/>
+            <a:r>
+              <a:rPr lang="en-US" sz="1300" dirty="0"/>
+              <a:t>Star-allele calling</a:t>
+            </a:r>
+          </a:p>
+        </p:txBody>
+      </p:sp>
+      <p:sp>
+        <p:nvSpPr>
+          <p:cNvPr id="69" name="TextBox 68">
+            <a:extLst>
+              <a:ext uri="{FF2B5EF4-FFF2-40B4-BE49-F238E27FC236}">
+                <a16:creationId xmlns:a16="http://schemas.microsoft.com/office/drawing/2014/main" id="{4D6C5805-63C6-99C6-05D4-C7F2933DA0A6}"/>
+              </a:ext>
+            </a:extLst>
+          </p:cNvPr>
+          <p:cNvSpPr txBox="1"/>
+          <p:nvPr/>
+        </p:nvSpPr>
+        <p:spPr>
+          <a:xfrm flipH="1">
+            <a:off x="5114157" y="5206835"/>
+            <a:ext cx="1836618" cy="292388"/>
+          </a:xfrm>
+          <a:prstGeom prst="rect">
+            <a:avLst/>
+          </a:prstGeom>
+          <a:ln>
+            <a:solidFill>
+              <a:schemeClr val="accent3">
+                <a:lumMod val="50000"/>
+              </a:schemeClr>
+            </a:solidFill>
+          </a:ln>
+        </p:spPr>
+        <p:style>
+          <a:lnRef idx="2">
+            <a:schemeClr val="accent5"/>
+          </a:lnRef>
+          <a:fillRef idx="1">
+            <a:schemeClr val="lt1"/>
+          </a:fillRef>
+          <a:effectRef idx="0">
+            <a:schemeClr val="accent5"/>
+          </a:effectRef>
+          <a:fontRef idx="minor">
+            <a:schemeClr val="dk1"/>
+          </a:fontRef>
+        </p:style>
+        <p:txBody>
+          <a:bodyPr wrap="square" rtlCol="0">
+            <a:spAutoFit/>
+          </a:bodyPr>
+          <a:lstStyle/>
+          <a:p>
+            <a:pPr algn="ctr"/>
+            <a:r>
+              <a:rPr lang="en-US" sz="1300" dirty="0"/>
+              <a:t>Confirm called results</a:t>
+            </a:r>
+          </a:p>
+        </p:txBody>
+      </p:sp>
+      <p:sp>
+        <p:nvSpPr>
+          <p:cNvPr id="70" name="TextBox 69">
+            <a:extLst>
+              <a:ext uri="{FF2B5EF4-FFF2-40B4-BE49-F238E27FC236}">
+                <a16:creationId xmlns:a16="http://schemas.microsoft.com/office/drawing/2014/main" id="{D799907A-F4D7-09FB-C943-6E5E910230C5}"/>
+              </a:ext>
+            </a:extLst>
+          </p:cNvPr>
+          <p:cNvSpPr txBox="1"/>
+          <p:nvPr/>
+        </p:nvSpPr>
+        <p:spPr>
+          <a:xfrm flipH="1">
+            <a:off x="5114157" y="5908140"/>
+            <a:ext cx="1836618" cy="292388"/>
+          </a:xfrm>
+          <a:prstGeom prst="rect">
+            <a:avLst/>
+          </a:prstGeom>
+          <a:ln>
+            <a:solidFill>
+              <a:schemeClr val="accent3">
+                <a:lumMod val="50000"/>
+              </a:schemeClr>
+            </a:solidFill>
+          </a:ln>
+        </p:spPr>
+        <p:style>
+          <a:lnRef idx="2">
+            <a:schemeClr val="accent5"/>
+          </a:lnRef>
+          <a:fillRef idx="1">
+            <a:schemeClr val="lt1"/>
+          </a:fillRef>
+          <a:effectRef idx="0">
+            <a:schemeClr val="accent5"/>
+          </a:effectRef>
+          <a:fontRef idx="minor">
+            <a:schemeClr val="dk1"/>
+          </a:fontRef>
+        </p:style>
+        <p:txBody>
+          <a:bodyPr wrap="square" rtlCol="0">
+            <a:spAutoFit/>
+          </a:bodyPr>
+          <a:lstStyle/>
+          <a:p>
+            <a:pPr algn="ctr"/>
+            <a:r>
+              <a:rPr lang="en-US" sz="1300" dirty="0">
+                <a:solidFill>
+                  <a:srgbClr val="FF0000"/>
+                </a:solidFill>
+              </a:rPr>
+              <a:t>Generate reports</a:t>
+            </a:r>
+          </a:p>
+        </p:txBody>
+      </p:sp>
+      <p:cxnSp>
+        <p:nvCxnSpPr>
+          <p:cNvPr id="76" name="Straight Arrow Connector 75">
+            <a:extLst>
+              <a:ext uri="{FF2B5EF4-FFF2-40B4-BE49-F238E27FC236}">
+                <a16:creationId xmlns:a16="http://schemas.microsoft.com/office/drawing/2014/main" id="{2EA32542-F513-AC2C-2302-B1A5E47BE778}"/>
+              </a:ext>
+            </a:extLst>
+          </p:cNvPr>
+          <p:cNvCxnSpPr>
+            <a:stCxn id="55" idx="2"/>
+            <a:endCxn id="59" idx="0"/>
+          </p:cNvCxnSpPr>
+          <p:nvPr/>
+        </p:nvCxnSpPr>
+        <p:spPr>
+          <a:xfrm>
+            <a:off x="6032465" y="1937475"/>
+            <a:ext cx="1" cy="288725"/>
+          </a:xfrm>
+          <a:prstGeom prst="straightConnector1">
+            <a:avLst/>
+          </a:prstGeom>
+          <a:ln w="19050">
+            <a:solidFill>
+              <a:schemeClr val="tx2">
+                <a:lumMod val="75000"/>
+              </a:schemeClr>
+            </a:solidFill>
+            <a:tailEnd type="triangle"/>
+          </a:ln>
+        </p:spPr>
+        <p:style>
+          <a:lnRef idx="1">
+            <a:schemeClr val="accent1"/>
+          </a:lnRef>
+          <a:fillRef idx="0">
+            <a:schemeClr val="accent1"/>
+          </a:fillRef>
+          <a:effectRef idx="0">
+            <a:schemeClr val="accent1"/>
+          </a:effectRef>
+          <a:fontRef idx="minor">
+            <a:schemeClr val="tx1"/>
+          </a:fontRef>
+        </p:style>
+      </p:cxnSp>
+      <p:cxnSp>
+        <p:nvCxnSpPr>
+          <p:cNvPr id="121" name="Straight Arrow Connector 120">
+            <a:extLst>
+              <a:ext uri="{FF2B5EF4-FFF2-40B4-BE49-F238E27FC236}">
+                <a16:creationId xmlns:a16="http://schemas.microsoft.com/office/drawing/2014/main" id="{B49C1F7D-7C8C-FFCF-48CE-85AAA64DB2A6}"/>
+              </a:ext>
+            </a:extLst>
+          </p:cNvPr>
+          <p:cNvCxnSpPr>
+            <a:stCxn id="59" idx="2"/>
+            <a:endCxn id="62" idx="0"/>
+          </p:cNvCxnSpPr>
+          <p:nvPr/>
+        </p:nvCxnSpPr>
+        <p:spPr>
+          <a:xfrm>
+            <a:off x="6032466" y="2518588"/>
+            <a:ext cx="0" cy="283828"/>
+          </a:xfrm>
+          <a:prstGeom prst="straightConnector1">
+            <a:avLst/>
+          </a:prstGeom>
+          <a:ln w="19050">
+            <a:solidFill>
+              <a:schemeClr val="tx2">
+                <a:lumMod val="75000"/>
+              </a:schemeClr>
+            </a:solidFill>
+            <a:tailEnd type="triangle"/>
+          </a:ln>
+        </p:spPr>
+        <p:style>
+          <a:lnRef idx="1">
+            <a:schemeClr val="accent1"/>
+          </a:lnRef>
+          <a:fillRef idx="0">
+            <a:schemeClr val="accent1"/>
+          </a:fillRef>
+          <a:effectRef idx="0">
+            <a:schemeClr val="accent1"/>
+          </a:effectRef>
+          <a:fontRef idx="minor">
+            <a:schemeClr val="tx1"/>
+          </a:fontRef>
+        </p:style>
+      </p:cxnSp>
+      <p:cxnSp>
+        <p:nvCxnSpPr>
+          <p:cNvPr id="122" name="Straight Arrow Connector 121">
+            <a:extLst>
+              <a:ext uri="{FF2B5EF4-FFF2-40B4-BE49-F238E27FC236}">
+                <a16:creationId xmlns:a16="http://schemas.microsoft.com/office/drawing/2014/main" id="{DA13E557-6EDB-A5C4-1F43-4C2D6F0A570A}"/>
+              </a:ext>
+            </a:extLst>
+          </p:cNvPr>
+          <p:cNvCxnSpPr>
+            <a:cxnSpLocks/>
+            <a:stCxn id="62" idx="2"/>
+            <a:endCxn id="158" idx="0"/>
+          </p:cNvCxnSpPr>
+          <p:nvPr/>
+        </p:nvCxnSpPr>
+        <p:spPr>
+          <a:xfrm>
+            <a:off x="6032466" y="3494913"/>
+            <a:ext cx="663" cy="283828"/>
+          </a:xfrm>
+          <a:prstGeom prst="straightConnector1">
+            <a:avLst/>
+          </a:prstGeom>
+          <a:ln w="19050">
+            <a:solidFill>
+              <a:schemeClr val="tx2">
+                <a:lumMod val="75000"/>
+              </a:schemeClr>
+            </a:solidFill>
+            <a:tailEnd type="triangle"/>
+          </a:ln>
+        </p:spPr>
+        <p:style>
+          <a:lnRef idx="1">
+            <a:schemeClr val="accent1"/>
+          </a:lnRef>
+          <a:fillRef idx="0">
+            <a:schemeClr val="accent1"/>
+          </a:fillRef>
+          <a:effectRef idx="0">
+            <a:schemeClr val="accent1"/>
+          </a:effectRef>
+          <a:fontRef idx="minor">
+            <a:schemeClr val="tx1"/>
+          </a:fontRef>
+        </p:style>
+      </p:cxnSp>
+      <p:cxnSp>
+        <p:nvCxnSpPr>
+          <p:cNvPr id="125" name="Straight Arrow Connector 124">
+            <a:extLst>
+              <a:ext uri="{FF2B5EF4-FFF2-40B4-BE49-F238E27FC236}">
+                <a16:creationId xmlns:a16="http://schemas.microsoft.com/office/drawing/2014/main" id="{C5ED000B-0045-4A6C-EB70-4D1369C5C92F}"/>
+              </a:ext>
+            </a:extLst>
+          </p:cNvPr>
+          <p:cNvCxnSpPr>
+            <a:cxnSpLocks/>
+            <a:stCxn id="158" idx="2"/>
+            <a:endCxn id="68" idx="0"/>
+          </p:cNvCxnSpPr>
+          <p:nvPr/>
+        </p:nvCxnSpPr>
+        <p:spPr>
+          <a:xfrm flipH="1">
+            <a:off x="6032466" y="4271184"/>
+            <a:ext cx="663" cy="337688"/>
+          </a:xfrm>
+          <a:prstGeom prst="straightConnector1">
+            <a:avLst/>
+          </a:prstGeom>
+          <a:ln w="19050">
+            <a:solidFill>
+              <a:schemeClr val="tx2">
+                <a:lumMod val="75000"/>
+              </a:schemeClr>
+            </a:solidFill>
+            <a:tailEnd type="triangle"/>
+          </a:ln>
+        </p:spPr>
+        <p:style>
+          <a:lnRef idx="1">
+            <a:schemeClr val="accent1"/>
+          </a:lnRef>
+          <a:fillRef idx="0">
+            <a:schemeClr val="accent1"/>
+          </a:fillRef>
+          <a:effectRef idx="0">
+            <a:schemeClr val="accent1"/>
+          </a:effectRef>
+          <a:fontRef idx="minor">
+            <a:schemeClr val="tx1"/>
+          </a:fontRef>
+        </p:style>
+      </p:cxnSp>
+      <p:cxnSp>
+        <p:nvCxnSpPr>
+          <p:cNvPr id="130" name="Straight Arrow Connector 129">
+            <a:extLst>
+              <a:ext uri="{FF2B5EF4-FFF2-40B4-BE49-F238E27FC236}">
+                <a16:creationId xmlns:a16="http://schemas.microsoft.com/office/drawing/2014/main" id="{BEE02784-84E8-3794-5F81-7301E831CE20}"/>
+              </a:ext>
+            </a:extLst>
+          </p:cNvPr>
+          <p:cNvCxnSpPr>
+            <a:stCxn id="68" idx="2"/>
+            <a:endCxn id="69" idx="0"/>
+          </p:cNvCxnSpPr>
+          <p:nvPr/>
+        </p:nvCxnSpPr>
+        <p:spPr>
+          <a:xfrm>
+            <a:off x="6032466" y="4901260"/>
+            <a:ext cx="0" cy="305575"/>
+          </a:xfrm>
+          <a:prstGeom prst="straightConnector1">
+            <a:avLst/>
+          </a:prstGeom>
+          <a:ln w="19050">
+            <a:solidFill>
+              <a:schemeClr val="tx2">
+                <a:lumMod val="75000"/>
+              </a:schemeClr>
+            </a:solidFill>
+            <a:tailEnd type="triangle"/>
+          </a:ln>
+        </p:spPr>
+        <p:style>
+          <a:lnRef idx="1">
+            <a:schemeClr val="accent1"/>
+          </a:lnRef>
+          <a:fillRef idx="0">
+            <a:schemeClr val="accent1"/>
+          </a:fillRef>
+          <a:effectRef idx="0">
+            <a:schemeClr val="accent1"/>
+          </a:effectRef>
+          <a:fontRef idx="minor">
+            <a:schemeClr val="tx1"/>
+          </a:fontRef>
+        </p:style>
+      </p:cxnSp>
+      <p:cxnSp>
+        <p:nvCxnSpPr>
+          <p:cNvPr id="131" name="Straight Arrow Connector 130">
+            <a:extLst>
+              <a:ext uri="{FF2B5EF4-FFF2-40B4-BE49-F238E27FC236}">
+                <a16:creationId xmlns:a16="http://schemas.microsoft.com/office/drawing/2014/main" id="{DA6E7832-0479-949C-4D0A-78E530FCF292}"/>
+              </a:ext>
+            </a:extLst>
+          </p:cNvPr>
+          <p:cNvCxnSpPr>
+            <a:cxnSpLocks/>
+            <a:stCxn id="69" idx="2"/>
+            <a:endCxn id="70" idx="0"/>
+          </p:cNvCxnSpPr>
+          <p:nvPr/>
+        </p:nvCxnSpPr>
+        <p:spPr>
+          <a:xfrm>
+            <a:off x="6032466" y="5499223"/>
+            <a:ext cx="0" cy="408917"/>
+          </a:xfrm>
+          <a:prstGeom prst="straightConnector1">
+            <a:avLst/>
+          </a:prstGeom>
+          <a:ln w="19050">
+            <a:solidFill>
+              <a:schemeClr val="tx2">
+                <a:lumMod val="75000"/>
+              </a:schemeClr>
+            </a:solidFill>
+            <a:tailEnd type="triangle"/>
+          </a:ln>
+        </p:spPr>
+        <p:style>
+          <a:lnRef idx="1">
+            <a:schemeClr val="accent1"/>
+          </a:lnRef>
+          <a:fillRef idx="0">
+            <a:schemeClr val="accent1"/>
+          </a:fillRef>
+          <a:effectRef idx="0">
+            <a:schemeClr val="accent1"/>
+          </a:effectRef>
+          <a:fontRef idx="minor">
+            <a:schemeClr val="tx1"/>
+          </a:fontRef>
+        </p:style>
+      </p:cxnSp>
+      <p:sp>
+        <p:nvSpPr>
+          <p:cNvPr id="158" name="TextBox 157">
+            <a:extLst>
+              <a:ext uri="{FF2B5EF4-FFF2-40B4-BE49-F238E27FC236}">
+                <a16:creationId xmlns:a16="http://schemas.microsoft.com/office/drawing/2014/main" id="{78BCB2CB-5F0D-E766-8C79-D7F2DBF09269}"/>
+              </a:ext>
+            </a:extLst>
+          </p:cNvPr>
+          <p:cNvSpPr txBox="1"/>
+          <p:nvPr/>
+        </p:nvSpPr>
+        <p:spPr>
+          <a:xfrm flipH="1">
+            <a:off x="5114820" y="3778741"/>
+            <a:ext cx="1836618" cy="492443"/>
+          </a:xfrm>
+          <a:prstGeom prst="rect">
+            <a:avLst/>
+          </a:prstGeom>
+          <a:ln>
+            <a:solidFill>
+              <a:schemeClr val="accent3">
+                <a:lumMod val="50000"/>
+              </a:schemeClr>
+            </a:solidFill>
+          </a:ln>
+        </p:spPr>
+        <p:style>
+          <a:lnRef idx="2">
+            <a:schemeClr val="accent5"/>
+          </a:lnRef>
+          <a:fillRef idx="1">
+            <a:schemeClr val="lt1"/>
+          </a:fillRef>
+          <a:effectRef idx="0">
+            <a:schemeClr val="accent5"/>
+          </a:effectRef>
+          <a:fontRef idx="minor">
+            <a:schemeClr val="dk1"/>
+          </a:fontRef>
+        </p:style>
+        <p:txBody>
+          <a:bodyPr wrap="square" rtlCol="0">
+            <a:spAutoFit/>
+          </a:bodyPr>
+          <a:lstStyle/>
+          <a:p>
+            <a:pPr algn="ctr"/>
+            <a:r>
+              <a:rPr lang="en-US" sz="1300" dirty="0"/>
+              <a:t>Quality control and confirm</a:t>
+            </a:r>
+          </a:p>
+        </p:txBody>
+      </p:sp>
+      <p:sp>
+        <p:nvSpPr>
+          <p:cNvPr id="192" name="TextBox 191">
+            <a:extLst>
+              <a:ext uri="{FF2B5EF4-FFF2-40B4-BE49-F238E27FC236}">
+                <a16:creationId xmlns:a16="http://schemas.microsoft.com/office/drawing/2014/main" id="{5BBAE099-D427-6FF2-BFC6-741784311441}"/>
+              </a:ext>
+            </a:extLst>
+          </p:cNvPr>
+          <p:cNvSpPr txBox="1"/>
+          <p:nvPr/>
+        </p:nvSpPr>
+        <p:spPr>
+          <a:xfrm flipH="1">
+            <a:off x="5510564" y="1344370"/>
+            <a:ext cx="1170871" cy="253916"/>
+          </a:xfrm>
+          <a:prstGeom prst="rect">
+            <a:avLst/>
+          </a:prstGeom>
+          <a:noFill/>
+        </p:spPr>
+        <p:txBody>
+          <a:bodyPr wrap="square">
+            <a:spAutoFit/>
+          </a:bodyPr>
+          <a:lstStyle/>
+          <a:p>
+            <a:r>
+              <a:rPr lang="en-US" sz="1050" b="1" dirty="0"/>
+              <a:t>Web application</a:t>
+            </a:r>
+          </a:p>
+        </p:txBody>
+      </p:sp>
+      <p:sp>
+        <p:nvSpPr>
+          <p:cNvPr id="199" name="TextBox 198">
+            <a:extLst>
+              <a:ext uri="{FF2B5EF4-FFF2-40B4-BE49-F238E27FC236}">
+                <a16:creationId xmlns:a16="http://schemas.microsoft.com/office/drawing/2014/main" id="{4FC0BF1E-69CF-A112-867B-BF67A63FEB35}"/>
+              </a:ext>
+            </a:extLst>
+          </p:cNvPr>
+          <p:cNvSpPr txBox="1"/>
+          <p:nvPr/>
+        </p:nvSpPr>
+        <p:spPr>
+          <a:xfrm>
+            <a:off x="8334469" y="2885486"/>
+            <a:ext cx="3677176" cy="938719"/>
+          </a:xfrm>
+          <a:prstGeom prst="rect">
+            <a:avLst/>
+          </a:prstGeom>
+          <a:noFill/>
+        </p:spPr>
+        <p:txBody>
+          <a:bodyPr wrap="square" rtlCol="0">
+            <a:spAutoFit/>
+          </a:bodyPr>
+          <a:lstStyle/>
+          <a:p>
+            <a:pPr marL="171450" indent="-171450">
+              <a:buFont typeface="Wingdings" panose="05000000000000000000" pitchFamily="2" charset="2"/>
+              <a:buChar char="ü"/>
+            </a:pPr>
+            <a:r>
+              <a:rPr lang="en-US" sz="1100"/>
+              <a:t>Separate systems, software, requires some </a:t>
+            </a:r>
+            <a:r>
+              <a:rPr lang="en-US" sz="1100" b="1"/>
+              <a:t>manual steps</a:t>
+            </a:r>
+          </a:p>
+          <a:p>
+            <a:pPr marL="171450" indent="-171450">
+              <a:buFont typeface="Wingdings" panose="05000000000000000000" pitchFamily="2" charset="2"/>
+              <a:buChar char="ü"/>
+            </a:pPr>
+            <a:r>
+              <a:rPr lang="en-US" sz="1100" b="1"/>
+              <a:t>High risk of human bias</a:t>
+            </a:r>
+          </a:p>
+          <a:p>
+            <a:pPr marL="171450" indent="-171450">
+              <a:buFont typeface="Wingdings" panose="05000000000000000000" pitchFamily="2" charset="2"/>
+              <a:buChar char="ü"/>
+            </a:pPr>
+            <a:r>
+              <a:rPr lang="en-US" sz="1100"/>
+              <a:t>Low efficiency because of system separation.</a:t>
+            </a:r>
+          </a:p>
+          <a:p>
+            <a:pPr marL="171450" indent="-171450">
+              <a:buFont typeface="Wingdings" panose="05000000000000000000" pitchFamily="2" charset="2"/>
+              <a:buChar char="ü"/>
+            </a:pPr>
+            <a:r>
+              <a:rPr lang="en-US" sz="1100"/>
+              <a:t>Hard to check history</a:t>
+            </a:r>
+          </a:p>
+          <a:p>
+            <a:pPr marL="171450" indent="-171450">
+              <a:buFont typeface="Wingdings" panose="05000000000000000000" pitchFamily="2" charset="2"/>
+              <a:buChar char="ü"/>
+            </a:pPr>
+            <a:r>
+              <a:rPr lang="en-US" sz="1100"/>
+              <a:t>Difficult to manage</a:t>
+            </a:r>
+          </a:p>
+        </p:txBody>
+      </p:sp>
+      <p:sp>
+        <p:nvSpPr>
+          <p:cNvPr id="182" name="Rectangle 181">
+            <a:extLst>
+              <a:ext uri="{FF2B5EF4-FFF2-40B4-BE49-F238E27FC236}">
+                <a16:creationId xmlns:a16="http://schemas.microsoft.com/office/drawing/2014/main" id="{1E33A1E1-3B19-32F9-DDB4-8A70875526B6}"/>
+              </a:ext>
+            </a:extLst>
+          </p:cNvPr>
+          <p:cNvSpPr>
+            <a:spLocks/>
+          </p:cNvSpPr>
+          <p:nvPr/>
+        </p:nvSpPr>
+        <p:spPr>
+          <a:xfrm flipH="1">
+            <a:off x="359860" y="1217964"/>
+            <a:ext cx="3644754" cy="5177725"/>
+          </a:xfrm>
+          <a:prstGeom prst="rect">
+            <a:avLst/>
+          </a:prstGeom>
+          <a:solidFill>
+            <a:schemeClr val="accent3">
+              <a:lumMod val="20000"/>
+              <a:lumOff val="80000"/>
+            </a:schemeClr>
+          </a:solidFill>
+          <a:ln>
+            <a:noFill/>
+          </a:ln>
+        </p:spPr>
+        <p:style>
+          <a:lnRef idx="2">
+            <a:schemeClr val="accent1">
+              <a:shade val="50000"/>
+            </a:schemeClr>
+          </a:lnRef>
+          <a:fillRef idx="1">
+            <a:schemeClr val="accent1"/>
+          </a:fillRef>
+          <a:effectRef idx="0">
+            <a:schemeClr val="accent1"/>
+          </a:effectRef>
+          <a:fontRef idx="minor">
+            <a:schemeClr val="lt1"/>
+          </a:fontRef>
+        </p:style>
+        <p:txBody>
+          <a:bodyPr rtlCol="0" anchor="ctr"/>
+          <a:lstStyle/>
+          <a:p>
+            <a:pPr algn="ctr"/>
+            <a:endParaRPr lang="en-US"/>
+          </a:p>
+        </p:txBody>
+      </p:sp>
+      <p:sp>
+        <p:nvSpPr>
+          <p:cNvPr id="16" name="Rectangle 15">
+            <a:extLst>
+              <a:ext uri="{FF2B5EF4-FFF2-40B4-BE49-F238E27FC236}">
+                <a16:creationId xmlns:a16="http://schemas.microsoft.com/office/drawing/2014/main" id="{FDD0998E-904D-6D6C-2D7B-7FAA18CF1B29}"/>
+              </a:ext>
+            </a:extLst>
+          </p:cNvPr>
+          <p:cNvSpPr/>
+          <p:nvPr/>
+        </p:nvSpPr>
+        <p:spPr>
+          <a:xfrm flipH="1">
+            <a:off x="1498484" y="1420299"/>
+            <a:ext cx="2399250" cy="3454427"/>
+          </a:xfrm>
+          <a:prstGeom prst="rect">
+            <a:avLst/>
+          </a:prstGeom>
+          <a:solidFill>
+            <a:schemeClr val="bg1"/>
+          </a:solidFill>
+          <a:ln w="6350">
+            <a:noFill/>
+            <a:prstDash val="dash"/>
+          </a:ln>
+        </p:spPr>
+        <p:style>
+          <a:lnRef idx="2">
+            <a:schemeClr val="accent1">
+              <a:shade val="50000"/>
+            </a:schemeClr>
+          </a:lnRef>
+          <a:fillRef idx="1">
+            <a:schemeClr val="accent1"/>
+          </a:fillRef>
+          <a:effectRef idx="0">
+            <a:schemeClr val="accent1"/>
+          </a:effectRef>
+          <a:fontRef idx="minor">
+            <a:schemeClr val="lt1"/>
+          </a:fontRef>
+        </p:style>
+        <p:txBody>
+          <a:bodyPr rtlCol="0" anchor="ctr"/>
+          <a:lstStyle/>
+          <a:p>
+            <a:pPr algn="ctr"/>
+            <a:endParaRPr lang="en-US"/>
+          </a:p>
+        </p:txBody>
+      </p:sp>
+      <p:sp>
+        <p:nvSpPr>
+          <p:cNvPr id="18" name="TextBox 17">
+            <a:extLst>
+              <a:ext uri="{FF2B5EF4-FFF2-40B4-BE49-F238E27FC236}">
+                <a16:creationId xmlns:a16="http://schemas.microsoft.com/office/drawing/2014/main" id="{2B3DA4C5-8801-E0F4-7B21-2CC52B94D5D3}"/>
+              </a:ext>
+            </a:extLst>
+          </p:cNvPr>
+          <p:cNvSpPr txBox="1"/>
+          <p:nvPr/>
+        </p:nvSpPr>
+        <p:spPr>
+          <a:xfrm flipH="1">
+            <a:off x="1788745" y="1645087"/>
+            <a:ext cx="1837944" cy="292388"/>
+          </a:xfrm>
+          <a:prstGeom prst="rect">
+            <a:avLst/>
+          </a:prstGeom>
+          <a:solidFill>
+            <a:schemeClr val="accent2">
+              <a:lumMod val="40000"/>
+              <a:lumOff val="60000"/>
+            </a:schemeClr>
+          </a:solidFill>
+          <a:ln>
+            <a:solidFill>
+              <a:schemeClr val="accent3">
+                <a:lumMod val="50000"/>
+              </a:schemeClr>
+            </a:solidFill>
+          </a:ln>
+        </p:spPr>
+        <p:style>
+          <a:lnRef idx="2">
+            <a:schemeClr val="accent5"/>
+          </a:lnRef>
+          <a:fillRef idx="1">
+            <a:schemeClr val="lt1"/>
+          </a:fillRef>
+          <a:effectRef idx="0">
+            <a:schemeClr val="accent5"/>
+          </a:effectRef>
+          <a:fontRef idx="minor">
+            <a:schemeClr val="dk1"/>
+          </a:fontRef>
+        </p:style>
+        <p:txBody>
+          <a:bodyPr wrap="square" rtlCol="0">
+            <a:spAutoFit/>
+          </a:bodyPr>
+          <a:lstStyle/>
+          <a:p>
+            <a:pPr algn="ctr"/>
+            <a:r>
+              <a:rPr lang="en-US" sz="1300" dirty="0"/>
+              <a:t>Estimate DNA size</a:t>
+            </a:r>
+          </a:p>
+        </p:txBody>
+      </p:sp>
+      <p:sp>
+        <p:nvSpPr>
+          <p:cNvPr id="19" name="TextBox 18">
+            <a:extLst>
+              <a:ext uri="{FF2B5EF4-FFF2-40B4-BE49-F238E27FC236}">
+                <a16:creationId xmlns:a16="http://schemas.microsoft.com/office/drawing/2014/main" id="{40839309-94F7-9DBF-2397-8A1C41492C16}"/>
+              </a:ext>
+            </a:extLst>
+          </p:cNvPr>
+          <p:cNvSpPr txBox="1"/>
+          <p:nvPr/>
+        </p:nvSpPr>
+        <p:spPr>
+          <a:xfrm flipH="1">
+            <a:off x="1788745" y="2225443"/>
+            <a:ext cx="1837944" cy="292388"/>
+          </a:xfrm>
+          <a:prstGeom prst="rect">
+            <a:avLst/>
+          </a:prstGeom>
+          <a:solidFill>
+            <a:schemeClr val="accent2">
+              <a:lumMod val="40000"/>
+              <a:lumOff val="60000"/>
+            </a:schemeClr>
+          </a:solidFill>
+          <a:ln>
+            <a:solidFill>
+              <a:schemeClr val="accent3">
+                <a:lumMod val="50000"/>
+              </a:schemeClr>
+            </a:solidFill>
+          </a:ln>
+        </p:spPr>
+        <p:style>
+          <a:lnRef idx="2">
+            <a:schemeClr val="accent5"/>
+          </a:lnRef>
+          <a:fillRef idx="1">
+            <a:schemeClr val="lt1"/>
+          </a:fillRef>
+          <a:effectRef idx="0">
+            <a:schemeClr val="accent5"/>
+          </a:effectRef>
+          <a:fontRef idx="minor">
+            <a:schemeClr val="dk1"/>
+          </a:fontRef>
+        </p:style>
+        <p:txBody>
+          <a:bodyPr wrap="square" rtlCol="0">
+            <a:spAutoFit/>
+          </a:bodyPr>
+          <a:lstStyle/>
+          <a:p>
+            <a:pPr algn="ctr"/>
+            <a:r>
+              <a:rPr lang="en-US" sz="1300" dirty="0"/>
+              <a:t>Plot intensity data</a:t>
+            </a:r>
+          </a:p>
+        </p:txBody>
+      </p:sp>
+      <p:sp>
+        <p:nvSpPr>
+          <p:cNvPr id="20" name="TextBox 19">
+            <a:extLst>
+              <a:ext uri="{FF2B5EF4-FFF2-40B4-BE49-F238E27FC236}">
+                <a16:creationId xmlns:a16="http://schemas.microsoft.com/office/drawing/2014/main" id="{825BAC76-37D4-2696-6FCE-C0F34367FDE0}"/>
+              </a:ext>
+            </a:extLst>
+          </p:cNvPr>
+          <p:cNvSpPr txBox="1"/>
+          <p:nvPr/>
+        </p:nvSpPr>
+        <p:spPr>
+          <a:xfrm flipH="1">
+            <a:off x="1788745" y="2805799"/>
+            <a:ext cx="1837944" cy="692497"/>
+          </a:xfrm>
+          <a:prstGeom prst="rect">
+            <a:avLst/>
+          </a:prstGeom>
+          <a:solidFill>
+            <a:schemeClr val="accent2">
+              <a:lumMod val="40000"/>
+              <a:lumOff val="60000"/>
+            </a:schemeClr>
+          </a:solidFill>
+          <a:ln>
+            <a:solidFill>
+              <a:schemeClr val="accent3">
+                <a:lumMod val="50000"/>
+              </a:schemeClr>
+            </a:solidFill>
+          </a:ln>
+        </p:spPr>
+        <p:style>
+          <a:lnRef idx="2">
+            <a:schemeClr val="accent5"/>
+          </a:lnRef>
+          <a:fillRef idx="1">
+            <a:schemeClr val="lt1"/>
+          </a:fillRef>
+          <a:effectRef idx="0">
+            <a:schemeClr val="accent5"/>
+          </a:effectRef>
+          <a:fontRef idx="minor">
+            <a:schemeClr val="dk1"/>
+          </a:fontRef>
+        </p:style>
+        <p:txBody>
+          <a:bodyPr wrap="square" rtlCol="0">
+            <a:spAutoFit/>
+          </a:bodyPr>
+          <a:lstStyle/>
+          <a:p>
+            <a:pPr algn="ctr"/>
+            <a:r>
+              <a:rPr lang="en-US" altLang="ko-KR" sz="1300" dirty="0"/>
+              <a:t>Review and adjust DNA size and intensity to detect target peaks</a:t>
+            </a:r>
+          </a:p>
+        </p:txBody>
+      </p:sp>
+      <p:sp>
+        <p:nvSpPr>
+          <p:cNvPr id="22" name="TextBox 21">
+            <a:extLst>
+              <a:ext uri="{FF2B5EF4-FFF2-40B4-BE49-F238E27FC236}">
+                <a16:creationId xmlns:a16="http://schemas.microsoft.com/office/drawing/2014/main" id="{4E840CCB-E3F0-4137-8369-EBFA433D4F4F}"/>
+              </a:ext>
+            </a:extLst>
+          </p:cNvPr>
+          <p:cNvSpPr txBox="1"/>
+          <p:nvPr/>
+        </p:nvSpPr>
+        <p:spPr>
+          <a:xfrm flipH="1">
+            <a:off x="1788745" y="3786264"/>
+            <a:ext cx="1837944" cy="292388"/>
+          </a:xfrm>
+          <a:prstGeom prst="rect">
+            <a:avLst/>
+          </a:prstGeom>
+          <a:ln>
+            <a:solidFill>
+              <a:schemeClr val="accent3">
+                <a:lumMod val="50000"/>
+              </a:schemeClr>
+            </a:solidFill>
+          </a:ln>
+        </p:spPr>
+        <p:style>
+          <a:lnRef idx="2">
+            <a:schemeClr val="accent5"/>
+          </a:lnRef>
+          <a:fillRef idx="1">
+            <a:schemeClr val="lt1"/>
+          </a:fillRef>
+          <a:effectRef idx="0">
+            <a:schemeClr val="accent5"/>
+          </a:effectRef>
+          <a:fontRef idx="minor">
+            <a:schemeClr val="dk1"/>
+          </a:fontRef>
+        </p:style>
+        <p:txBody>
+          <a:bodyPr wrap="square" rtlCol="0">
+            <a:spAutoFit/>
+          </a:bodyPr>
+          <a:lstStyle/>
+          <a:p>
+            <a:pPr algn="ctr"/>
+            <a:r>
+              <a:rPr lang="en-US" sz="1300"/>
+              <a:t>Confirmation</a:t>
+            </a:r>
+          </a:p>
+        </p:txBody>
+      </p:sp>
+      <p:cxnSp>
+        <p:nvCxnSpPr>
+          <p:cNvPr id="24" name="Straight Arrow Connector 23">
+            <a:extLst>
+              <a:ext uri="{FF2B5EF4-FFF2-40B4-BE49-F238E27FC236}">
+                <a16:creationId xmlns:a16="http://schemas.microsoft.com/office/drawing/2014/main" id="{CFEB7A41-4A49-52DF-B92B-8E6F479D0D5D}"/>
+              </a:ext>
+            </a:extLst>
+          </p:cNvPr>
+          <p:cNvCxnSpPr>
+            <a:stCxn id="18" idx="2"/>
+            <a:endCxn id="19" idx="0"/>
+          </p:cNvCxnSpPr>
+          <p:nvPr/>
+        </p:nvCxnSpPr>
+        <p:spPr>
+          <a:xfrm>
+            <a:off x="2707717" y="1937475"/>
+            <a:ext cx="0" cy="287968"/>
+          </a:xfrm>
+          <a:prstGeom prst="straightConnector1">
+            <a:avLst/>
+          </a:prstGeom>
+          <a:ln w="19050">
+            <a:solidFill>
+              <a:schemeClr val="tx2">
+                <a:lumMod val="75000"/>
+              </a:schemeClr>
+            </a:solidFill>
+            <a:tailEnd type="triangle"/>
+          </a:ln>
+        </p:spPr>
+        <p:style>
+          <a:lnRef idx="1">
+            <a:schemeClr val="accent1"/>
+          </a:lnRef>
+          <a:fillRef idx="0">
+            <a:schemeClr val="accent1"/>
+          </a:fillRef>
+          <a:effectRef idx="0">
+            <a:schemeClr val="accent1"/>
+          </a:effectRef>
+          <a:fontRef idx="minor">
+            <a:schemeClr val="tx1"/>
+          </a:fontRef>
+        </p:style>
+      </p:cxnSp>
+      <p:cxnSp>
+        <p:nvCxnSpPr>
+          <p:cNvPr id="25" name="Straight Arrow Connector 24">
+            <a:extLst>
+              <a:ext uri="{FF2B5EF4-FFF2-40B4-BE49-F238E27FC236}">
+                <a16:creationId xmlns:a16="http://schemas.microsoft.com/office/drawing/2014/main" id="{0D3354AA-1EC1-17C5-D983-CE2D6679735F}"/>
+              </a:ext>
+            </a:extLst>
+          </p:cNvPr>
+          <p:cNvCxnSpPr>
+            <a:cxnSpLocks/>
+            <a:stCxn id="19" idx="2"/>
+            <a:endCxn id="20" idx="0"/>
+          </p:cNvCxnSpPr>
+          <p:nvPr/>
+        </p:nvCxnSpPr>
+        <p:spPr>
+          <a:xfrm flipH="1">
+            <a:off x="2707717" y="2517831"/>
+            <a:ext cx="0" cy="287968"/>
+          </a:xfrm>
+          <a:prstGeom prst="straightConnector1">
+            <a:avLst/>
+          </a:prstGeom>
+          <a:ln w="19050">
+            <a:solidFill>
+              <a:schemeClr val="tx2">
+                <a:lumMod val="75000"/>
+              </a:schemeClr>
+            </a:solidFill>
+            <a:tailEnd type="triangle"/>
+          </a:ln>
+        </p:spPr>
+        <p:style>
+          <a:lnRef idx="1">
+            <a:schemeClr val="accent1"/>
+          </a:lnRef>
+          <a:fillRef idx="0">
+            <a:schemeClr val="accent1"/>
+          </a:fillRef>
+          <a:effectRef idx="0">
+            <a:schemeClr val="accent1"/>
+          </a:effectRef>
+          <a:fontRef idx="minor">
+            <a:schemeClr val="tx1"/>
+          </a:fontRef>
+        </p:style>
+      </p:cxnSp>
+      <p:cxnSp>
+        <p:nvCxnSpPr>
+          <p:cNvPr id="28" name="Straight Arrow Connector 27">
+            <a:extLst>
+              <a:ext uri="{FF2B5EF4-FFF2-40B4-BE49-F238E27FC236}">
+                <a16:creationId xmlns:a16="http://schemas.microsoft.com/office/drawing/2014/main" id="{97F28E64-7147-C4F7-75A8-7FDB4846C49F}"/>
+              </a:ext>
+            </a:extLst>
+          </p:cNvPr>
+          <p:cNvCxnSpPr>
+            <a:cxnSpLocks/>
+            <a:stCxn id="20" idx="2"/>
+            <a:endCxn id="22" idx="0"/>
+          </p:cNvCxnSpPr>
+          <p:nvPr/>
+        </p:nvCxnSpPr>
+        <p:spPr>
+          <a:xfrm flipH="1">
+            <a:off x="2707717" y="3498296"/>
+            <a:ext cx="0" cy="287968"/>
+          </a:xfrm>
+          <a:prstGeom prst="straightConnector1">
+            <a:avLst/>
+          </a:prstGeom>
+          <a:ln w="19050">
+            <a:solidFill>
+              <a:schemeClr val="tx2">
+                <a:lumMod val="75000"/>
+              </a:schemeClr>
+            </a:solidFill>
+            <a:tailEnd type="triangle"/>
+          </a:ln>
+        </p:spPr>
+        <p:style>
+          <a:lnRef idx="1">
+            <a:schemeClr val="accent1"/>
+          </a:lnRef>
+          <a:fillRef idx="0">
+            <a:schemeClr val="accent1"/>
+          </a:fillRef>
+          <a:effectRef idx="0">
+            <a:schemeClr val="accent1"/>
+          </a:effectRef>
+          <a:fontRef idx="minor">
+            <a:schemeClr val="tx1"/>
+          </a:fontRef>
+        </p:style>
+      </p:cxnSp>
+      <p:sp>
+        <p:nvSpPr>
+          <p:cNvPr id="39" name="TextBox 38">
+            <a:extLst>
+              <a:ext uri="{FF2B5EF4-FFF2-40B4-BE49-F238E27FC236}">
+                <a16:creationId xmlns:a16="http://schemas.microsoft.com/office/drawing/2014/main" id="{92165422-11A3-3E07-957E-C440D80FAD12}"/>
+              </a:ext>
+            </a:extLst>
+          </p:cNvPr>
+          <p:cNvSpPr txBox="1"/>
+          <p:nvPr/>
+        </p:nvSpPr>
+        <p:spPr>
+          <a:xfrm flipH="1">
+            <a:off x="474293" y="3232437"/>
+            <a:ext cx="917310" cy="1092607"/>
+          </a:xfrm>
+          <a:prstGeom prst="rect">
+            <a:avLst/>
+          </a:prstGeom>
+          <a:ln>
+            <a:solidFill>
+              <a:schemeClr val="accent3">
+                <a:lumMod val="50000"/>
+              </a:schemeClr>
+            </a:solidFill>
+          </a:ln>
+        </p:spPr>
+        <p:style>
+          <a:lnRef idx="2">
+            <a:schemeClr val="accent5"/>
+          </a:lnRef>
+          <a:fillRef idx="1">
+            <a:schemeClr val="lt1"/>
+          </a:fillRef>
+          <a:effectRef idx="0">
+            <a:schemeClr val="accent5"/>
+          </a:effectRef>
+          <a:fontRef idx="minor">
+            <a:schemeClr val="dk1"/>
+          </a:fontRef>
+        </p:style>
+        <p:txBody>
+          <a:bodyPr wrap="square" rtlCol="0">
+            <a:spAutoFit/>
+          </a:bodyPr>
+          <a:lstStyle/>
+          <a:p>
+            <a:pPr algn="ctr"/>
+            <a:r>
+              <a:rPr lang="en-US" sz="1300"/>
+              <a:t>Manually genotype calling by PGx experts</a:t>
+            </a:r>
+          </a:p>
+        </p:txBody>
+      </p:sp>
+      <p:cxnSp>
+        <p:nvCxnSpPr>
+          <p:cNvPr id="41" name="Connector: Elbow 40">
+            <a:extLst>
+              <a:ext uri="{FF2B5EF4-FFF2-40B4-BE49-F238E27FC236}">
+                <a16:creationId xmlns:a16="http://schemas.microsoft.com/office/drawing/2014/main" id="{4391F4B9-AE63-F070-8FC9-C03FA6B05BCC}"/>
+              </a:ext>
+            </a:extLst>
+          </p:cNvPr>
+          <p:cNvCxnSpPr>
+            <a:cxnSpLocks/>
+            <a:stCxn id="19" idx="3"/>
+            <a:endCxn id="39" idx="0"/>
+          </p:cNvCxnSpPr>
+          <p:nvPr/>
+        </p:nvCxnSpPr>
+        <p:spPr>
+          <a:xfrm rot="10800000" flipV="1">
+            <a:off x="932949" y="2371637"/>
+            <a:ext cx="855797" cy="860800"/>
+          </a:xfrm>
+          <a:prstGeom prst="bentConnector2">
+            <a:avLst/>
+          </a:prstGeom>
+          <a:ln w="19050">
+            <a:solidFill>
+              <a:schemeClr val="tx2">
+                <a:lumMod val="75000"/>
+              </a:schemeClr>
+            </a:solidFill>
+            <a:tailEnd type="triangle"/>
+          </a:ln>
+        </p:spPr>
+        <p:style>
+          <a:lnRef idx="1">
+            <a:schemeClr val="accent1"/>
+          </a:lnRef>
+          <a:fillRef idx="0">
+            <a:schemeClr val="accent1"/>
+          </a:fillRef>
+          <a:effectRef idx="0">
+            <a:schemeClr val="accent1"/>
+          </a:effectRef>
+          <a:fontRef idx="minor">
+            <a:schemeClr val="tx1"/>
+          </a:fontRef>
+        </p:style>
+      </p:cxnSp>
+      <p:sp>
+        <p:nvSpPr>
+          <p:cNvPr id="45" name="TextBox 44">
+            <a:extLst>
+              <a:ext uri="{FF2B5EF4-FFF2-40B4-BE49-F238E27FC236}">
+                <a16:creationId xmlns:a16="http://schemas.microsoft.com/office/drawing/2014/main" id="{27022936-5E24-B7A9-1CB5-53CF33201BE2}"/>
+              </a:ext>
+            </a:extLst>
+          </p:cNvPr>
+          <p:cNvSpPr txBox="1"/>
+          <p:nvPr/>
+        </p:nvSpPr>
+        <p:spPr>
+          <a:xfrm flipH="1">
+            <a:off x="1788745" y="4366621"/>
+            <a:ext cx="1837944" cy="292388"/>
+          </a:xfrm>
+          <a:prstGeom prst="rect">
+            <a:avLst/>
+          </a:prstGeom>
+          <a:ln>
+            <a:solidFill>
+              <a:schemeClr val="accent3">
+                <a:lumMod val="50000"/>
+              </a:schemeClr>
+            </a:solidFill>
+          </a:ln>
+        </p:spPr>
+        <p:style>
+          <a:lnRef idx="2">
+            <a:schemeClr val="accent5"/>
+          </a:lnRef>
+          <a:fillRef idx="1">
+            <a:schemeClr val="lt1"/>
+          </a:fillRef>
+          <a:effectRef idx="0">
+            <a:schemeClr val="accent5"/>
+          </a:effectRef>
+          <a:fontRef idx="minor">
+            <a:schemeClr val="dk1"/>
+          </a:fontRef>
+        </p:style>
+        <p:txBody>
+          <a:bodyPr wrap="square" rtlCol="0">
+            <a:spAutoFit/>
+          </a:bodyPr>
+          <a:lstStyle/>
+          <a:p>
+            <a:pPr algn="ctr"/>
+            <a:r>
+              <a:rPr lang="en-US" sz="1300" dirty="0"/>
+              <a:t>Exporting result</a:t>
+            </a:r>
+          </a:p>
+        </p:txBody>
+      </p:sp>
+      <p:cxnSp>
+        <p:nvCxnSpPr>
+          <p:cNvPr id="46" name="Straight Arrow Connector 45">
+            <a:extLst>
+              <a:ext uri="{FF2B5EF4-FFF2-40B4-BE49-F238E27FC236}">
+                <a16:creationId xmlns:a16="http://schemas.microsoft.com/office/drawing/2014/main" id="{5AA43C6A-5B07-6900-01D6-5BC947C4A365}"/>
+              </a:ext>
+            </a:extLst>
+          </p:cNvPr>
+          <p:cNvCxnSpPr>
+            <a:cxnSpLocks/>
+            <a:stCxn id="22" idx="2"/>
+            <a:endCxn id="45" idx="0"/>
+          </p:cNvCxnSpPr>
+          <p:nvPr/>
+        </p:nvCxnSpPr>
+        <p:spPr>
+          <a:xfrm flipH="1">
+            <a:off x="2707717" y="4078652"/>
+            <a:ext cx="0" cy="287969"/>
+          </a:xfrm>
+          <a:prstGeom prst="straightConnector1">
+            <a:avLst/>
+          </a:prstGeom>
+          <a:ln w="19050">
+            <a:solidFill>
+              <a:schemeClr val="tx2">
+                <a:lumMod val="75000"/>
+              </a:schemeClr>
+            </a:solidFill>
+            <a:tailEnd type="triangle"/>
+          </a:ln>
+        </p:spPr>
+        <p:style>
+          <a:lnRef idx="1">
+            <a:schemeClr val="accent1"/>
+          </a:lnRef>
+          <a:fillRef idx="0">
+            <a:schemeClr val="accent1"/>
+          </a:fillRef>
+          <a:effectRef idx="0">
+            <a:schemeClr val="accent1"/>
+          </a:effectRef>
+          <a:fontRef idx="minor">
+            <a:schemeClr val="tx1"/>
+          </a:fontRef>
+        </p:style>
+      </p:cxnSp>
+      <p:sp>
+        <p:nvSpPr>
+          <p:cNvPr id="86" name="TextBox 85">
+            <a:extLst>
+              <a:ext uri="{FF2B5EF4-FFF2-40B4-BE49-F238E27FC236}">
+                <a16:creationId xmlns:a16="http://schemas.microsoft.com/office/drawing/2014/main" id="{84F0C1DF-838C-3634-7475-B50129BC89E6}"/>
+              </a:ext>
+            </a:extLst>
+          </p:cNvPr>
+          <p:cNvSpPr txBox="1"/>
+          <p:nvPr/>
+        </p:nvSpPr>
+        <p:spPr>
+          <a:xfrm flipH="1">
+            <a:off x="2733190" y="4674553"/>
+            <a:ext cx="775603" cy="430887"/>
+          </a:xfrm>
+          <a:prstGeom prst="rect">
+            <a:avLst/>
+          </a:prstGeom>
+          <a:noFill/>
+        </p:spPr>
+        <p:txBody>
+          <a:bodyPr wrap="square" rtlCol="0">
+            <a:spAutoFit/>
+          </a:bodyPr>
+          <a:lstStyle/>
+          <a:p>
+            <a:r>
+              <a:rPr lang="en-US" sz="1100" dirty="0"/>
+              <a:t>Manually</a:t>
+            </a:r>
+          </a:p>
+          <a:p>
+            <a:r>
+              <a:rPr lang="en-US" sz="1100" dirty="0"/>
+              <a:t>upload</a:t>
+            </a:r>
+          </a:p>
+        </p:txBody>
+      </p:sp>
+      <p:sp>
+        <p:nvSpPr>
+          <p:cNvPr id="87" name="TextBox 86">
+            <a:extLst>
+              <a:ext uri="{FF2B5EF4-FFF2-40B4-BE49-F238E27FC236}">
+                <a16:creationId xmlns:a16="http://schemas.microsoft.com/office/drawing/2014/main" id="{43191FF2-BD6E-1C84-A6A8-59EA8A07A73B}"/>
+              </a:ext>
+            </a:extLst>
+          </p:cNvPr>
+          <p:cNvSpPr txBox="1"/>
+          <p:nvPr/>
+        </p:nvSpPr>
+        <p:spPr>
+          <a:xfrm flipH="1">
+            <a:off x="968088" y="5640036"/>
+            <a:ext cx="785517" cy="430887"/>
+          </a:xfrm>
+          <a:prstGeom prst="rect">
+            <a:avLst/>
+          </a:prstGeom>
+          <a:noFill/>
+        </p:spPr>
+        <p:txBody>
+          <a:bodyPr wrap="square" rtlCol="0">
+            <a:spAutoFit/>
+          </a:bodyPr>
+          <a:lstStyle/>
+          <a:p>
+            <a:r>
+              <a:rPr lang="en-US" sz="1100" dirty="0"/>
+              <a:t>Manually input</a:t>
+            </a:r>
+          </a:p>
+        </p:txBody>
+      </p:sp>
+      <p:sp>
+        <p:nvSpPr>
+          <p:cNvPr id="163" name="TextBox 162">
+            <a:extLst>
+              <a:ext uri="{FF2B5EF4-FFF2-40B4-BE49-F238E27FC236}">
+                <a16:creationId xmlns:a16="http://schemas.microsoft.com/office/drawing/2014/main" id="{89CE57EC-12EB-5814-3CDF-7F47D7126009}"/>
+              </a:ext>
+            </a:extLst>
+          </p:cNvPr>
+          <p:cNvSpPr txBox="1"/>
+          <p:nvPr/>
+        </p:nvSpPr>
+        <p:spPr>
+          <a:xfrm flipH="1">
+            <a:off x="1527597" y="1048499"/>
+            <a:ext cx="1254507" cy="295662"/>
+          </a:xfrm>
+          <a:prstGeom prst="roundRect">
+            <a:avLst>
+              <a:gd name="adj" fmla="val 24618"/>
+            </a:avLst>
+          </a:prstGeom>
+          <a:solidFill>
+            <a:schemeClr val="bg1"/>
+          </a:solidFill>
+          <a:ln>
+            <a:solidFill>
+              <a:schemeClr val="accent3">
+                <a:lumMod val="20000"/>
+                <a:lumOff val="80000"/>
+              </a:schemeClr>
+            </a:solidFill>
+          </a:ln>
+        </p:spPr>
+        <p:style>
+          <a:lnRef idx="2">
+            <a:schemeClr val="accent5"/>
+          </a:lnRef>
+          <a:fillRef idx="1">
+            <a:schemeClr val="lt1"/>
+          </a:fillRef>
+          <a:effectRef idx="0">
+            <a:schemeClr val="accent5"/>
+          </a:effectRef>
+          <a:fontRef idx="minor">
+            <a:schemeClr val="dk1"/>
+          </a:fontRef>
+        </p:style>
+        <p:txBody>
+          <a:bodyPr wrap="square" rtlCol="0">
+            <a:spAutoFit/>
+          </a:bodyPr>
+          <a:lstStyle/>
+          <a:p>
+            <a:r>
+              <a:rPr lang="en-US" sz="1050" b="1" dirty="0"/>
+              <a:t>Current approach</a:t>
+            </a:r>
+          </a:p>
+        </p:txBody>
+      </p:sp>
+      <p:sp>
+        <p:nvSpPr>
+          <p:cNvPr id="3" name="TextBox 2">
+            <a:extLst>
+              <a:ext uri="{FF2B5EF4-FFF2-40B4-BE49-F238E27FC236}">
+                <a16:creationId xmlns:a16="http://schemas.microsoft.com/office/drawing/2014/main" id="{B7364090-764E-7379-701C-EFF10EBF563C}"/>
+              </a:ext>
+            </a:extLst>
+          </p:cNvPr>
+          <p:cNvSpPr txBox="1"/>
+          <p:nvPr/>
+        </p:nvSpPr>
+        <p:spPr>
+          <a:xfrm flipH="1">
+            <a:off x="1789408" y="5127460"/>
+            <a:ext cx="1836618" cy="492443"/>
+          </a:xfrm>
+          <a:prstGeom prst="rect">
+            <a:avLst/>
+          </a:prstGeom>
+          <a:solidFill>
+            <a:schemeClr val="bg1"/>
+          </a:solidFill>
+          <a:ln>
+            <a:solidFill>
+              <a:schemeClr val="accent3">
+                <a:lumMod val="50000"/>
+              </a:schemeClr>
+            </a:solidFill>
+          </a:ln>
+        </p:spPr>
+        <p:style>
+          <a:lnRef idx="2">
+            <a:schemeClr val="accent5"/>
+          </a:lnRef>
+          <a:fillRef idx="1">
+            <a:schemeClr val="lt1"/>
+          </a:fillRef>
+          <a:effectRef idx="0">
+            <a:schemeClr val="accent5"/>
+          </a:effectRef>
+          <a:fontRef idx="minor">
+            <a:schemeClr val="dk1"/>
+          </a:fontRef>
+        </p:style>
+        <p:txBody>
+          <a:bodyPr wrap="square" rtlCol="0">
+            <a:spAutoFit/>
+          </a:bodyPr>
+          <a:lstStyle/>
+          <a:p>
+            <a:pPr algn="ctr"/>
+            <a:r>
+              <a:rPr lang="en-US" sz="1300" dirty="0"/>
+              <a:t>Third party star-allele calling tools</a:t>
+            </a:r>
+          </a:p>
+        </p:txBody>
+      </p:sp>
+      <p:cxnSp>
+        <p:nvCxnSpPr>
+          <p:cNvPr id="4" name="Straight Arrow Connector 3">
+            <a:extLst>
+              <a:ext uri="{FF2B5EF4-FFF2-40B4-BE49-F238E27FC236}">
+                <a16:creationId xmlns:a16="http://schemas.microsoft.com/office/drawing/2014/main" id="{3A7BFED5-B1A2-83CF-9AFF-07A871168E5E}"/>
+              </a:ext>
+            </a:extLst>
+          </p:cNvPr>
+          <p:cNvCxnSpPr>
+            <a:cxnSpLocks/>
+            <a:stCxn id="45" idx="2"/>
+            <a:endCxn id="3" idx="0"/>
+          </p:cNvCxnSpPr>
+          <p:nvPr/>
+        </p:nvCxnSpPr>
+        <p:spPr>
+          <a:xfrm>
+            <a:off x="2707717" y="4659009"/>
+            <a:ext cx="0" cy="468451"/>
+          </a:xfrm>
+          <a:prstGeom prst="straightConnector1">
+            <a:avLst/>
+          </a:prstGeom>
+          <a:ln w="19050">
+            <a:solidFill>
+              <a:schemeClr val="tx2">
+                <a:lumMod val="75000"/>
+              </a:schemeClr>
+            </a:solidFill>
+            <a:tailEnd type="triangle"/>
+          </a:ln>
+        </p:spPr>
+        <p:style>
+          <a:lnRef idx="1">
+            <a:schemeClr val="accent1"/>
+          </a:lnRef>
+          <a:fillRef idx="0">
+            <a:schemeClr val="accent1"/>
+          </a:fillRef>
+          <a:effectRef idx="0">
+            <a:schemeClr val="accent1"/>
+          </a:effectRef>
+          <a:fontRef idx="minor">
+            <a:schemeClr val="tx1"/>
+          </a:fontRef>
+        </p:style>
+      </p:cxnSp>
+      <p:sp>
+        <p:nvSpPr>
+          <p:cNvPr id="8" name="TextBox 7">
+            <a:extLst>
+              <a:ext uri="{FF2B5EF4-FFF2-40B4-BE49-F238E27FC236}">
+                <a16:creationId xmlns:a16="http://schemas.microsoft.com/office/drawing/2014/main" id="{2DFE785D-0D53-CFC8-D3D2-192D64ABC633}"/>
+              </a:ext>
+            </a:extLst>
+          </p:cNvPr>
+          <p:cNvSpPr txBox="1"/>
+          <p:nvPr/>
+        </p:nvSpPr>
+        <p:spPr>
+          <a:xfrm flipH="1">
+            <a:off x="1789408" y="5903642"/>
+            <a:ext cx="1836618" cy="292388"/>
+          </a:xfrm>
+          <a:prstGeom prst="rect">
+            <a:avLst/>
+          </a:prstGeom>
+          <a:ln>
+            <a:solidFill>
+              <a:schemeClr val="accent3">
+                <a:lumMod val="50000"/>
+              </a:schemeClr>
+            </a:solidFill>
+          </a:ln>
+        </p:spPr>
+        <p:style>
+          <a:lnRef idx="2">
+            <a:schemeClr val="accent5"/>
+          </a:lnRef>
+          <a:fillRef idx="1">
+            <a:schemeClr val="lt1"/>
+          </a:fillRef>
+          <a:effectRef idx="0">
+            <a:schemeClr val="accent5"/>
+          </a:effectRef>
+          <a:fontRef idx="minor">
+            <a:schemeClr val="dk1"/>
+          </a:fontRef>
+        </p:style>
+        <p:txBody>
+          <a:bodyPr wrap="square" rtlCol="0">
+            <a:spAutoFit/>
+          </a:bodyPr>
+          <a:lstStyle/>
+          <a:p>
+            <a:pPr algn="ctr"/>
+            <a:r>
+              <a:rPr lang="en-US" sz="1300" dirty="0">
+                <a:solidFill>
+                  <a:srgbClr val="FF0000"/>
+                </a:solidFill>
+              </a:rPr>
+              <a:t>Generate reports</a:t>
+            </a:r>
+          </a:p>
+        </p:txBody>
+      </p:sp>
+      <p:cxnSp>
+        <p:nvCxnSpPr>
+          <p:cNvPr id="9" name="Straight Arrow Connector 8">
+            <a:extLst>
+              <a:ext uri="{FF2B5EF4-FFF2-40B4-BE49-F238E27FC236}">
+                <a16:creationId xmlns:a16="http://schemas.microsoft.com/office/drawing/2014/main" id="{13320FDA-B33E-569B-FB36-0600715A4647}"/>
+              </a:ext>
+            </a:extLst>
+          </p:cNvPr>
+          <p:cNvCxnSpPr>
+            <a:cxnSpLocks/>
+            <a:stCxn id="3" idx="2"/>
+            <a:endCxn id="8" idx="0"/>
+          </p:cNvCxnSpPr>
+          <p:nvPr/>
+        </p:nvCxnSpPr>
+        <p:spPr>
+          <a:xfrm>
+            <a:off x="2707717" y="5619903"/>
+            <a:ext cx="0" cy="283739"/>
+          </a:xfrm>
+          <a:prstGeom prst="straightConnector1">
+            <a:avLst/>
+          </a:prstGeom>
+          <a:ln w="19050">
+            <a:solidFill>
+              <a:schemeClr val="tx2">
+                <a:lumMod val="75000"/>
+              </a:schemeClr>
+            </a:solidFill>
+            <a:tailEnd type="triangle"/>
+          </a:ln>
+        </p:spPr>
+        <p:style>
+          <a:lnRef idx="1">
+            <a:schemeClr val="accent1"/>
+          </a:lnRef>
+          <a:fillRef idx="0">
+            <a:schemeClr val="accent1"/>
+          </a:fillRef>
+          <a:effectRef idx="0">
+            <a:schemeClr val="accent1"/>
+          </a:effectRef>
+          <a:fontRef idx="minor">
+            <a:schemeClr val="tx1"/>
+          </a:fontRef>
+        </p:style>
+      </p:cxnSp>
+      <p:cxnSp>
+        <p:nvCxnSpPr>
+          <p:cNvPr id="13" name="Connector: Elbow 12">
+            <a:extLst>
+              <a:ext uri="{FF2B5EF4-FFF2-40B4-BE49-F238E27FC236}">
+                <a16:creationId xmlns:a16="http://schemas.microsoft.com/office/drawing/2014/main" id="{ECEDC1B7-13D3-5104-C6A7-728B94D89F86}"/>
+              </a:ext>
+            </a:extLst>
+          </p:cNvPr>
+          <p:cNvCxnSpPr>
+            <a:cxnSpLocks/>
+            <a:stCxn id="39" idx="2"/>
+            <a:endCxn id="8" idx="3"/>
+          </p:cNvCxnSpPr>
+          <p:nvPr/>
+        </p:nvCxnSpPr>
+        <p:spPr>
+          <a:xfrm rot="16200000" flipH="1">
+            <a:off x="498782" y="4759210"/>
+            <a:ext cx="1724792" cy="856460"/>
+          </a:xfrm>
+          <a:prstGeom prst="bentConnector2">
+            <a:avLst/>
+          </a:prstGeom>
+          <a:ln w="19050">
+            <a:solidFill>
+              <a:schemeClr val="tx2">
+                <a:lumMod val="75000"/>
+              </a:schemeClr>
+            </a:solidFill>
+            <a:tailEnd type="triangle"/>
+          </a:ln>
+        </p:spPr>
+        <p:style>
+          <a:lnRef idx="1">
+            <a:schemeClr val="accent1"/>
+          </a:lnRef>
+          <a:fillRef idx="0">
+            <a:schemeClr val="accent1"/>
+          </a:fillRef>
+          <a:effectRef idx="0">
+            <a:schemeClr val="accent1"/>
+          </a:effectRef>
+          <a:fontRef idx="minor">
+            <a:schemeClr val="tx1"/>
+          </a:fontRef>
+        </p:style>
+      </p:cxnSp>
+      <p:pic>
+        <p:nvPicPr>
+          <p:cNvPr id="35" name="Graphic 34" descr="Badge outline">
+            <a:extLst>
+              <a:ext uri="{FF2B5EF4-FFF2-40B4-BE49-F238E27FC236}">
+                <a16:creationId xmlns:a16="http://schemas.microsoft.com/office/drawing/2014/main" id="{82E6531C-8DEE-737C-F195-28E34477977C}"/>
+              </a:ext>
+            </a:extLst>
+          </p:cNvPr>
+          <p:cNvPicPr>
+            <a:picLocks noChangeAspect="1"/>
+          </p:cNvPicPr>
+          <p:nvPr/>
+        </p:nvPicPr>
+        <p:blipFill>
+          <a:blip r:embed="rId2">
+            <a:extLst>
+              <a:ext uri="{28A0092B-C50C-407E-A947-70E740481C1C}">
+                <a14:useLocalDpi xmlns:a14="http://schemas.microsoft.com/office/drawing/2010/main" val="0"/>
+              </a:ext>
+              <a:ext uri="{96DAC541-7B7A-43D3-8B79-37D633B846F1}">
+                <asvg:svgBlip xmlns:asvg="http://schemas.microsoft.com/office/drawing/2016/SVG/main" r:embed="rId3"/>
+              </a:ext>
+            </a:extLst>
+          </a:blip>
+          <a:stretch>
+            <a:fillRect/>
+          </a:stretch>
+        </p:blipFill>
+        <p:spPr>
+          <a:xfrm>
+            <a:off x="2411513" y="2531684"/>
+            <a:ext cx="256032" cy="256032"/>
+          </a:xfrm>
+          <a:prstGeom prst="rect">
+            <a:avLst/>
+          </a:prstGeom>
+        </p:spPr>
+      </p:pic>
+      <p:pic>
+        <p:nvPicPr>
+          <p:cNvPr id="37" name="Graphic 36" descr="Badge 1 outline">
+            <a:extLst>
+              <a:ext uri="{FF2B5EF4-FFF2-40B4-BE49-F238E27FC236}">
+                <a16:creationId xmlns:a16="http://schemas.microsoft.com/office/drawing/2014/main" id="{5137D3CE-6457-2D5F-9085-B18C00BBFB7B}"/>
+              </a:ext>
+            </a:extLst>
+          </p:cNvPr>
+          <p:cNvPicPr>
+            <a:picLocks noChangeAspect="1"/>
+          </p:cNvPicPr>
+          <p:nvPr/>
+        </p:nvPicPr>
+        <p:blipFill>
+          <a:blip r:embed="rId4">
+            <a:extLst>
+              <a:ext uri="{28A0092B-C50C-407E-A947-70E740481C1C}">
+                <a14:useLocalDpi xmlns:a14="http://schemas.microsoft.com/office/drawing/2010/main" val="0"/>
+              </a:ext>
+              <a:ext uri="{96DAC541-7B7A-43D3-8B79-37D633B846F1}">
+                <asvg:svgBlip xmlns:asvg="http://schemas.microsoft.com/office/drawing/2016/SVG/main" r:embed="rId5"/>
+              </a:ext>
+            </a:extLst>
+          </a:blip>
+          <a:stretch>
+            <a:fillRect/>
+          </a:stretch>
+        </p:blipFill>
+        <p:spPr>
+          <a:xfrm>
+            <a:off x="1108998" y="2118741"/>
+            <a:ext cx="252896" cy="252896"/>
+          </a:xfrm>
+          <a:prstGeom prst="rect">
+            <a:avLst/>
+          </a:prstGeom>
+        </p:spPr>
+      </p:pic>
+      <p:sp>
+        <p:nvSpPr>
+          <p:cNvPr id="38" name="TextBox 37">
+            <a:extLst>
+              <a:ext uri="{FF2B5EF4-FFF2-40B4-BE49-F238E27FC236}">
+                <a16:creationId xmlns:a16="http://schemas.microsoft.com/office/drawing/2014/main" id="{34B32BDA-78DA-237C-BCC3-18C0B98777BB}"/>
+              </a:ext>
+            </a:extLst>
+          </p:cNvPr>
+          <p:cNvSpPr txBox="1"/>
+          <p:nvPr/>
+        </p:nvSpPr>
+        <p:spPr>
+          <a:xfrm flipH="1">
+            <a:off x="2055472" y="1374939"/>
+            <a:ext cx="1453322" cy="261610"/>
+          </a:xfrm>
+          <a:prstGeom prst="rect">
+            <a:avLst/>
+          </a:prstGeom>
+          <a:noFill/>
+        </p:spPr>
+        <p:txBody>
+          <a:bodyPr wrap="square">
+            <a:spAutoFit/>
+          </a:bodyPr>
+          <a:lstStyle/>
+          <a:p>
+            <a:r>
+              <a:rPr lang="en-US" sz="1050" b="1" dirty="0" err="1"/>
+              <a:t>GeneMapper</a:t>
+            </a:r>
+            <a:r>
+              <a:rPr lang="en-US" sz="1050" b="1" dirty="0"/>
+              <a:t> Software</a:t>
+            </a:r>
+          </a:p>
+        </p:txBody>
+      </p:sp>
+      <p:cxnSp>
+        <p:nvCxnSpPr>
+          <p:cNvPr id="12" name="Connector: Elbow 11">
+            <a:extLst>
+              <a:ext uri="{FF2B5EF4-FFF2-40B4-BE49-F238E27FC236}">
+                <a16:creationId xmlns:a16="http://schemas.microsoft.com/office/drawing/2014/main" id="{2A2221F1-66EC-A88D-290B-99BB53AD2587}"/>
+              </a:ext>
+            </a:extLst>
+          </p:cNvPr>
+          <p:cNvCxnSpPr>
+            <a:cxnSpLocks/>
+            <a:stCxn id="168" idx="1"/>
+            <a:endCxn id="18" idx="1"/>
+          </p:cNvCxnSpPr>
+          <p:nvPr/>
+        </p:nvCxnSpPr>
+        <p:spPr>
+          <a:xfrm rot="5400000">
+            <a:off x="3506968" y="965244"/>
+            <a:ext cx="945759" cy="706315"/>
+          </a:xfrm>
+          <a:prstGeom prst="bentConnector2">
+            <a:avLst/>
+          </a:prstGeom>
+          <a:ln w="19050">
+            <a:solidFill>
+              <a:schemeClr val="tx2">
+                <a:lumMod val="75000"/>
+              </a:schemeClr>
+            </a:solidFill>
+            <a:tailEnd type="triangle"/>
+          </a:ln>
+        </p:spPr>
+        <p:style>
+          <a:lnRef idx="1">
+            <a:schemeClr val="accent1"/>
+          </a:lnRef>
+          <a:fillRef idx="0">
+            <a:schemeClr val="accent1"/>
+          </a:fillRef>
+          <a:effectRef idx="0">
+            <a:schemeClr val="accent1"/>
+          </a:effectRef>
+          <a:fontRef idx="minor">
+            <a:schemeClr val="tx1"/>
+          </a:fontRef>
+        </p:style>
+      </p:cxnSp>
+      <p:cxnSp>
+        <p:nvCxnSpPr>
+          <p:cNvPr id="17" name="Connector: Elbow 16">
+            <a:extLst>
+              <a:ext uri="{FF2B5EF4-FFF2-40B4-BE49-F238E27FC236}">
+                <a16:creationId xmlns:a16="http://schemas.microsoft.com/office/drawing/2014/main" id="{79252202-B4A2-D2F4-E4DD-91D10941559A}"/>
+              </a:ext>
+            </a:extLst>
+          </p:cNvPr>
+          <p:cNvCxnSpPr>
+            <a:cxnSpLocks/>
+            <a:stCxn id="168" idx="1"/>
+            <a:endCxn id="55" idx="3"/>
+          </p:cNvCxnSpPr>
+          <p:nvPr/>
+        </p:nvCxnSpPr>
+        <p:spPr>
+          <a:xfrm rot="16200000" flipH="1">
+            <a:off x="4250701" y="927824"/>
+            <a:ext cx="945759" cy="781153"/>
+          </a:xfrm>
+          <a:prstGeom prst="bentConnector2">
+            <a:avLst/>
+          </a:prstGeom>
+          <a:ln w="19050">
+            <a:solidFill>
+              <a:schemeClr val="tx2">
+                <a:lumMod val="75000"/>
+              </a:schemeClr>
+            </a:solidFill>
+            <a:tailEnd type="triangle"/>
+          </a:ln>
+        </p:spPr>
+        <p:style>
+          <a:lnRef idx="1">
+            <a:schemeClr val="accent1"/>
+          </a:lnRef>
+          <a:fillRef idx="0">
+            <a:schemeClr val="accent1"/>
+          </a:fillRef>
+          <a:effectRef idx="0">
+            <a:schemeClr val="accent1"/>
+          </a:effectRef>
+          <a:fontRef idx="minor">
+            <a:schemeClr val="tx1"/>
+          </a:fontRef>
+        </p:style>
+      </p:cxnSp>
+      <p:sp>
+        <p:nvSpPr>
+          <p:cNvPr id="29" name="TextBox 28">
+            <a:extLst>
+              <a:ext uri="{FF2B5EF4-FFF2-40B4-BE49-F238E27FC236}">
+                <a16:creationId xmlns:a16="http://schemas.microsoft.com/office/drawing/2014/main" id="{CCA4E36A-81BB-C553-2108-87DDF0ABA347}"/>
+              </a:ext>
+            </a:extLst>
+          </p:cNvPr>
+          <p:cNvSpPr txBox="1"/>
+          <p:nvPr/>
+        </p:nvSpPr>
+        <p:spPr>
+          <a:xfrm>
+            <a:off x="4319647" y="1514282"/>
+            <a:ext cx="635110" cy="276999"/>
+          </a:xfrm>
+          <a:prstGeom prst="rect">
+            <a:avLst/>
+          </a:prstGeom>
+          <a:noFill/>
+        </p:spPr>
+        <p:txBody>
+          <a:bodyPr wrap="none" rtlCol="0">
+            <a:spAutoFit/>
+          </a:bodyPr>
+          <a:lstStyle/>
+          <a:p>
+            <a:r>
+              <a:rPr lang="en-US" sz="1200" dirty="0"/>
+              <a:t>Upload</a:t>
+            </a:r>
+          </a:p>
+        </p:txBody>
+      </p:sp>
+      <p:sp>
+        <p:nvSpPr>
+          <p:cNvPr id="32" name="TextBox 31">
+            <a:extLst>
+              <a:ext uri="{FF2B5EF4-FFF2-40B4-BE49-F238E27FC236}">
+                <a16:creationId xmlns:a16="http://schemas.microsoft.com/office/drawing/2014/main" id="{F6E9D370-1D87-D13B-B57F-B1E6B2DCB4F5}"/>
+              </a:ext>
+            </a:extLst>
+          </p:cNvPr>
+          <p:cNvSpPr txBox="1"/>
+          <p:nvPr/>
+        </p:nvSpPr>
+        <p:spPr>
+          <a:xfrm>
+            <a:off x="501478" y="1218485"/>
+            <a:ext cx="324128" cy="369332"/>
+          </a:xfrm>
+          <a:prstGeom prst="rect">
+            <a:avLst/>
+          </a:prstGeom>
+          <a:noFill/>
+        </p:spPr>
+        <p:txBody>
+          <a:bodyPr wrap="none" rtlCol="0">
+            <a:spAutoFit/>
+          </a:bodyPr>
+          <a:lstStyle/>
+          <a:p>
+            <a:r>
+              <a:rPr lang="en-US" altLang="ko-KR" b="1" dirty="0"/>
+              <a:t>A</a:t>
+            </a:r>
+            <a:endParaRPr lang="ko-KR" altLang="en-US" b="1" dirty="0"/>
+          </a:p>
+        </p:txBody>
+      </p:sp>
+      <p:sp>
+        <p:nvSpPr>
+          <p:cNvPr id="33" name="TextBox 32">
+            <a:extLst>
+              <a:ext uri="{FF2B5EF4-FFF2-40B4-BE49-F238E27FC236}">
+                <a16:creationId xmlns:a16="http://schemas.microsoft.com/office/drawing/2014/main" id="{12369756-51A1-0117-3A27-9F77AE6BD322}"/>
+              </a:ext>
+            </a:extLst>
+          </p:cNvPr>
+          <p:cNvSpPr txBox="1"/>
+          <p:nvPr/>
+        </p:nvSpPr>
+        <p:spPr>
+          <a:xfrm>
+            <a:off x="4737197" y="1218485"/>
+            <a:ext cx="324128" cy="369332"/>
+          </a:xfrm>
+          <a:prstGeom prst="rect">
+            <a:avLst/>
+          </a:prstGeom>
+          <a:noFill/>
+        </p:spPr>
+        <p:txBody>
+          <a:bodyPr wrap="none" rtlCol="0">
+            <a:spAutoFit/>
+          </a:bodyPr>
+          <a:lstStyle/>
+          <a:p>
+            <a:r>
+              <a:rPr lang="en-US" altLang="ko-KR" b="1" dirty="0"/>
+              <a:t>B</a:t>
+            </a:r>
+            <a:endParaRPr lang="ko-KR" altLang="en-US" b="1" dirty="0"/>
+          </a:p>
+        </p:txBody>
+      </p:sp>
+    </p:spTree>
+    <p:extLst>
+      <p:ext uri="{BB962C8B-B14F-4D97-AF65-F5344CB8AC3E}">
+        <p14:creationId xmlns:p14="http://schemas.microsoft.com/office/powerpoint/2010/main" val="1057968040"/>
+      </p:ext>
+    </p:extLst>
+  </p:cSld>
+  <p:clrMapOvr>
+    <a:masterClrMapping/>
+  </p:clrMapOvr>
+</p:sld>
+</file>
+
+<file path=ppt/slides/slide6.xml><?xml version="1.0" encoding="utf-8"?>
+<p:sld xmlns:a="http://schemas.openxmlformats.org/drawingml/2006/main" xmlns:r="http://schemas.openxmlformats.org/officeDocument/2006/relationships" xmlns:p="http://schemas.openxmlformats.org/presentationml/2006/main" show="0">
   <p:cSld>
     <p:spTree>
       <p:nvGrpSpPr>
@@ -12306,533 +13038,6 @@
                                         <p:cTn id="10" dur="500"/>
                                         <p:tgtEl>
                                           <p:spTgt spid="23"/>
-                                        </p:tgtEl>
-                                      </p:cBhvr>
-                                    </p:animEffect>
-                                  </p:childTnLst>
-                                </p:cTn>
-                              </p:par>
-                            </p:childTnLst>
-                          </p:cTn>
-                        </p:par>
-                      </p:childTnLst>
-                    </p:cTn>
-                  </p:par>
-                </p:childTnLst>
-              </p:cTn>
-              <p:prevCondLst>
-                <p:cond evt="onPrev" delay="0">
-                  <p:tgtEl>
-                    <p:sldTgt/>
-                  </p:tgtEl>
-                </p:cond>
-              </p:prevCondLst>
-              <p:nextCondLst>
-                <p:cond evt="onNext" delay="0">
-                  <p:tgtEl>
-                    <p:sldTgt/>
-                  </p:tgtEl>
-                </p:cond>
-              </p:nextCondLst>
-            </p:seq>
-          </p:childTnLst>
-        </p:cTn>
-      </p:par>
-    </p:tnLst>
-  </p:timing>
-</p:sld>
-</file>
-
-<file path=ppt/slides/slide5.xml><?xml version="1.0" encoding="utf-8"?>
-<p:sld xmlns:a="http://schemas.openxmlformats.org/drawingml/2006/main" xmlns:r="http://schemas.openxmlformats.org/officeDocument/2006/relationships" xmlns:p="http://schemas.openxmlformats.org/presentationml/2006/main">
-  <p:cSld>
-    <p:spTree>
-      <p:nvGrpSpPr>
-        <p:cNvPr id="1" name=""/>
-        <p:cNvGrpSpPr/>
-        <p:nvPr/>
-      </p:nvGrpSpPr>
-      <p:grpSpPr>
-        <a:xfrm>
-          <a:off x="0" y="0"/>
-          <a:ext cx="0" cy="0"/>
-          <a:chOff x="0" y="0"/>
-          <a:chExt cx="0" cy="0"/>
-        </a:xfrm>
-      </p:grpSpPr>
-      <p:sp>
-        <p:nvSpPr>
-          <p:cNvPr id="2" name="Title 1">
-            <a:extLst>
-              <a:ext uri="{FF2B5EF4-FFF2-40B4-BE49-F238E27FC236}">
-                <a16:creationId xmlns:a16="http://schemas.microsoft.com/office/drawing/2014/main" id="{16D0410E-1953-15F5-37D5-350C0CBB9D9C}"/>
-              </a:ext>
-            </a:extLst>
-          </p:cNvPr>
-          <p:cNvSpPr>
-            <a:spLocks noGrp="1"/>
-          </p:cNvSpPr>
-          <p:nvPr>
-            <p:ph type="title"/>
-          </p:nvPr>
-        </p:nvSpPr>
-        <p:spPr/>
-        <p:txBody>
-          <a:bodyPr/>
-          <a:lstStyle/>
-          <a:p>
-            <a:r>
-              <a:rPr lang="en-US"/>
-              <a:t>Example of calling process</a:t>
-            </a:r>
-          </a:p>
-        </p:txBody>
-      </p:sp>
-      <p:pic>
-        <p:nvPicPr>
-          <p:cNvPr id="4" name="Picture 3">
-            <a:extLst>
-              <a:ext uri="{FF2B5EF4-FFF2-40B4-BE49-F238E27FC236}">
-                <a16:creationId xmlns:a16="http://schemas.microsoft.com/office/drawing/2014/main" id="{396071EB-3AA2-B384-5559-BEEA85DDF916}"/>
-              </a:ext>
-            </a:extLst>
-          </p:cNvPr>
-          <p:cNvPicPr>
-            <a:picLocks noChangeAspect="1"/>
-          </p:cNvPicPr>
-          <p:nvPr/>
-        </p:nvPicPr>
-        <p:blipFill>
-          <a:blip r:embed="rId2"/>
-          <a:stretch>
-            <a:fillRect/>
-          </a:stretch>
-        </p:blipFill>
-        <p:spPr>
-          <a:xfrm>
-            <a:off x="474686" y="1640621"/>
-            <a:ext cx="9007060" cy="2549244"/>
-          </a:xfrm>
-          <a:prstGeom prst="rect">
-            <a:avLst/>
-          </a:prstGeom>
-        </p:spPr>
-      </p:pic>
-      <p:sp>
-        <p:nvSpPr>
-          <p:cNvPr id="7" name="Arrow: Down 6">
-            <a:extLst>
-              <a:ext uri="{FF2B5EF4-FFF2-40B4-BE49-F238E27FC236}">
-                <a16:creationId xmlns:a16="http://schemas.microsoft.com/office/drawing/2014/main" id="{C8C71221-7FB0-50A8-A4BA-0802111AF4DC}"/>
-              </a:ext>
-            </a:extLst>
-          </p:cNvPr>
-          <p:cNvSpPr/>
-          <p:nvPr/>
-        </p:nvSpPr>
-        <p:spPr>
-          <a:xfrm>
-            <a:off x="4923030" y="3224241"/>
-            <a:ext cx="260626" cy="289469"/>
-          </a:xfrm>
-          <a:prstGeom prst="downArrow">
-            <a:avLst/>
-          </a:prstGeom>
-        </p:spPr>
-        <p:style>
-          <a:lnRef idx="2">
-            <a:schemeClr val="accent1">
-              <a:shade val="50000"/>
-            </a:schemeClr>
-          </a:lnRef>
-          <a:fillRef idx="1">
-            <a:schemeClr val="accent1"/>
-          </a:fillRef>
-          <a:effectRef idx="0">
-            <a:schemeClr val="accent1"/>
-          </a:effectRef>
-          <a:fontRef idx="minor">
-            <a:schemeClr val="lt1"/>
-          </a:fontRef>
-        </p:style>
-        <p:txBody>
-          <a:bodyPr rtlCol="0" anchor="ctr"/>
-          <a:lstStyle/>
-          <a:p>
-            <a:pPr algn="ctr"/>
-            <a:endParaRPr lang="en-US"/>
-          </a:p>
-        </p:txBody>
-      </p:sp>
-      <p:sp>
-        <p:nvSpPr>
-          <p:cNvPr id="8" name="Arrow: Down 7">
-            <a:extLst>
-              <a:ext uri="{FF2B5EF4-FFF2-40B4-BE49-F238E27FC236}">
-                <a16:creationId xmlns:a16="http://schemas.microsoft.com/office/drawing/2014/main" id="{6ED14C8A-595F-3D52-5497-F5EB7323667C}"/>
-              </a:ext>
-            </a:extLst>
-          </p:cNvPr>
-          <p:cNvSpPr/>
-          <p:nvPr/>
-        </p:nvSpPr>
-        <p:spPr>
-          <a:xfrm>
-            <a:off x="3892582" y="3171110"/>
-            <a:ext cx="260626" cy="289469"/>
-          </a:xfrm>
-          <a:prstGeom prst="downArrow">
-            <a:avLst/>
-          </a:prstGeom>
-        </p:spPr>
-        <p:style>
-          <a:lnRef idx="2">
-            <a:schemeClr val="accent1">
-              <a:shade val="50000"/>
-            </a:schemeClr>
-          </a:lnRef>
-          <a:fillRef idx="1">
-            <a:schemeClr val="accent1"/>
-          </a:fillRef>
-          <a:effectRef idx="0">
-            <a:schemeClr val="accent1"/>
-          </a:effectRef>
-          <a:fontRef idx="minor">
-            <a:schemeClr val="lt1"/>
-          </a:fontRef>
-        </p:style>
-        <p:txBody>
-          <a:bodyPr rtlCol="0" anchor="ctr"/>
-          <a:lstStyle/>
-          <a:p>
-            <a:pPr algn="ctr"/>
-            <a:endParaRPr lang="en-US"/>
-          </a:p>
-        </p:txBody>
-      </p:sp>
-      <p:sp>
-        <p:nvSpPr>
-          <p:cNvPr id="9" name="Arrow: Down 8">
-            <a:extLst>
-              <a:ext uri="{FF2B5EF4-FFF2-40B4-BE49-F238E27FC236}">
-                <a16:creationId xmlns:a16="http://schemas.microsoft.com/office/drawing/2014/main" id="{87F26365-6989-F8CB-976A-64DBE0EDBDAC}"/>
-              </a:ext>
-            </a:extLst>
-          </p:cNvPr>
-          <p:cNvSpPr/>
-          <p:nvPr/>
-        </p:nvSpPr>
-        <p:spPr>
-          <a:xfrm>
-            <a:off x="2795022" y="3138952"/>
-            <a:ext cx="260626" cy="289469"/>
-          </a:xfrm>
-          <a:prstGeom prst="downArrow">
-            <a:avLst/>
-          </a:prstGeom>
-        </p:spPr>
-        <p:style>
-          <a:lnRef idx="2">
-            <a:schemeClr val="accent1">
-              <a:shade val="50000"/>
-            </a:schemeClr>
-          </a:lnRef>
-          <a:fillRef idx="1">
-            <a:schemeClr val="accent1"/>
-          </a:fillRef>
-          <a:effectRef idx="0">
-            <a:schemeClr val="accent1"/>
-          </a:effectRef>
-          <a:fontRef idx="minor">
-            <a:schemeClr val="lt1"/>
-          </a:fontRef>
-        </p:style>
-        <p:txBody>
-          <a:bodyPr rtlCol="0" anchor="ctr"/>
-          <a:lstStyle/>
-          <a:p>
-            <a:pPr algn="ctr"/>
-            <a:endParaRPr lang="en-US"/>
-          </a:p>
-        </p:txBody>
-      </p:sp>
-      <p:sp>
-        <p:nvSpPr>
-          <p:cNvPr id="10" name="TextBox 9">
-            <a:extLst>
-              <a:ext uri="{FF2B5EF4-FFF2-40B4-BE49-F238E27FC236}">
-                <a16:creationId xmlns:a16="http://schemas.microsoft.com/office/drawing/2014/main" id="{602DE680-84FA-A780-8647-5A060F14948C}"/>
-              </a:ext>
-            </a:extLst>
-          </p:cNvPr>
-          <p:cNvSpPr txBox="1"/>
-          <p:nvPr/>
-        </p:nvSpPr>
-        <p:spPr>
-          <a:xfrm>
-            <a:off x="838200" y="872806"/>
-            <a:ext cx="7586885" cy="646331"/>
-          </a:xfrm>
-          <a:prstGeom prst="rect">
-            <a:avLst/>
-          </a:prstGeom>
-          <a:noFill/>
-        </p:spPr>
-        <p:txBody>
-          <a:bodyPr wrap="none" rtlCol="0">
-            <a:spAutoFit/>
-          </a:bodyPr>
-          <a:lstStyle/>
-          <a:p>
-            <a:r>
-              <a:rPr lang="en-US"/>
-              <a:t>Default minimum intensity was as 1000; some of marker could not be detected</a:t>
-            </a:r>
-          </a:p>
-          <a:p>
-            <a:r>
-              <a:rPr lang="en-US"/>
-              <a:t>After adjust intensity, these markers was identified:</a:t>
-            </a:r>
-          </a:p>
-        </p:txBody>
-      </p:sp>
-      <p:pic>
-        <p:nvPicPr>
-          <p:cNvPr id="12" name="Picture 11">
-            <a:extLst>
-              <a:ext uri="{FF2B5EF4-FFF2-40B4-BE49-F238E27FC236}">
-                <a16:creationId xmlns:a16="http://schemas.microsoft.com/office/drawing/2014/main" id="{859D4DED-D64E-5040-0A90-72D75625971E}"/>
-              </a:ext>
-            </a:extLst>
-          </p:cNvPr>
-          <p:cNvPicPr>
-            <a:picLocks noChangeAspect="1"/>
-          </p:cNvPicPr>
-          <p:nvPr/>
-        </p:nvPicPr>
-        <p:blipFill rotWithShape="1">
-          <a:blip r:embed="rId3"/>
-          <a:srcRect t="4135" b="2524"/>
-          <a:stretch/>
-        </p:blipFill>
-        <p:spPr>
-          <a:xfrm>
-            <a:off x="474686" y="4278764"/>
-            <a:ext cx="8990938" cy="2553836"/>
-          </a:xfrm>
-          <a:prstGeom prst="rect">
-            <a:avLst/>
-          </a:prstGeom>
-        </p:spPr>
-      </p:pic>
-      <p:sp>
-        <p:nvSpPr>
-          <p:cNvPr id="14" name="TextBox 13">
-            <a:extLst>
-              <a:ext uri="{FF2B5EF4-FFF2-40B4-BE49-F238E27FC236}">
-                <a16:creationId xmlns:a16="http://schemas.microsoft.com/office/drawing/2014/main" id="{687762FF-E02F-FD30-6E1C-D0774B4991C3}"/>
-              </a:ext>
-            </a:extLst>
-          </p:cNvPr>
-          <p:cNvSpPr txBox="1"/>
-          <p:nvPr/>
-        </p:nvSpPr>
-        <p:spPr>
-          <a:xfrm>
-            <a:off x="2710254" y="2184523"/>
-            <a:ext cx="1401233" cy="369332"/>
-          </a:xfrm>
-          <a:prstGeom prst="rect">
-            <a:avLst/>
-          </a:prstGeom>
-          <a:noFill/>
-        </p:spPr>
-        <p:txBody>
-          <a:bodyPr wrap="square">
-            <a:spAutoFit/>
-          </a:bodyPr>
-          <a:lstStyle/>
-          <a:p>
-            <a:r>
-              <a:rPr lang="en-US" sz="1800" b="0" i="0" u="none" strike="noStrike" baseline="0">
-                <a:solidFill>
-                  <a:srgbClr val="000000"/>
-                </a:solidFill>
-                <a:latin typeface="Calibri" panose="020F0502020204030204" pitchFamily="34" charset="0"/>
-              </a:rPr>
-              <a:t>*10B/*10B</a:t>
-            </a:r>
-            <a:endParaRPr lang="en-US"/>
-          </a:p>
-        </p:txBody>
-      </p:sp>
-      <p:pic>
-        <p:nvPicPr>
-          <p:cNvPr id="5" name="Picture 4" descr="Diagram&#10;&#10;Description automatically generated with low confidence">
-            <a:extLst>
-              <a:ext uri="{FF2B5EF4-FFF2-40B4-BE49-F238E27FC236}">
-                <a16:creationId xmlns:a16="http://schemas.microsoft.com/office/drawing/2014/main" id="{5117E44D-05C6-5F73-BBAE-F6423ECA4411}"/>
-              </a:ext>
-            </a:extLst>
-          </p:cNvPr>
-          <p:cNvPicPr>
-            <a:picLocks noChangeAspect="1"/>
-          </p:cNvPicPr>
-          <p:nvPr/>
-        </p:nvPicPr>
-        <p:blipFill>
-          <a:blip r:embed="rId4">
-            <a:extLst>
-              <a:ext uri="{28A0092B-C50C-407E-A947-70E740481C1C}">
-                <a14:useLocalDpi xmlns:a14="http://schemas.microsoft.com/office/drawing/2010/main" val="0"/>
-              </a:ext>
-            </a:extLst>
-          </a:blip>
-          <a:stretch>
-            <a:fillRect/>
-          </a:stretch>
-        </p:blipFill>
-        <p:spPr>
-          <a:xfrm>
-            <a:off x="7016390" y="1697454"/>
-            <a:ext cx="5038013" cy="1343470"/>
-          </a:xfrm>
-          <a:prstGeom prst="rect">
-            <a:avLst/>
-          </a:prstGeom>
-        </p:spPr>
-      </p:pic>
-      <p:pic>
-        <p:nvPicPr>
-          <p:cNvPr id="11" name="Picture 10" descr="Diagram&#10;&#10;Description automatically generated">
-            <a:extLst>
-              <a:ext uri="{FF2B5EF4-FFF2-40B4-BE49-F238E27FC236}">
-                <a16:creationId xmlns:a16="http://schemas.microsoft.com/office/drawing/2014/main" id="{E3B84DA2-AE0A-23FE-CC3C-19EE4E535C5F}"/>
-              </a:ext>
-            </a:extLst>
-          </p:cNvPr>
-          <p:cNvPicPr>
-            <a:picLocks noChangeAspect="1"/>
-          </p:cNvPicPr>
-          <p:nvPr/>
-        </p:nvPicPr>
-        <p:blipFill>
-          <a:blip r:embed="rId5">
-            <a:extLst>
-              <a:ext uri="{28A0092B-C50C-407E-A947-70E740481C1C}">
-                <a14:useLocalDpi xmlns:a14="http://schemas.microsoft.com/office/drawing/2010/main" val="0"/>
-              </a:ext>
-            </a:extLst>
-          </a:blip>
-          <a:stretch>
-            <a:fillRect/>
-          </a:stretch>
-        </p:blipFill>
-        <p:spPr>
-          <a:xfrm>
-            <a:off x="6877970" y="4289082"/>
-            <a:ext cx="5038013" cy="1343470"/>
-          </a:xfrm>
-          <a:prstGeom prst="rect">
-            <a:avLst/>
-          </a:prstGeom>
-        </p:spPr>
-      </p:pic>
-    </p:spTree>
-    <p:extLst>
-      <p:ext uri="{BB962C8B-B14F-4D97-AF65-F5344CB8AC3E}">
-        <p14:creationId xmlns:p14="http://schemas.microsoft.com/office/powerpoint/2010/main" val="3349766798"/>
-      </p:ext>
-    </p:extLst>
-  </p:cSld>
-  <p:clrMapOvr>
-    <a:masterClrMapping/>
-  </p:clrMapOvr>
-  <p:timing>
-    <p:tnLst>
-      <p:par>
-        <p:cTn id="1" dur="indefinite" restart="never" nodeType="tmRoot">
-          <p:childTnLst>
-            <p:seq concurrent="1" nextAc="seek">
-              <p:cTn id="2" dur="indefinite" nodeType="mainSeq">
-                <p:childTnLst>
-                  <p:par>
-                    <p:cTn id="3" fill="hold">
-                      <p:stCondLst>
-                        <p:cond delay="indefinite"/>
-                      </p:stCondLst>
-                      <p:childTnLst>
-                        <p:par>
-                          <p:cTn id="4" fill="hold">
-                            <p:stCondLst>
-                              <p:cond delay="0"/>
-                            </p:stCondLst>
-                            <p:childTnLst>
-                              <p:par>
-                                <p:cTn id="5" presetID="10" presetClass="entr" presetSubtype="0" fill="hold" nodeType="clickEffect">
-                                  <p:stCondLst>
-                                    <p:cond delay="0"/>
-                                  </p:stCondLst>
-                                  <p:childTnLst>
-                                    <p:set>
-                                      <p:cBhvr>
-                                        <p:cTn id="6" dur="1" fill="hold">
-                                          <p:stCondLst>
-                                            <p:cond delay="0"/>
-                                          </p:stCondLst>
-                                        </p:cTn>
-                                        <p:tgtEl>
-                                          <p:spTgt spid="5"/>
-                                        </p:tgtEl>
-                                        <p:attrNameLst>
-                                          <p:attrName>style.visibility</p:attrName>
-                                        </p:attrNameLst>
-                                      </p:cBhvr>
-                                      <p:to>
-                                        <p:strVal val="visible"/>
-                                      </p:to>
-                                    </p:set>
-                                    <p:animEffect transition="in" filter="fade">
-                                      <p:cBhvr>
-                                        <p:cTn id="7" dur="500"/>
-                                        <p:tgtEl>
-                                          <p:spTgt spid="5"/>
-                                        </p:tgtEl>
-                                      </p:cBhvr>
-                                    </p:animEffect>
-                                  </p:childTnLst>
-                                </p:cTn>
-                              </p:par>
-                              <p:par>
-                                <p:cTn id="8" presetID="10" presetClass="entr" presetSubtype="0" fill="hold" nodeType="withEffect">
-                                  <p:stCondLst>
-                                    <p:cond delay="0"/>
-                                  </p:stCondLst>
-                                  <p:childTnLst>
-                                    <p:set>
-                                      <p:cBhvr>
-                                        <p:cTn id="9" dur="1" fill="hold">
-                                          <p:stCondLst>
-                                            <p:cond delay="0"/>
-                                          </p:stCondLst>
-                                        </p:cTn>
-                                        <p:tgtEl>
-                                          <p:spTgt spid="11"/>
-                                        </p:tgtEl>
-                                        <p:attrNameLst>
-                                          <p:attrName>style.visibility</p:attrName>
-                                        </p:attrNameLst>
-                                      </p:cBhvr>
-                                      <p:to>
-                                        <p:strVal val="visible"/>
-                                      </p:to>
-                                    </p:set>
-                                    <p:animEffect transition="in" filter="fade">
-                                      <p:cBhvr>
-                                        <p:cTn id="10" dur="500"/>
-                                        <p:tgtEl>
-                                          <p:spTgt spid="11"/>
                                         </p:tgtEl>
                                       </p:cBhvr>
                                     </p:animEffect>
@@ -13470,6 +13675,25 @@
 </file>
 
 <file path=customXml/item2.xml><?xml version="1.0" encoding="utf-8"?>
+<p:properties xmlns:p="http://schemas.microsoft.com/office/2006/metadata/properties" xmlns:xsi="http://www.w3.org/2001/XMLSchema-instance" xmlns:pc="http://schemas.microsoft.com/office/infopath/2007/PartnerControls">
+  <documentManagement>
+    <Note xmlns="f13576c6-6bbf-421f-8f71-741a338009cc" xsi:nil="true"/>
+    <SharedWithUsers xmlns="5e778ed9-db01-40f0-96f1-882ce5c325a8">
+      <UserInfo>
+        <DisplayName>안현정</DisplayName>
+        <AccountId>16</AccountId>
+        <AccountType/>
+      </UserInfo>
+    </SharedWithUsers>
+    <TaxCatchAll xmlns="5e778ed9-db01-40f0-96f1-882ce5c325a8" xsi:nil="true"/>
+    <lcf76f155ced4ddcb4097134ff3c332f xmlns="f13576c6-6bbf-421f-8f71-741a338009cc">
+      <Terms xmlns="http://schemas.microsoft.com/office/infopath/2007/PartnerControls"/>
+    </lcf76f155ced4ddcb4097134ff3c332f>
+  </documentManagement>
+</p:properties>
+</file>
+
+<file path=customXml/item3.xml><?xml version="1.0" encoding="utf-8"?>
 <ct:contentTypeSchema xmlns:ct="http://schemas.microsoft.com/office/2006/metadata/contentType" xmlns:ma="http://schemas.microsoft.com/office/2006/metadata/properties/metaAttributes" ct:_="" ma:_="" ma:contentTypeName="Document" ma:contentTypeID="0x010100E3D0EFEF646FF241B8975FC7ACC84D3C" ma:contentTypeVersion="17" ma:contentTypeDescription="Create a new document." ma:contentTypeScope="" ma:versionID="88fdf12c76c7ecb77feb2a4975fc95f0">
   <xsd:schema xmlns:xsd="http://www.w3.org/2001/XMLSchema" xmlns:xs="http://www.w3.org/2001/XMLSchema" xmlns:p="http://schemas.microsoft.com/office/2006/metadata/properties" xmlns:ns2="f13576c6-6bbf-421f-8f71-741a338009cc" xmlns:ns3="5e778ed9-db01-40f0-96f1-882ce5c325a8" targetNamespace="http://schemas.microsoft.com/office/2006/metadata/properties" ma:root="true" ma:fieldsID="6c848dae37eeae4928435ada50743573" ns2:_="" ns3:_="">
     <xsd:import namespace="f13576c6-6bbf-421f-8f71-741a338009cc"/>
@@ -13714,25 +13938,6 @@
 </ct:contentTypeSchema>
 </file>
 
-<file path=customXml/item3.xml><?xml version="1.0" encoding="utf-8"?>
-<p:properties xmlns:p="http://schemas.microsoft.com/office/2006/metadata/properties" xmlns:xsi="http://www.w3.org/2001/XMLSchema-instance" xmlns:pc="http://schemas.microsoft.com/office/infopath/2007/PartnerControls">
-  <documentManagement>
-    <Note xmlns="f13576c6-6bbf-421f-8f71-741a338009cc" xsi:nil="true"/>
-    <SharedWithUsers xmlns="5e778ed9-db01-40f0-96f1-882ce5c325a8">
-      <UserInfo>
-        <DisplayName>안현정</DisplayName>
-        <AccountId>16</AccountId>
-        <AccountType/>
-      </UserInfo>
-    </SharedWithUsers>
-    <TaxCatchAll xmlns="5e778ed9-db01-40f0-96f1-882ce5c325a8" xsi:nil="true"/>
-    <lcf76f155ced4ddcb4097134ff3c332f xmlns="f13576c6-6bbf-421f-8f71-741a338009cc">
-      <Terms xmlns="http://schemas.microsoft.com/office/infopath/2007/PartnerControls"/>
-    </lcf76f155ced4ddcb4097134ff3c332f>
-  </documentManagement>
-</p:properties>
-</file>
-
 <file path=customXml/itemProps1.xml><?xml version="1.0" encoding="utf-8"?>
 <ds:datastoreItem xmlns:ds="http://schemas.openxmlformats.org/officeDocument/2006/customXml" ds:itemID="{3D164E13-E5D0-4EF8-840B-EA1BC765A776}">
   <ds:schemaRefs>
@@ -13742,6 +13947,23 @@
 </file>
 
 <file path=customXml/itemProps2.xml><?xml version="1.0" encoding="utf-8"?>
+<ds:datastoreItem xmlns:ds="http://schemas.openxmlformats.org/officeDocument/2006/customXml" ds:itemID="{8BD72160-D8B9-43E1-AB5C-B2DBC6479349}">
+  <ds:schemaRefs>
+    <ds:schemaRef ds:uri="http://schemas.microsoft.com/office/2006/documentManagement/types"/>
+    <ds:schemaRef ds:uri="http://www.w3.org/XML/1998/namespace"/>
+    <ds:schemaRef ds:uri="http://purl.org/dc/elements/1.1/"/>
+    <ds:schemaRef ds:uri="http://schemas.openxmlformats.org/package/2006/metadata/core-properties"/>
+    <ds:schemaRef ds:uri="http://purl.org/dc/terms/"/>
+    <ds:schemaRef ds:uri="http://schemas.microsoft.com/office/infopath/2007/PartnerControls"/>
+    <ds:schemaRef ds:uri="f13576c6-6bbf-421f-8f71-741a338009cc"/>
+    <ds:schemaRef ds:uri="http://purl.org/dc/dcmitype/"/>
+    <ds:schemaRef ds:uri="5e778ed9-db01-40f0-96f1-882ce5c325a8"/>
+    <ds:schemaRef ds:uri="http://schemas.microsoft.com/office/2006/metadata/properties"/>
+  </ds:schemaRefs>
+</ds:datastoreItem>
+</file>
+
+<file path=customXml/itemProps3.xml><?xml version="1.0" encoding="utf-8"?>
 <ds:datastoreItem xmlns:ds="http://schemas.openxmlformats.org/officeDocument/2006/customXml" ds:itemID="{58A3AAAF-C3CF-4888-9BDA-826AFDC81862}">
   <ds:schemaRefs>
     <ds:schemaRef ds:uri="5e778ed9-db01-40f0-96f1-882ce5c325a8"/>
@@ -13758,21 +13980,4 @@
     <ds:schemaRef ds:uri="http://www.w3.org/2001/XMLSchema"/>
   </ds:schemaRefs>
 </ds:datastoreItem>
-</file>
-
-<file path=customXml/itemProps3.xml><?xml version="1.0" encoding="utf-8"?>
-<ds:datastoreItem xmlns:ds="http://schemas.openxmlformats.org/officeDocument/2006/customXml" ds:itemID="{8BD72160-D8B9-43E1-AB5C-B2DBC6479349}">
-  <ds:schemaRefs>
-    <ds:schemaRef ds:uri="http://schemas.microsoft.com/office/2006/documentManagement/types"/>
-    <ds:schemaRef ds:uri="http://www.w3.org/XML/1998/namespace"/>
-    <ds:schemaRef ds:uri="http://purl.org/dc/elements/1.1/"/>
-    <ds:schemaRef ds:uri="http://schemas.openxmlformats.org/package/2006/metadata/core-properties"/>
-    <ds:schemaRef ds:uri="http://purl.org/dc/terms/"/>
-    <ds:schemaRef ds:uri="http://schemas.microsoft.com/office/infopath/2007/PartnerControls"/>
-    <ds:schemaRef ds:uri="f13576c6-6bbf-421f-8f71-741a338009cc"/>
-    <ds:schemaRef ds:uri="http://purl.org/dc/dcmitype/"/>
-    <ds:schemaRef ds:uri="5e778ed9-db01-40f0-96f1-882ce5c325a8"/>
-    <ds:schemaRef ds:uri="http://schemas.microsoft.com/office/2006/metadata/properties"/>
-  </ds:schemaRefs>
-</ds:datastoreItem>
 </file>